--- a/Clase X - Grafos, representaciones y recorridos básicos/Clase de Grafos.pptx
+++ b/Clase X - Grafos, representaciones y recorridos básicos/Clase de Grafos.pptx
@@ -6,7 +6,7 @@
     <p:sldMasterId id="2147483650" r:id="rId2"/>
   </p:sldMasterIdLst>
   <p:notesMasterIdLst>
-    <p:notesMasterId r:id="rId19"/>
+    <p:notesMasterId r:id="rId20"/>
   </p:notesMasterIdLst>
   <p:sldIdLst>
     <p:sldId id="256" r:id="rId3"/>
@@ -17,31 +17,25 @@
     <p:sldId id="261" r:id="rId8"/>
     <p:sldId id="262" r:id="rId9"/>
     <p:sldId id="263" r:id="rId10"/>
-    <p:sldId id="264" r:id="rId11"/>
-    <p:sldId id="265" r:id="rId12"/>
-    <p:sldId id="266" r:id="rId13"/>
-    <p:sldId id="267" r:id="rId14"/>
-    <p:sldId id="268" r:id="rId15"/>
-    <p:sldId id="269" r:id="rId16"/>
-    <p:sldId id="270" r:id="rId17"/>
-    <p:sldId id="272" r:id="rId18"/>
+    <p:sldId id="265" r:id="rId11"/>
+    <p:sldId id="266" r:id="rId12"/>
+    <p:sldId id="267" r:id="rId13"/>
+    <p:sldId id="268" r:id="rId14"/>
+    <p:sldId id="269" r:id="rId15"/>
+    <p:sldId id="270" r:id="rId16"/>
+    <p:sldId id="272" r:id="rId17"/>
+    <p:sldId id="273" r:id="rId18"/>
+    <p:sldId id="274" r:id="rId19"/>
   </p:sldIdLst>
   <p:sldSz cx="9144000" cy="6858000" type="screen4x3"/>
   <p:notesSz cx="6858000" cy="9144000"/>
   <p:embeddedFontLst>
     <p:embeddedFont>
       <p:font typeface="Constantia" panose="02030602050306030303" pitchFamily="18" charset="0"/>
-      <p:regular r:id="rId20"/>
-      <p:bold r:id="rId21"/>
-      <p:italic r:id="rId22"/>
-      <p:boldItalic r:id="rId23"/>
-    </p:embeddedFont>
-    <p:embeddedFont>
-      <p:font typeface="Roboto" panose="02000000000000000000" pitchFamily="2" charset="0"/>
-      <p:regular r:id="rId24"/>
-      <p:bold r:id="rId25"/>
-      <p:italic r:id="rId26"/>
-      <p:boldItalic r:id="rId27"/>
+      <p:regular r:id="rId21"/>
+      <p:bold r:id="rId22"/>
+      <p:italic r:id="rId23"/>
+      <p:boldItalic r:id="rId24"/>
     </p:embeddedFont>
   </p:embeddedFontLst>
   <p:defaultTextStyle>
@@ -289,7 +283,7 @@
       </p15:sldGuideLst>
     </p:ext>
     <p:ext uri="http://customooxmlschemas.google.com/">
-      <go:slidesCustomData xmlns="" xmlns:mc="http://schemas.openxmlformats.org/markup-compatibility/2006" xmlns:mv="urn:schemas-microsoft-com:mac:vml" xmlns:c="http://schemas.openxmlformats.org/drawingml/2006/chart" xmlns:dgm="http://schemas.openxmlformats.org/drawingml/2006/diagram" xmlns:o="urn:schemas-microsoft-com:office:office" xmlns:v="urn:schemas-microsoft-com:vml" xmlns:pvml="urn:schemas-microsoft-com:office:powerpoint" xmlns:com="http://schemas.openxmlformats.org/drawingml/2006/compatibility" xmlns:p14="http://schemas.microsoft.com/office/powerpoint/2010/main" xmlns:p15="http://schemas.microsoft.com/office/powerpoint/2012/main" xmlns:ahyp="http://schemas.microsoft.com/office/drawing/2018/hyperlinkcolor" xmlns:go="http://customooxmlschemas.google.com/" r:id="rId46" roundtripDataSignature="AMtx7mgwgARjPC6QHRbbaRWQiZp0Tnw/pQ=="/>
+      <go:slidesCustomData xmlns:go="http://customooxmlschemas.google.com/" xmlns:ahyp="http://schemas.microsoft.com/office/drawing/2018/hyperlinkcolor" xmlns:p15="http://schemas.microsoft.com/office/powerpoint/2012/main" xmlns:p14="http://schemas.microsoft.com/office/powerpoint/2010/main" xmlns:com="http://schemas.openxmlformats.org/drawingml/2006/compatibility" xmlns:pvml="urn:schemas-microsoft-com:office:powerpoint" xmlns:v="urn:schemas-microsoft-com:vml" xmlns:o="urn:schemas-microsoft-com:office:office" xmlns:dgm="http://schemas.openxmlformats.org/drawingml/2006/diagram" xmlns:c="http://schemas.openxmlformats.org/drawingml/2006/chart" xmlns:mv="urn:schemas-microsoft-com:mac:vml" xmlns:mc="http://schemas.openxmlformats.org/markup-compatibility/2006" xmlns="" r:id="rId46" roundtripDataSignature="AMtx7mgwgARjPC6QHRbbaRWQiZp0Tnw/pQ=="/>
     </p:ext>
   </p:extLst>
 </p:presentation>
@@ -1006,128 +1000,6 @@
   <p:cSld>
     <p:spTree>
       <p:nvGrpSpPr>
-        <p:cNvPr id="1" name="Shape 193"/>
-        <p:cNvGrpSpPr/>
-        <p:nvPr/>
-      </p:nvGrpSpPr>
-      <p:grpSpPr>
-        <a:xfrm>
-          <a:off x="0" y="0"/>
-          <a:ext cx="0" cy="0"/>
-          <a:chOff x="0" y="0"/>
-          <a:chExt cx="0" cy="0"/>
-        </a:xfrm>
-      </p:grpSpPr>
-      <p:sp>
-        <p:nvSpPr>
-          <p:cNvPr id="194" name="Google Shape;194;g87d0b50373_4_27:notes"/>
-          <p:cNvSpPr txBox="1">
-            <a:spLocks noGrp="1"/>
-          </p:cNvSpPr>
-          <p:nvPr>
-            <p:ph type="body" idx="1"/>
-          </p:nvPr>
-        </p:nvSpPr>
-        <p:spPr>
-          <a:xfrm>
-            <a:off x="685800" y="4343400"/>
-            <a:ext cx="5486400" cy="4114800"/>
-          </a:xfrm>
-          <a:prstGeom prst="rect">
-            <a:avLst/>
-          </a:prstGeom>
-          <a:noFill/>
-          <a:ln>
-            <a:noFill/>
-          </a:ln>
-        </p:spPr>
-        <p:txBody>
-          <a:bodyPr spcFirstLastPara="1" wrap="square" lIns="91425" tIns="91425" rIns="91425" bIns="91425" anchor="t" anchorCtr="0">
-            <a:noAutofit/>
-          </a:bodyPr>
-          <a:lstStyle/>
-          <a:p>
-            <a:pPr marL="0" lvl="0" indent="0" algn="l" rtl="0">
-              <a:lnSpc>
-                <a:spcPct val="100000"/>
-              </a:lnSpc>
-              <a:spcBef>
-                <a:spcPts val="0"/>
-              </a:spcBef>
-              <a:spcAft>
-                <a:spcPts val="0"/>
-              </a:spcAft>
-              <a:buSzPts val="1100"/>
-              <a:buNone/>
-            </a:pPr>
-            <a:endParaRPr/>
-          </a:p>
-        </p:txBody>
-      </p:sp>
-      <p:sp>
-        <p:nvSpPr>
-          <p:cNvPr id="195" name="Google Shape;195;g87d0b50373_4_27:notes"/>
-          <p:cNvSpPr>
-            <a:spLocks noGrp="1" noRot="1" noChangeAspect="1"/>
-          </p:cNvSpPr>
-          <p:nvPr>
-            <p:ph type="sldImg" idx="2"/>
-          </p:nvPr>
-        </p:nvSpPr>
-        <p:spPr>
-          <a:xfrm>
-            <a:off x="1143000" y="685800"/>
-            <a:ext cx="4572000" cy="3429000"/>
-          </a:xfrm>
-          <a:custGeom>
-            <a:avLst/>
-            <a:gdLst/>
-            <a:ahLst/>
-            <a:cxnLst/>
-            <a:rect l="l" t="t" r="r" b="b"/>
-            <a:pathLst>
-              <a:path w="120000" h="120000" extrusionOk="0">
-                <a:moveTo>
-                  <a:pt x="0" y="0"/>
-                </a:moveTo>
-                <a:lnTo>
-                  <a:pt x="120000" y="0"/>
-                </a:lnTo>
-                <a:lnTo>
-                  <a:pt x="120000" y="120000"/>
-                </a:lnTo>
-                <a:lnTo>
-                  <a:pt x="0" y="120000"/>
-                </a:lnTo>
-                <a:close/>
-              </a:path>
-            </a:pathLst>
-          </a:custGeom>
-          <a:noFill/>
-          <a:ln w="9525" cap="flat" cmpd="sng">
-            <a:solidFill>
-              <a:srgbClr val="000000"/>
-            </a:solidFill>
-            <a:prstDash val="solid"/>
-            <a:round/>
-            <a:headEnd type="none" w="sm" len="sm"/>
-            <a:tailEnd type="none" w="sm" len="sm"/>
-          </a:ln>
-        </p:spPr>
-      </p:sp>
-    </p:spTree>
-  </p:cSld>
-  <p:clrMapOvr>
-    <a:masterClrMapping/>
-  </p:clrMapOvr>
-</p:notes>
-</file>
-
-<file path=ppt/notesSlides/notesSlide11.xml><?xml version="1.0" encoding="utf-8"?>
-<p:notes xmlns:a="http://schemas.openxmlformats.org/drawingml/2006/main" xmlns:r="http://schemas.openxmlformats.org/officeDocument/2006/relationships" xmlns:p="http://schemas.openxmlformats.org/presentationml/2006/main" showMasterSp="0" showMasterPhAnim="0">
-  <p:cSld>
-    <p:spTree>
-      <p:nvGrpSpPr>
         <p:cNvPr id="1" name="Shape 218"/>
         <p:cNvGrpSpPr/>
         <p:nvPr/>
@@ -1245,7 +1117,7 @@
 </p:notes>
 </file>
 
-<file path=ppt/notesSlides/notesSlide12.xml><?xml version="1.0" encoding="utf-8"?>
+<file path=ppt/notesSlides/notesSlide11.xml><?xml version="1.0" encoding="utf-8"?>
 <p:notes xmlns:a="http://schemas.openxmlformats.org/drawingml/2006/main" xmlns:r="http://schemas.openxmlformats.org/officeDocument/2006/relationships" xmlns:p="http://schemas.openxmlformats.org/presentationml/2006/main" showMasterSp="0" showMasterPhAnim="0">
   <p:cSld>
     <p:spTree>
@@ -1367,7 +1239,7 @@
 </p:notes>
 </file>
 
-<file path=ppt/notesSlides/notesSlide13.xml><?xml version="1.0" encoding="utf-8"?>
+<file path=ppt/notesSlides/notesSlide12.xml><?xml version="1.0" encoding="utf-8"?>
 <p:notes xmlns:a="http://schemas.openxmlformats.org/drawingml/2006/main" xmlns:r="http://schemas.openxmlformats.org/officeDocument/2006/relationships" xmlns:p="http://schemas.openxmlformats.org/presentationml/2006/main" showMasterSp="0" showMasterPhAnim="0">
   <p:cSld>
     <p:spTree>
@@ -1489,7 +1361,7 @@
 </p:notes>
 </file>
 
-<file path=ppt/notesSlides/notesSlide14.xml><?xml version="1.0" encoding="utf-8"?>
+<file path=ppt/notesSlides/notesSlide13.xml><?xml version="1.0" encoding="utf-8"?>
 <p:notes xmlns:a="http://schemas.openxmlformats.org/drawingml/2006/main" xmlns:r="http://schemas.openxmlformats.org/officeDocument/2006/relationships" xmlns:p="http://schemas.openxmlformats.org/presentationml/2006/main" showMasterSp="0" showMasterPhAnim="0">
   <p:cSld>
     <p:spTree>
@@ -1611,7 +1483,7 @@
 </p:notes>
 </file>
 
-<file path=ppt/notesSlides/notesSlide15.xml><?xml version="1.0" encoding="utf-8"?>
+<file path=ppt/notesSlides/notesSlide14.xml><?xml version="1.0" encoding="utf-8"?>
 <p:notes xmlns:a="http://schemas.openxmlformats.org/drawingml/2006/main" xmlns:r="http://schemas.openxmlformats.org/officeDocument/2006/relationships" xmlns:p="http://schemas.openxmlformats.org/presentationml/2006/main" showMasterSp="0" showMasterPhAnim="0">
   <p:cSld>
     <p:spTree>
@@ -1733,7 +1605,7 @@
 </p:notes>
 </file>
 
-<file path=ppt/notesSlides/notesSlide16.xml><?xml version="1.0" encoding="utf-8"?>
+<file path=ppt/notesSlides/notesSlide15.xml><?xml version="1.0" encoding="utf-8"?>
 <p:notes xmlns:a="http://schemas.openxmlformats.org/drawingml/2006/main" xmlns:r="http://schemas.openxmlformats.org/officeDocument/2006/relationships" xmlns:p="http://schemas.openxmlformats.org/presentationml/2006/main" showMasterSp="0" showMasterPhAnim="0">
   <p:cSld>
     <p:spTree>
@@ -1848,6 +1720,296 @@
         </p:spPr>
       </p:sp>
     </p:spTree>
+  </p:cSld>
+  <p:clrMapOvr>
+    <a:masterClrMapping/>
+  </p:clrMapOvr>
+</p:notes>
+</file>
+
+<file path=ppt/notesSlides/notesSlide16.xml><?xml version="1.0" encoding="utf-8"?>
+<p:notes xmlns:a="http://schemas.openxmlformats.org/drawingml/2006/main" xmlns:r="http://schemas.openxmlformats.org/officeDocument/2006/relationships" xmlns:p="http://schemas.openxmlformats.org/presentationml/2006/main" showMasterSp="0" showMasterPhAnim="0">
+  <p:cSld>
+    <p:spTree>
+      <p:nvGrpSpPr>
+        <p:cNvPr id="1" name="Shape 322">
+          <a:extLst>
+            <a:ext uri="{FF2B5EF4-FFF2-40B4-BE49-F238E27FC236}">
+              <a16:creationId xmlns:a16="http://schemas.microsoft.com/office/drawing/2014/main" id="{C38C6998-7599-FDC7-3D94-598F83F208EA}"/>
+            </a:ext>
+          </a:extLst>
+        </p:cNvPr>
+        <p:cNvGrpSpPr/>
+        <p:nvPr/>
+      </p:nvGrpSpPr>
+      <p:grpSpPr>
+        <a:xfrm>
+          <a:off x="0" y="0"/>
+          <a:ext cx="0" cy="0"/>
+          <a:chOff x="0" y="0"/>
+          <a:chExt cx="0" cy="0"/>
+        </a:xfrm>
+      </p:grpSpPr>
+      <p:sp>
+        <p:nvSpPr>
+          <p:cNvPr id="323" name="Google Shape;323;g87d0b50373_4_76:notes">
+            <a:extLst>
+              <a:ext uri="{FF2B5EF4-FFF2-40B4-BE49-F238E27FC236}">
+                <a16:creationId xmlns:a16="http://schemas.microsoft.com/office/drawing/2014/main" id="{C09ED0AD-FC4B-CE0D-F692-F57E68B1C326}"/>
+              </a:ext>
+            </a:extLst>
+          </p:cNvPr>
+          <p:cNvSpPr txBox="1">
+            <a:spLocks noGrp="1"/>
+          </p:cNvSpPr>
+          <p:nvPr>
+            <p:ph type="body" idx="1"/>
+          </p:nvPr>
+        </p:nvSpPr>
+        <p:spPr>
+          <a:xfrm>
+            <a:off x="685800" y="4343400"/>
+            <a:ext cx="5486400" cy="4114800"/>
+          </a:xfrm>
+          <a:prstGeom prst="rect">
+            <a:avLst/>
+          </a:prstGeom>
+          <a:noFill/>
+          <a:ln>
+            <a:noFill/>
+          </a:ln>
+        </p:spPr>
+        <p:txBody>
+          <a:bodyPr spcFirstLastPara="1" wrap="square" lIns="91425" tIns="91425" rIns="91425" bIns="91425" anchor="t" anchorCtr="0">
+            <a:noAutofit/>
+          </a:bodyPr>
+          <a:lstStyle/>
+          <a:p>
+            <a:pPr marL="0" lvl="0" indent="0" algn="l" rtl="0">
+              <a:lnSpc>
+                <a:spcPct val="100000"/>
+              </a:lnSpc>
+              <a:spcBef>
+                <a:spcPts val="0"/>
+              </a:spcBef>
+              <a:spcAft>
+                <a:spcPts val="0"/>
+              </a:spcAft>
+              <a:buSzPts val="1100"/>
+              <a:buNone/>
+            </a:pPr>
+            <a:endParaRPr/>
+          </a:p>
+        </p:txBody>
+      </p:sp>
+      <p:sp>
+        <p:nvSpPr>
+          <p:cNvPr id="324" name="Google Shape;324;g87d0b50373_4_76:notes">
+            <a:extLst>
+              <a:ext uri="{FF2B5EF4-FFF2-40B4-BE49-F238E27FC236}">
+                <a16:creationId xmlns:a16="http://schemas.microsoft.com/office/drawing/2014/main" id="{8C02EDA0-4662-DFB2-D974-B6F373473F5C}"/>
+              </a:ext>
+            </a:extLst>
+          </p:cNvPr>
+          <p:cNvSpPr>
+            <a:spLocks noGrp="1" noRot="1" noChangeAspect="1"/>
+          </p:cNvSpPr>
+          <p:nvPr>
+            <p:ph type="sldImg" idx="2"/>
+          </p:nvPr>
+        </p:nvSpPr>
+        <p:spPr>
+          <a:xfrm>
+            <a:off x="1143000" y="685800"/>
+            <a:ext cx="4572000" cy="3429000"/>
+          </a:xfrm>
+          <a:custGeom>
+            <a:avLst/>
+            <a:gdLst/>
+            <a:ahLst/>
+            <a:cxnLst/>
+            <a:rect l="l" t="t" r="r" b="b"/>
+            <a:pathLst>
+              <a:path w="120000" h="120000" extrusionOk="0">
+                <a:moveTo>
+                  <a:pt x="0" y="0"/>
+                </a:moveTo>
+                <a:lnTo>
+                  <a:pt x="120000" y="0"/>
+                </a:lnTo>
+                <a:lnTo>
+                  <a:pt x="120000" y="120000"/>
+                </a:lnTo>
+                <a:lnTo>
+                  <a:pt x="0" y="120000"/>
+                </a:lnTo>
+                <a:close/>
+              </a:path>
+            </a:pathLst>
+          </a:custGeom>
+          <a:noFill/>
+          <a:ln w="9525" cap="flat" cmpd="sng">
+            <a:solidFill>
+              <a:srgbClr val="000000"/>
+            </a:solidFill>
+            <a:prstDash val="solid"/>
+            <a:round/>
+            <a:headEnd type="none" w="sm" len="sm"/>
+            <a:tailEnd type="none" w="sm" len="sm"/>
+          </a:ln>
+        </p:spPr>
+      </p:sp>
+    </p:spTree>
+    <p:extLst>
+      <p:ext uri="{BB962C8B-B14F-4D97-AF65-F5344CB8AC3E}">
+        <p14:creationId xmlns:p14="http://schemas.microsoft.com/office/powerpoint/2010/main" val="2979502086"/>
+      </p:ext>
+    </p:extLst>
+  </p:cSld>
+  <p:clrMapOvr>
+    <a:masterClrMapping/>
+  </p:clrMapOvr>
+</p:notes>
+</file>
+
+<file path=ppt/notesSlides/notesSlide17.xml><?xml version="1.0" encoding="utf-8"?>
+<p:notes xmlns:a="http://schemas.openxmlformats.org/drawingml/2006/main" xmlns:r="http://schemas.openxmlformats.org/officeDocument/2006/relationships" xmlns:p="http://schemas.openxmlformats.org/presentationml/2006/main" showMasterSp="0" showMasterPhAnim="0">
+  <p:cSld>
+    <p:spTree>
+      <p:nvGrpSpPr>
+        <p:cNvPr id="1" name="Shape 322">
+          <a:extLst>
+            <a:ext uri="{FF2B5EF4-FFF2-40B4-BE49-F238E27FC236}">
+              <a16:creationId xmlns:a16="http://schemas.microsoft.com/office/drawing/2014/main" id="{27F2053C-EA18-1CDB-94AE-C6C32C02EC34}"/>
+            </a:ext>
+          </a:extLst>
+        </p:cNvPr>
+        <p:cNvGrpSpPr/>
+        <p:nvPr/>
+      </p:nvGrpSpPr>
+      <p:grpSpPr>
+        <a:xfrm>
+          <a:off x="0" y="0"/>
+          <a:ext cx="0" cy="0"/>
+          <a:chOff x="0" y="0"/>
+          <a:chExt cx="0" cy="0"/>
+        </a:xfrm>
+      </p:grpSpPr>
+      <p:sp>
+        <p:nvSpPr>
+          <p:cNvPr id="323" name="Google Shape;323;g87d0b50373_4_76:notes">
+            <a:extLst>
+              <a:ext uri="{FF2B5EF4-FFF2-40B4-BE49-F238E27FC236}">
+                <a16:creationId xmlns:a16="http://schemas.microsoft.com/office/drawing/2014/main" id="{4F8941A9-57EE-80EE-6837-C50795E60308}"/>
+              </a:ext>
+            </a:extLst>
+          </p:cNvPr>
+          <p:cNvSpPr txBox="1">
+            <a:spLocks noGrp="1"/>
+          </p:cNvSpPr>
+          <p:nvPr>
+            <p:ph type="body" idx="1"/>
+          </p:nvPr>
+        </p:nvSpPr>
+        <p:spPr>
+          <a:xfrm>
+            <a:off x="685800" y="4343400"/>
+            <a:ext cx="5486400" cy="4114800"/>
+          </a:xfrm>
+          <a:prstGeom prst="rect">
+            <a:avLst/>
+          </a:prstGeom>
+          <a:noFill/>
+          <a:ln>
+            <a:noFill/>
+          </a:ln>
+        </p:spPr>
+        <p:txBody>
+          <a:bodyPr spcFirstLastPara="1" wrap="square" lIns="91425" tIns="91425" rIns="91425" bIns="91425" anchor="t" anchorCtr="0">
+            <a:noAutofit/>
+          </a:bodyPr>
+          <a:lstStyle/>
+          <a:p>
+            <a:pPr marL="0" lvl="0" indent="0" algn="l" rtl="0">
+              <a:lnSpc>
+                <a:spcPct val="100000"/>
+              </a:lnSpc>
+              <a:spcBef>
+                <a:spcPts val="0"/>
+              </a:spcBef>
+              <a:spcAft>
+                <a:spcPts val="0"/>
+              </a:spcAft>
+              <a:buSzPts val="1100"/>
+              <a:buNone/>
+            </a:pPr>
+            <a:endParaRPr/>
+          </a:p>
+        </p:txBody>
+      </p:sp>
+      <p:sp>
+        <p:nvSpPr>
+          <p:cNvPr id="324" name="Google Shape;324;g87d0b50373_4_76:notes">
+            <a:extLst>
+              <a:ext uri="{FF2B5EF4-FFF2-40B4-BE49-F238E27FC236}">
+                <a16:creationId xmlns:a16="http://schemas.microsoft.com/office/drawing/2014/main" id="{23AD9D82-1C7D-9E83-957B-2C3D87087BC0}"/>
+              </a:ext>
+            </a:extLst>
+          </p:cNvPr>
+          <p:cNvSpPr>
+            <a:spLocks noGrp="1" noRot="1" noChangeAspect="1"/>
+          </p:cNvSpPr>
+          <p:nvPr>
+            <p:ph type="sldImg" idx="2"/>
+          </p:nvPr>
+        </p:nvSpPr>
+        <p:spPr>
+          <a:xfrm>
+            <a:off x="1143000" y="685800"/>
+            <a:ext cx="4572000" cy="3429000"/>
+          </a:xfrm>
+          <a:custGeom>
+            <a:avLst/>
+            <a:gdLst/>
+            <a:ahLst/>
+            <a:cxnLst/>
+            <a:rect l="l" t="t" r="r" b="b"/>
+            <a:pathLst>
+              <a:path w="120000" h="120000" extrusionOk="0">
+                <a:moveTo>
+                  <a:pt x="0" y="0"/>
+                </a:moveTo>
+                <a:lnTo>
+                  <a:pt x="120000" y="0"/>
+                </a:lnTo>
+                <a:lnTo>
+                  <a:pt x="120000" y="120000"/>
+                </a:lnTo>
+                <a:lnTo>
+                  <a:pt x="0" y="120000"/>
+                </a:lnTo>
+                <a:close/>
+              </a:path>
+            </a:pathLst>
+          </a:custGeom>
+          <a:noFill/>
+          <a:ln w="9525" cap="flat" cmpd="sng">
+            <a:solidFill>
+              <a:srgbClr val="000000"/>
+            </a:solidFill>
+            <a:prstDash val="solid"/>
+            <a:round/>
+            <a:headEnd type="none" w="sm" len="sm"/>
+            <a:tailEnd type="none" w="sm" len="sm"/>
+          </a:ln>
+        </p:spPr>
+      </p:sp>
+    </p:spTree>
+    <p:extLst>
+      <p:ext uri="{BB962C8B-B14F-4D97-AF65-F5344CB8AC3E}">
+        <p14:creationId xmlns:p14="http://schemas.microsoft.com/office/powerpoint/2010/main" val="1198924486"/>
+      </p:ext>
+    </p:extLst>
   </p:cSld>
   <p:clrMapOvr>
     <a:masterClrMapping/>
@@ -2714,7 +2876,7 @@
   <p:cSld>
     <p:spTree>
       <p:nvGrpSpPr>
-        <p:cNvPr id="1" name="Shape 186"/>
+        <p:cNvPr id="1" name="Shape 193"/>
         <p:cNvGrpSpPr/>
         <p:nvPr/>
       </p:nvGrpSpPr>
@@ -2728,7 +2890,7 @@
       </p:grpSpPr>
       <p:sp>
         <p:nvSpPr>
-          <p:cNvPr id="187" name="Google Shape;187;g87d0b50373_4_355:notes"/>
+          <p:cNvPr id="194" name="Google Shape;194;g87d0b50373_4_27:notes"/>
           <p:cNvSpPr txBox="1">
             <a:spLocks noGrp="1"/>
           </p:cNvSpPr>
@@ -2774,7 +2936,7 @@
       </p:sp>
       <p:sp>
         <p:nvSpPr>
-          <p:cNvPr id="188" name="Google Shape;188;g87d0b50373_4_355:notes"/>
+          <p:cNvPr id="195" name="Google Shape;195;g87d0b50373_4_27:notes"/>
           <p:cNvSpPr>
             <a:spLocks noGrp="1" noRot="1" noChangeAspect="1"/>
           </p:cNvSpPr>
@@ -3801,7 +3963,7 @@
             </a:pPr>
             <a:fld id="{00000000-1234-1234-1234-123412341234}" type="slidenum">
               <a:rPr lang="es-ES"/>
-              <a:t>‹#›</a:t>
+              <a:t>‹Nº›</a:t>
             </a:fld>
             <a:endParaRPr/>
           </a:p>
@@ -4897,7 +5059,7 @@
             </a:pPr>
             <a:fld id="{00000000-1234-1234-1234-123412341234}" type="slidenum">
               <a:rPr lang="es-ES"/>
-              <a:t>‹#›</a:t>
+              <a:t>‹Nº›</a:t>
             </a:fld>
             <a:endParaRPr/>
           </a:p>
@@ -6337,7 +6499,7 @@
             </a:pPr>
             <a:fld id="{00000000-1234-1234-1234-123412341234}" type="slidenum">
               <a:rPr lang="es-ES"/>
-              <a:t>‹#›</a:t>
+              <a:t>‹Nº›</a:t>
             </a:fld>
             <a:endParaRPr/>
           </a:p>
@@ -7286,7 +7448,7 @@
             </a:pPr>
             <a:fld id="{00000000-1234-1234-1234-123412341234}" type="slidenum">
               <a:rPr lang="es-ES"/>
-              <a:t>‹#›</a:t>
+              <a:t>‹Nº›</a:t>
             </a:fld>
             <a:endParaRPr/>
           </a:p>
@@ -8235,7 +8397,7 @@
             </a:pPr>
             <a:fld id="{00000000-1234-1234-1234-123412341234}" type="slidenum">
               <a:rPr lang="es-ES"/>
-              <a:t>‹#›</a:t>
+              <a:t>‹Nº›</a:t>
             </a:fld>
             <a:endParaRPr/>
           </a:p>
@@ -9219,7 +9381,7 @@
             </a:pPr>
             <a:fld id="{00000000-1234-1234-1234-123412341234}" type="slidenum">
               <a:rPr lang="es-ES"/>
-              <a:t>‹#›</a:t>
+              <a:t>‹Nº›</a:t>
             </a:fld>
             <a:endParaRPr/>
           </a:p>
@@ -10219,7 +10381,7 @@
             </a:pPr>
             <a:fld id="{00000000-1234-1234-1234-123412341234}" type="slidenum">
               <a:rPr lang="es-ES"/>
-              <a:t>‹#›</a:t>
+              <a:t>‹Nº›</a:t>
             </a:fld>
             <a:endParaRPr/>
           </a:p>
@@ -11328,7 +11490,7 @@
             </a:pPr>
             <a:fld id="{00000000-1234-1234-1234-123412341234}" type="slidenum">
               <a:rPr lang="es-ES"/>
-              <a:t>‹#›</a:t>
+              <a:t>‹Nº›</a:t>
             </a:fld>
             <a:endParaRPr/>
           </a:p>
@@ -12766,7 +12928,7 @@
             </a:pPr>
             <a:fld id="{00000000-1234-1234-1234-123412341234}" type="slidenum">
               <a:rPr lang="es-ES"/>
-              <a:t>‹#›</a:t>
+              <a:t>‹Nº›</a:t>
             </a:fld>
             <a:endParaRPr/>
           </a:p>
@@ -13564,7 +13726,7 @@
             </a:pPr>
             <a:fld id="{00000000-1234-1234-1234-123412341234}" type="slidenum">
               <a:rPr lang="es-ES"/>
-              <a:t>‹#›</a:t>
+              <a:t>‹Nº›</a:t>
             </a:fld>
             <a:endParaRPr/>
           </a:p>
@@ -14190,7 +14352,7 @@
             </a:pPr>
             <a:fld id="{00000000-1234-1234-1234-123412341234}" type="slidenum">
               <a:rPr lang="es-ES"/>
-              <a:t>‹#›</a:t>
+              <a:t>‹Nº›</a:t>
             </a:fld>
             <a:endParaRPr/>
           </a:p>
@@ -15308,7 +15470,7 @@
             </a:pPr>
             <a:fld id="{00000000-1234-1234-1234-123412341234}" type="slidenum">
               <a:rPr lang="es-ES"/>
-              <a:t>‹#›</a:t>
+              <a:t>‹Nº›</a:t>
             </a:fld>
             <a:endParaRPr/>
           </a:p>
@@ -16912,7 +17074,7 @@
             </a:pPr>
             <a:fld id="{00000000-1234-1234-1234-123412341234}" type="slidenum">
               <a:rPr lang="es-ES"/>
-              <a:t>‹#›</a:t>
+              <a:t>‹Nº›</a:t>
             </a:fld>
             <a:endParaRPr/>
           </a:p>
@@ -19397,7 +19559,7 @@
             </a:pPr>
             <a:fld id="{00000000-1234-1234-1234-123412341234}" type="slidenum">
               <a:rPr lang="es-ES"/>
-              <a:t>‹#›</a:t>
+              <a:t>‹Nº›</a:t>
             </a:fld>
             <a:endParaRPr/>
           </a:p>
@@ -20624,1196 +20786,6 @@
   <p:cSld>
     <p:spTree>
       <p:nvGrpSpPr>
-        <p:cNvPr id="1" name="Shape 196"/>
-        <p:cNvGrpSpPr/>
-        <p:nvPr/>
-      </p:nvGrpSpPr>
-      <p:grpSpPr>
-        <a:xfrm>
-          <a:off x="0" y="0"/>
-          <a:ext cx="0" cy="0"/>
-          <a:chOff x="0" y="0"/>
-          <a:chExt cx="0" cy="0"/>
-        </a:xfrm>
-      </p:grpSpPr>
-      <p:sp>
-        <p:nvSpPr>
-          <p:cNvPr id="197" name="Google Shape;197;g87d0b50373_4_27"/>
-          <p:cNvSpPr txBox="1">
-            <a:spLocks noGrp="1"/>
-          </p:cNvSpPr>
-          <p:nvPr>
-            <p:ph type="title"/>
-          </p:nvPr>
-        </p:nvSpPr>
-        <p:spPr>
-          <a:xfrm>
-            <a:off x="457200" y="704088"/>
-            <a:ext cx="8229600" cy="1143000"/>
-          </a:xfrm>
-          <a:prstGeom prst="rect">
-            <a:avLst/>
-          </a:prstGeom>
-          <a:noFill/>
-          <a:ln>
-            <a:noFill/>
-          </a:ln>
-        </p:spPr>
-        <p:txBody>
-          <a:bodyPr spcFirstLastPara="1" wrap="square" lIns="0" tIns="45700" rIns="0" bIns="0" anchor="b" anchorCtr="0">
-            <a:noAutofit/>
-          </a:bodyPr>
-          <a:lstStyle/>
-          <a:p>
-            <a:pPr marL="0" lvl="0" indent="0" algn="l" rtl="0">
-              <a:lnSpc>
-                <a:spcPct val="100000"/>
-              </a:lnSpc>
-              <a:spcBef>
-                <a:spcPts val="0"/>
-              </a:spcBef>
-              <a:spcAft>
-                <a:spcPts val="0"/>
-              </a:spcAft>
-              <a:buClr>
-                <a:schemeClr val="dk2"/>
-              </a:buClr>
-              <a:buSzPts val="5000"/>
-              <a:buFont typeface="Calibri"/>
-              <a:buNone/>
-            </a:pPr>
-            <a:r>
-              <a:rPr lang="es-ES"/>
-              <a:t>Grafos Dirigidos</a:t>
-            </a:r>
-            <a:endParaRPr/>
-          </a:p>
-        </p:txBody>
-      </p:sp>
-      <p:sp>
-        <p:nvSpPr>
-          <p:cNvPr id="198" name="Google Shape;198;g87d0b50373_4_27"/>
-          <p:cNvSpPr txBox="1">
-            <a:spLocks noGrp="1"/>
-          </p:cNvSpPr>
-          <p:nvPr>
-            <p:ph type="body" idx="1"/>
-          </p:nvPr>
-        </p:nvSpPr>
-        <p:spPr>
-          <a:xfrm>
-            <a:off x="457200" y="1935480"/>
-            <a:ext cx="8229600" cy="4389000"/>
-          </a:xfrm>
-          <a:prstGeom prst="rect">
-            <a:avLst/>
-          </a:prstGeom>
-          <a:noFill/>
-          <a:ln>
-            <a:noFill/>
-          </a:ln>
-        </p:spPr>
-        <p:txBody>
-          <a:bodyPr spcFirstLastPara="1" wrap="square" lIns="91425" tIns="45700" rIns="91425" bIns="45700" anchor="t" anchorCtr="0">
-            <a:noAutofit/>
-          </a:bodyPr>
-          <a:lstStyle/>
-          <a:p>
-            <a:pPr marL="274320" lvl="0" indent="-261620" algn="just" rtl="0">
-              <a:lnSpc>
-                <a:spcPct val="100000"/>
-              </a:lnSpc>
-              <a:spcBef>
-                <a:spcPts val="481"/>
-              </a:spcBef>
-              <a:spcAft>
-                <a:spcPts val="0"/>
-              </a:spcAft>
-              <a:buSzPts val="2080"/>
-              <a:buChar char="⚫"/>
-            </a:pPr>
-            <a:r>
-              <a:rPr lang="es-ES" sz="2205" i="1"/>
-              <a:t>Un </a:t>
-            </a:r>
-            <a:r>
-              <a:rPr lang="es-ES" sz="2205" b="1" i="1"/>
-              <a:t>Grafo Dirigido es un tipo especial de grafo, </a:t>
-            </a:r>
-            <a:r>
-              <a:rPr lang="es-ES" sz="2205" i="1"/>
-              <a:t>este G</a:t>
-            </a:r>
-            <a:r>
-              <a:rPr lang="es-ES" sz="2205"/>
-              <a:t> es un par (V, E), donde V es un conjunto finito, no vacío y E es una relación binaria en V, es decir, un conjunto de pares </a:t>
-            </a:r>
-            <a:r>
-              <a:rPr lang="es-ES" sz="2205" b="1"/>
-              <a:t>ordenados </a:t>
-            </a:r>
-            <a:r>
-              <a:rPr lang="es-ES" sz="2205"/>
-              <a:t>de elementos de V. </a:t>
-            </a:r>
-            <a:endParaRPr sz="2205"/>
-          </a:p>
-          <a:p>
-            <a:pPr marL="914400" lvl="0" indent="-368617" algn="just" rtl="0">
-              <a:lnSpc>
-                <a:spcPct val="100000"/>
-              </a:lnSpc>
-              <a:spcBef>
-                <a:spcPts val="0"/>
-              </a:spcBef>
-              <a:spcAft>
-                <a:spcPts val="0"/>
-              </a:spcAft>
-              <a:buClr>
-                <a:srgbClr val="4A86E8"/>
-              </a:buClr>
-              <a:buSzPts val="2205"/>
-              <a:buChar char="❏"/>
-            </a:pPr>
-            <a:r>
-              <a:rPr lang="es-ES" sz="2205"/>
-              <a:t>Nos interesa la dirección (el sentido) de sus Aristas.</a:t>
-            </a:r>
-            <a:endParaRPr sz="2205" i="1"/>
-          </a:p>
-        </p:txBody>
-      </p:sp>
-      <p:sp>
-        <p:nvSpPr>
-          <p:cNvPr id="199" name="Google Shape;199;g87d0b50373_4_27"/>
-          <p:cNvSpPr/>
-          <p:nvPr/>
-        </p:nvSpPr>
-        <p:spPr>
-          <a:xfrm>
-            <a:off x="6111625" y="4996075"/>
-            <a:ext cx="492300" cy="564600"/>
-          </a:xfrm>
-          <a:prstGeom prst="ellipse">
-            <a:avLst/>
-          </a:prstGeom>
-          <a:solidFill>
-            <a:srgbClr val="6D9EEB"/>
-          </a:solidFill>
-          <a:ln w="9525" cap="flat" cmpd="sng">
-            <a:solidFill>
-              <a:schemeClr val="dk2"/>
-            </a:solidFill>
-            <a:prstDash val="solid"/>
-            <a:round/>
-            <a:headEnd type="none" w="sm" len="sm"/>
-            <a:tailEnd type="none" w="sm" len="sm"/>
-          </a:ln>
-        </p:spPr>
-        <p:txBody>
-          <a:bodyPr spcFirstLastPara="1" wrap="square" lIns="91425" tIns="91425" rIns="91425" bIns="91425" anchor="ctr" anchorCtr="0">
-            <a:noAutofit/>
-          </a:bodyPr>
-          <a:lstStyle/>
-          <a:p>
-            <a:pPr marL="0" marR="0" lvl="0" indent="0" algn="l" rtl="0">
-              <a:lnSpc>
-                <a:spcPct val="100000"/>
-              </a:lnSpc>
-              <a:spcBef>
-                <a:spcPts val="0"/>
-              </a:spcBef>
-              <a:spcAft>
-                <a:spcPts val="0"/>
-              </a:spcAft>
-              <a:buClr>
-                <a:srgbClr val="000000"/>
-              </a:buClr>
-              <a:buSzPts val="1400"/>
-              <a:buFont typeface="Arial"/>
-              <a:buNone/>
-            </a:pPr>
-            <a:r>
-              <a:rPr lang="es-ES" sz="1400" b="0" i="0" u="none" strike="noStrike" cap="none">
-                <a:solidFill>
-                  <a:srgbClr val="000000"/>
-                </a:solidFill>
-                <a:latin typeface="Arial"/>
-                <a:ea typeface="Arial"/>
-                <a:cs typeface="Arial"/>
-                <a:sym typeface="Arial"/>
-              </a:rPr>
-              <a:t>B</a:t>
-            </a:r>
-            <a:endParaRPr sz="1400" b="0" i="0" u="none" strike="noStrike" cap="none">
-              <a:solidFill>
-                <a:srgbClr val="000000"/>
-              </a:solidFill>
-              <a:latin typeface="Arial"/>
-              <a:ea typeface="Arial"/>
-              <a:cs typeface="Arial"/>
-              <a:sym typeface="Arial"/>
-            </a:endParaRPr>
-          </a:p>
-        </p:txBody>
-      </p:sp>
-      <p:sp>
-        <p:nvSpPr>
-          <p:cNvPr id="200" name="Google Shape;200;g87d0b50373_4_27"/>
-          <p:cNvSpPr/>
-          <p:nvPr/>
-        </p:nvSpPr>
-        <p:spPr>
-          <a:xfrm>
-            <a:off x="7664450" y="4431475"/>
-            <a:ext cx="492300" cy="564600"/>
-          </a:xfrm>
-          <a:prstGeom prst="ellipse">
-            <a:avLst/>
-          </a:prstGeom>
-          <a:solidFill>
-            <a:srgbClr val="6D9EEB"/>
-          </a:solidFill>
-          <a:ln w="9525" cap="flat" cmpd="sng">
-            <a:solidFill>
-              <a:schemeClr val="dk2"/>
-            </a:solidFill>
-            <a:prstDash val="solid"/>
-            <a:round/>
-            <a:headEnd type="none" w="sm" len="sm"/>
-            <a:tailEnd type="none" w="sm" len="sm"/>
-          </a:ln>
-        </p:spPr>
-        <p:txBody>
-          <a:bodyPr spcFirstLastPara="1" wrap="square" lIns="91425" tIns="91425" rIns="91425" bIns="91425" anchor="ctr" anchorCtr="0">
-            <a:noAutofit/>
-          </a:bodyPr>
-          <a:lstStyle/>
-          <a:p>
-            <a:pPr marL="0" marR="0" lvl="0" indent="0" algn="l" rtl="0">
-              <a:lnSpc>
-                <a:spcPct val="100000"/>
-              </a:lnSpc>
-              <a:spcBef>
-                <a:spcPts val="0"/>
-              </a:spcBef>
-              <a:spcAft>
-                <a:spcPts val="0"/>
-              </a:spcAft>
-              <a:buClr>
-                <a:srgbClr val="000000"/>
-              </a:buClr>
-              <a:buSzPts val="1400"/>
-              <a:buFont typeface="Arial"/>
-              <a:buNone/>
-            </a:pPr>
-            <a:r>
-              <a:rPr lang="es-ES" sz="1400" b="0" i="0" u="none" strike="noStrike" cap="none">
-                <a:solidFill>
-                  <a:srgbClr val="000000"/>
-                </a:solidFill>
-                <a:latin typeface="Arial"/>
-                <a:ea typeface="Arial"/>
-                <a:cs typeface="Arial"/>
-                <a:sym typeface="Arial"/>
-              </a:rPr>
-              <a:t>C</a:t>
-            </a:r>
-            <a:endParaRPr sz="1400" b="0" i="0" u="none" strike="noStrike" cap="none">
-              <a:solidFill>
-                <a:srgbClr val="000000"/>
-              </a:solidFill>
-              <a:latin typeface="Arial"/>
-              <a:ea typeface="Arial"/>
-              <a:cs typeface="Arial"/>
-              <a:sym typeface="Arial"/>
-            </a:endParaRPr>
-          </a:p>
-        </p:txBody>
-      </p:sp>
-      <p:sp>
-        <p:nvSpPr>
-          <p:cNvPr id="201" name="Google Shape;201;g87d0b50373_4_27"/>
-          <p:cNvSpPr/>
-          <p:nvPr/>
-        </p:nvSpPr>
-        <p:spPr>
-          <a:xfrm>
-            <a:off x="7172150" y="5801275"/>
-            <a:ext cx="492300" cy="564600"/>
-          </a:xfrm>
-          <a:prstGeom prst="ellipse">
-            <a:avLst/>
-          </a:prstGeom>
-          <a:solidFill>
-            <a:srgbClr val="6D9EEB"/>
-          </a:solidFill>
-          <a:ln w="9525" cap="flat" cmpd="sng">
-            <a:solidFill>
-              <a:schemeClr val="dk2"/>
-            </a:solidFill>
-            <a:prstDash val="solid"/>
-            <a:round/>
-            <a:headEnd type="none" w="sm" len="sm"/>
-            <a:tailEnd type="none" w="sm" len="sm"/>
-          </a:ln>
-        </p:spPr>
-        <p:txBody>
-          <a:bodyPr spcFirstLastPara="1" wrap="square" lIns="91425" tIns="91425" rIns="91425" bIns="91425" anchor="ctr" anchorCtr="0">
-            <a:noAutofit/>
-          </a:bodyPr>
-          <a:lstStyle/>
-          <a:p>
-            <a:pPr marL="0" marR="0" lvl="0" indent="0" algn="l" rtl="0">
-              <a:lnSpc>
-                <a:spcPct val="100000"/>
-              </a:lnSpc>
-              <a:spcBef>
-                <a:spcPts val="0"/>
-              </a:spcBef>
-              <a:spcAft>
-                <a:spcPts val="0"/>
-              </a:spcAft>
-              <a:buClr>
-                <a:srgbClr val="000000"/>
-              </a:buClr>
-              <a:buSzPts val="1400"/>
-              <a:buFont typeface="Arial"/>
-              <a:buNone/>
-            </a:pPr>
-            <a:r>
-              <a:rPr lang="es-ES" sz="1400" b="0" i="0" u="none" strike="noStrike" cap="none">
-                <a:solidFill>
-                  <a:srgbClr val="000000"/>
-                </a:solidFill>
-                <a:latin typeface="Arial"/>
-                <a:ea typeface="Arial"/>
-                <a:cs typeface="Arial"/>
-                <a:sym typeface="Arial"/>
-              </a:rPr>
-              <a:t>A</a:t>
-            </a:r>
-            <a:endParaRPr sz="1400" b="0" i="0" u="none" strike="noStrike" cap="none">
-              <a:solidFill>
-                <a:srgbClr val="000000"/>
-              </a:solidFill>
-              <a:latin typeface="Arial"/>
-              <a:ea typeface="Arial"/>
-              <a:cs typeface="Arial"/>
-              <a:sym typeface="Arial"/>
-            </a:endParaRPr>
-          </a:p>
-        </p:txBody>
-      </p:sp>
-      <p:cxnSp>
-        <p:nvCxnSpPr>
-          <p:cNvPr id="202" name="Google Shape;202;g87d0b50373_4_27"/>
-          <p:cNvCxnSpPr>
-            <a:stCxn id="199" idx="6"/>
-            <a:endCxn id="200" idx="3"/>
-          </p:cNvCxnSpPr>
-          <p:nvPr/>
-        </p:nvCxnSpPr>
-        <p:spPr>
-          <a:xfrm rot="10800000" flipH="1">
-            <a:off x="6603925" y="4913275"/>
-            <a:ext cx="1132500" cy="365100"/>
-          </a:xfrm>
-          <a:prstGeom prst="straightConnector1">
-            <a:avLst/>
-          </a:prstGeom>
-          <a:noFill/>
-          <a:ln w="9525" cap="flat" cmpd="sng">
-            <a:solidFill>
-              <a:schemeClr val="dk2"/>
-            </a:solidFill>
-            <a:prstDash val="solid"/>
-            <a:round/>
-            <a:headEnd type="none" w="sm" len="sm"/>
-            <a:tailEnd type="triangle" w="med" len="med"/>
-          </a:ln>
-        </p:spPr>
-      </p:cxnSp>
-      <p:cxnSp>
-        <p:nvCxnSpPr>
-          <p:cNvPr id="203" name="Google Shape;203;g87d0b50373_4_27"/>
-          <p:cNvCxnSpPr>
-            <a:stCxn id="201" idx="1"/>
-            <a:endCxn id="199" idx="5"/>
-          </p:cNvCxnSpPr>
-          <p:nvPr/>
-        </p:nvCxnSpPr>
-        <p:spPr>
-          <a:xfrm rot="10800000">
-            <a:off x="6531746" y="5478059"/>
-            <a:ext cx="712500" cy="405900"/>
-          </a:xfrm>
-          <a:prstGeom prst="straightConnector1">
-            <a:avLst/>
-          </a:prstGeom>
-          <a:noFill/>
-          <a:ln w="9525" cap="flat" cmpd="sng">
-            <a:solidFill>
-              <a:schemeClr val="dk2"/>
-            </a:solidFill>
-            <a:prstDash val="solid"/>
-            <a:round/>
-            <a:headEnd type="none" w="sm" len="sm"/>
-            <a:tailEnd type="triangle" w="med" len="med"/>
-          </a:ln>
-        </p:spPr>
-      </p:cxnSp>
-      <p:cxnSp>
-        <p:nvCxnSpPr>
-          <p:cNvPr id="204" name="Google Shape;204;g87d0b50373_4_27"/>
-          <p:cNvCxnSpPr>
-            <a:stCxn id="200" idx="4"/>
-            <a:endCxn id="201" idx="7"/>
-          </p:cNvCxnSpPr>
-          <p:nvPr/>
-        </p:nvCxnSpPr>
-        <p:spPr>
-          <a:xfrm flipH="1">
-            <a:off x="7592300" y="4996075"/>
-            <a:ext cx="318300" cy="888000"/>
-          </a:xfrm>
-          <a:prstGeom prst="straightConnector1">
-            <a:avLst/>
-          </a:prstGeom>
-          <a:noFill/>
-          <a:ln w="9525" cap="flat" cmpd="sng">
-            <a:solidFill>
-              <a:schemeClr val="dk2"/>
-            </a:solidFill>
-            <a:prstDash val="solid"/>
-            <a:round/>
-            <a:headEnd type="none" w="sm" len="sm"/>
-            <a:tailEnd type="triangle" w="med" len="med"/>
-          </a:ln>
-        </p:spPr>
-      </p:cxnSp>
-      <p:sp>
-        <p:nvSpPr>
-          <p:cNvPr id="205" name="Google Shape;205;g87d0b50373_4_27"/>
-          <p:cNvSpPr/>
-          <p:nvPr/>
-        </p:nvSpPr>
-        <p:spPr>
-          <a:xfrm>
-            <a:off x="1241400" y="4996038"/>
-            <a:ext cx="492300" cy="564600"/>
-          </a:xfrm>
-          <a:prstGeom prst="ellipse">
-            <a:avLst/>
-          </a:prstGeom>
-          <a:solidFill>
-            <a:srgbClr val="6D9EEB"/>
-          </a:solidFill>
-          <a:ln w="9525" cap="flat" cmpd="sng">
-            <a:solidFill>
-              <a:schemeClr val="dk2"/>
-            </a:solidFill>
-            <a:prstDash val="solid"/>
-            <a:round/>
-            <a:headEnd type="none" w="sm" len="sm"/>
-            <a:tailEnd type="none" w="sm" len="sm"/>
-          </a:ln>
-        </p:spPr>
-        <p:txBody>
-          <a:bodyPr spcFirstLastPara="1" wrap="square" lIns="91425" tIns="91425" rIns="91425" bIns="91425" anchor="ctr" anchorCtr="0">
-            <a:noAutofit/>
-          </a:bodyPr>
-          <a:lstStyle/>
-          <a:p>
-            <a:pPr marL="0" marR="0" lvl="0" indent="0" algn="l" rtl="0">
-              <a:lnSpc>
-                <a:spcPct val="100000"/>
-              </a:lnSpc>
-              <a:spcBef>
-                <a:spcPts val="0"/>
-              </a:spcBef>
-              <a:spcAft>
-                <a:spcPts val="0"/>
-              </a:spcAft>
-              <a:buClr>
-                <a:srgbClr val="000000"/>
-              </a:buClr>
-              <a:buSzPts val="1400"/>
-              <a:buFont typeface="Arial"/>
-              <a:buNone/>
-            </a:pPr>
-            <a:r>
-              <a:rPr lang="es-ES" sz="1400" b="0" i="0" u="none" strike="noStrike" cap="none">
-                <a:solidFill>
-                  <a:srgbClr val="000000"/>
-                </a:solidFill>
-                <a:latin typeface="Arial"/>
-                <a:ea typeface="Arial"/>
-                <a:cs typeface="Arial"/>
-                <a:sym typeface="Arial"/>
-              </a:rPr>
-              <a:t>A</a:t>
-            </a:r>
-            <a:endParaRPr sz="1400" b="0" i="0" u="none" strike="noStrike" cap="none">
-              <a:solidFill>
-                <a:srgbClr val="000000"/>
-              </a:solidFill>
-              <a:latin typeface="Arial"/>
-              <a:ea typeface="Arial"/>
-              <a:cs typeface="Arial"/>
-              <a:sym typeface="Arial"/>
-            </a:endParaRPr>
-          </a:p>
-        </p:txBody>
-      </p:sp>
-      <p:sp>
-        <p:nvSpPr>
-          <p:cNvPr id="206" name="Google Shape;206;g87d0b50373_4_27"/>
-          <p:cNvSpPr/>
-          <p:nvPr/>
-        </p:nvSpPr>
-        <p:spPr>
-          <a:xfrm>
-            <a:off x="2418275" y="4042525"/>
-            <a:ext cx="492300" cy="564600"/>
-          </a:xfrm>
-          <a:prstGeom prst="ellipse">
-            <a:avLst/>
-          </a:prstGeom>
-          <a:solidFill>
-            <a:srgbClr val="6D9EEB"/>
-          </a:solidFill>
-          <a:ln w="9525" cap="flat" cmpd="sng">
-            <a:solidFill>
-              <a:schemeClr val="dk2"/>
-            </a:solidFill>
-            <a:prstDash val="solid"/>
-            <a:round/>
-            <a:headEnd type="none" w="sm" len="sm"/>
-            <a:tailEnd type="none" w="sm" len="sm"/>
-          </a:ln>
-        </p:spPr>
-        <p:txBody>
-          <a:bodyPr spcFirstLastPara="1" wrap="square" lIns="91425" tIns="91425" rIns="91425" bIns="91425" anchor="ctr" anchorCtr="0">
-            <a:noAutofit/>
-          </a:bodyPr>
-          <a:lstStyle/>
-          <a:p>
-            <a:pPr marL="0" marR="0" lvl="0" indent="0" algn="l" rtl="0">
-              <a:lnSpc>
-                <a:spcPct val="100000"/>
-              </a:lnSpc>
-              <a:spcBef>
-                <a:spcPts val="0"/>
-              </a:spcBef>
-              <a:spcAft>
-                <a:spcPts val="0"/>
-              </a:spcAft>
-              <a:buClr>
-                <a:srgbClr val="000000"/>
-              </a:buClr>
-              <a:buSzPts val="1400"/>
-              <a:buFont typeface="Arial"/>
-              <a:buNone/>
-            </a:pPr>
-            <a:r>
-              <a:rPr lang="es-ES" sz="1400" b="0" i="0" u="none" strike="noStrike" cap="none">
-                <a:solidFill>
-                  <a:srgbClr val="000000"/>
-                </a:solidFill>
-                <a:latin typeface="Arial"/>
-                <a:ea typeface="Arial"/>
-                <a:cs typeface="Arial"/>
-                <a:sym typeface="Arial"/>
-              </a:rPr>
-              <a:t>B</a:t>
-            </a:r>
-            <a:endParaRPr sz="1400" b="0" i="0" u="none" strike="noStrike" cap="none">
-              <a:solidFill>
-                <a:srgbClr val="000000"/>
-              </a:solidFill>
-              <a:latin typeface="Arial"/>
-              <a:ea typeface="Arial"/>
-              <a:cs typeface="Arial"/>
-              <a:sym typeface="Arial"/>
-            </a:endParaRPr>
-          </a:p>
-        </p:txBody>
-      </p:sp>
-      <p:sp>
-        <p:nvSpPr>
-          <p:cNvPr id="207" name="Google Shape;207;g87d0b50373_4_27"/>
-          <p:cNvSpPr/>
-          <p:nvPr/>
-        </p:nvSpPr>
-        <p:spPr>
-          <a:xfrm>
-            <a:off x="4079700" y="6053513"/>
-            <a:ext cx="492300" cy="564600"/>
-          </a:xfrm>
-          <a:prstGeom prst="ellipse">
-            <a:avLst/>
-          </a:prstGeom>
-          <a:solidFill>
-            <a:srgbClr val="6D9EEB"/>
-          </a:solidFill>
-          <a:ln w="9525" cap="flat" cmpd="sng">
-            <a:solidFill>
-              <a:schemeClr val="dk2"/>
-            </a:solidFill>
-            <a:prstDash val="solid"/>
-            <a:round/>
-            <a:headEnd type="none" w="sm" len="sm"/>
-            <a:tailEnd type="none" w="sm" len="sm"/>
-          </a:ln>
-        </p:spPr>
-        <p:txBody>
-          <a:bodyPr spcFirstLastPara="1" wrap="square" lIns="91425" tIns="91425" rIns="91425" bIns="91425" anchor="ctr" anchorCtr="0">
-            <a:noAutofit/>
-          </a:bodyPr>
-          <a:lstStyle/>
-          <a:p>
-            <a:pPr marL="0" marR="0" lvl="0" indent="0" algn="l" rtl="0">
-              <a:lnSpc>
-                <a:spcPct val="100000"/>
-              </a:lnSpc>
-              <a:spcBef>
-                <a:spcPts val="0"/>
-              </a:spcBef>
-              <a:spcAft>
-                <a:spcPts val="0"/>
-              </a:spcAft>
-              <a:buClr>
-                <a:srgbClr val="000000"/>
-              </a:buClr>
-              <a:buSzPts val="1400"/>
-              <a:buFont typeface="Arial"/>
-              <a:buNone/>
-            </a:pPr>
-            <a:r>
-              <a:rPr lang="es-ES" sz="1400" b="0" i="0" u="none" strike="noStrike" cap="none">
-                <a:solidFill>
-                  <a:srgbClr val="000000"/>
-                </a:solidFill>
-                <a:latin typeface="Arial"/>
-                <a:ea typeface="Arial"/>
-                <a:cs typeface="Arial"/>
-                <a:sym typeface="Arial"/>
-              </a:rPr>
-              <a:t>D</a:t>
-            </a:r>
-            <a:endParaRPr sz="1400" b="0" i="0" u="none" strike="noStrike" cap="none">
-              <a:solidFill>
-                <a:srgbClr val="000000"/>
-              </a:solidFill>
-              <a:latin typeface="Arial"/>
-              <a:ea typeface="Arial"/>
-              <a:cs typeface="Arial"/>
-              <a:sym typeface="Arial"/>
-            </a:endParaRPr>
-          </a:p>
-        </p:txBody>
-      </p:sp>
-      <p:sp>
-        <p:nvSpPr>
-          <p:cNvPr id="208" name="Google Shape;208;g87d0b50373_4_27"/>
-          <p:cNvSpPr/>
-          <p:nvPr/>
-        </p:nvSpPr>
-        <p:spPr>
-          <a:xfrm>
-            <a:off x="2418275" y="6053538"/>
-            <a:ext cx="492300" cy="564600"/>
-          </a:xfrm>
-          <a:prstGeom prst="ellipse">
-            <a:avLst/>
-          </a:prstGeom>
-          <a:solidFill>
-            <a:srgbClr val="6D9EEB"/>
-          </a:solidFill>
-          <a:ln w="9525" cap="flat" cmpd="sng">
-            <a:solidFill>
-              <a:schemeClr val="dk2"/>
-            </a:solidFill>
-            <a:prstDash val="solid"/>
-            <a:round/>
-            <a:headEnd type="none" w="sm" len="sm"/>
-            <a:tailEnd type="none" w="sm" len="sm"/>
-          </a:ln>
-        </p:spPr>
-        <p:txBody>
-          <a:bodyPr spcFirstLastPara="1" wrap="square" lIns="91425" tIns="91425" rIns="91425" bIns="91425" anchor="ctr" anchorCtr="0">
-            <a:noAutofit/>
-          </a:bodyPr>
-          <a:lstStyle/>
-          <a:p>
-            <a:pPr marL="0" marR="0" lvl="0" indent="0" algn="l" rtl="0">
-              <a:lnSpc>
-                <a:spcPct val="100000"/>
-              </a:lnSpc>
-              <a:spcBef>
-                <a:spcPts val="0"/>
-              </a:spcBef>
-              <a:spcAft>
-                <a:spcPts val="0"/>
-              </a:spcAft>
-              <a:buClr>
-                <a:srgbClr val="000000"/>
-              </a:buClr>
-              <a:buSzPts val="1400"/>
-              <a:buFont typeface="Arial"/>
-              <a:buNone/>
-            </a:pPr>
-            <a:r>
-              <a:rPr lang="es-ES" sz="1400" b="0" i="0" u="none" strike="noStrike" cap="none">
-                <a:solidFill>
-                  <a:srgbClr val="000000"/>
-                </a:solidFill>
-                <a:latin typeface="Arial"/>
-                <a:ea typeface="Arial"/>
-                <a:cs typeface="Arial"/>
-                <a:sym typeface="Arial"/>
-              </a:rPr>
-              <a:t>C</a:t>
-            </a:r>
-            <a:endParaRPr sz="1400" b="0" i="0" u="none" strike="noStrike" cap="none">
-              <a:solidFill>
-                <a:srgbClr val="000000"/>
-              </a:solidFill>
-              <a:latin typeface="Arial"/>
-              <a:ea typeface="Arial"/>
-              <a:cs typeface="Arial"/>
-              <a:sym typeface="Arial"/>
-            </a:endParaRPr>
-          </a:p>
-        </p:txBody>
-      </p:sp>
-      <p:cxnSp>
-        <p:nvCxnSpPr>
-          <p:cNvPr id="209" name="Google Shape;209;g87d0b50373_4_27"/>
-          <p:cNvCxnSpPr>
-            <a:stCxn id="205" idx="7"/>
-            <a:endCxn id="206" idx="3"/>
-          </p:cNvCxnSpPr>
-          <p:nvPr/>
-        </p:nvCxnSpPr>
-        <p:spPr>
-          <a:xfrm rot="10800000" flipH="1">
-            <a:off x="1661604" y="4524322"/>
-            <a:ext cx="828900" cy="554400"/>
-          </a:xfrm>
-          <a:prstGeom prst="straightConnector1">
-            <a:avLst/>
-          </a:prstGeom>
-          <a:noFill/>
-          <a:ln w="9525" cap="flat" cmpd="sng">
-            <a:solidFill>
-              <a:schemeClr val="dk2"/>
-            </a:solidFill>
-            <a:prstDash val="solid"/>
-            <a:round/>
-            <a:headEnd type="none" w="sm" len="sm"/>
-            <a:tailEnd type="none" w="sm" len="sm"/>
-          </a:ln>
-        </p:spPr>
-      </p:cxnSp>
-      <p:cxnSp>
-        <p:nvCxnSpPr>
-          <p:cNvPr id="210" name="Google Shape;210;g87d0b50373_4_27"/>
-          <p:cNvCxnSpPr>
-            <a:stCxn id="205" idx="0"/>
-            <a:endCxn id="205" idx="2"/>
-          </p:cNvCxnSpPr>
-          <p:nvPr/>
-        </p:nvCxnSpPr>
-        <p:spPr>
-          <a:xfrm rot="5400000">
-            <a:off x="1223250" y="5014038"/>
-            <a:ext cx="282300" cy="246300"/>
-          </a:xfrm>
-          <a:prstGeom prst="curvedConnector4">
-            <a:avLst>
-              <a:gd name="adj1" fmla="val -84352"/>
-              <a:gd name="adj2" fmla="val 197100"/>
-            </a:avLst>
-          </a:prstGeom>
-          <a:noFill/>
-          <a:ln w="9525" cap="flat" cmpd="sng">
-            <a:solidFill>
-              <a:schemeClr val="dk2"/>
-            </a:solidFill>
-            <a:prstDash val="solid"/>
-            <a:round/>
-            <a:headEnd type="none" w="sm" len="sm"/>
-            <a:tailEnd type="none" w="sm" len="sm"/>
-          </a:ln>
-        </p:spPr>
-      </p:cxnSp>
-      <p:cxnSp>
-        <p:nvCxnSpPr>
-          <p:cNvPr id="211" name="Google Shape;211;g87d0b50373_4_27"/>
-          <p:cNvCxnSpPr>
-            <a:stCxn id="205" idx="7"/>
-            <a:endCxn id="206" idx="3"/>
-          </p:cNvCxnSpPr>
-          <p:nvPr/>
-        </p:nvCxnSpPr>
-        <p:spPr>
-          <a:xfrm rot="10800000" flipH="1">
-            <a:off x="1661604" y="4524322"/>
-            <a:ext cx="828900" cy="554400"/>
-          </a:xfrm>
-          <a:prstGeom prst="straightConnector1">
-            <a:avLst/>
-          </a:prstGeom>
-          <a:noFill/>
-          <a:ln w="9525" cap="flat" cmpd="sng">
-            <a:solidFill>
-              <a:schemeClr val="dk2"/>
-            </a:solidFill>
-            <a:prstDash val="solid"/>
-            <a:round/>
-            <a:headEnd type="none" w="sm" len="sm"/>
-            <a:tailEnd type="triangle" w="med" len="med"/>
-          </a:ln>
-        </p:spPr>
-      </p:cxnSp>
-      <p:cxnSp>
-        <p:nvCxnSpPr>
-          <p:cNvPr id="212" name="Google Shape;212;g87d0b50373_4_27"/>
-          <p:cNvCxnSpPr>
-            <a:stCxn id="206" idx="4"/>
-            <a:endCxn id="208" idx="0"/>
-          </p:cNvCxnSpPr>
-          <p:nvPr/>
-        </p:nvCxnSpPr>
-        <p:spPr>
-          <a:xfrm>
-            <a:off x="2664425" y="4607125"/>
-            <a:ext cx="0" cy="1446300"/>
-          </a:xfrm>
-          <a:prstGeom prst="straightConnector1">
-            <a:avLst/>
-          </a:prstGeom>
-          <a:noFill/>
-          <a:ln w="9525" cap="flat" cmpd="sng">
-            <a:solidFill>
-              <a:schemeClr val="dk2"/>
-            </a:solidFill>
-            <a:prstDash val="solid"/>
-            <a:round/>
-            <a:headEnd type="none" w="sm" len="sm"/>
-            <a:tailEnd type="triangle" w="med" len="med"/>
-          </a:ln>
-        </p:spPr>
-      </p:cxnSp>
-      <p:cxnSp>
-        <p:nvCxnSpPr>
-          <p:cNvPr id="213" name="Google Shape;213;g87d0b50373_4_27"/>
-          <p:cNvCxnSpPr>
-            <a:stCxn id="207" idx="1"/>
-            <a:endCxn id="206" idx="5"/>
-          </p:cNvCxnSpPr>
-          <p:nvPr/>
-        </p:nvCxnSpPr>
-        <p:spPr>
-          <a:xfrm rot="10800000">
-            <a:off x="2838396" y="4524297"/>
-            <a:ext cx="1313400" cy="1611900"/>
-          </a:xfrm>
-          <a:prstGeom prst="straightConnector1">
-            <a:avLst/>
-          </a:prstGeom>
-          <a:noFill/>
-          <a:ln w="9525" cap="flat" cmpd="sng">
-            <a:solidFill>
-              <a:schemeClr val="dk2"/>
-            </a:solidFill>
-            <a:prstDash val="solid"/>
-            <a:round/>
-            <a:headEnd type="none" w="sm" len="sm"/>
-            <a:tailEnd type="triangle" w="med" len="med"/>
-          </a:ln>
-        </p:spPr>
-      </p:cxnSp>
-      <p:cxnSp>
-        <p:nvCxnSpPr>
-          <p:cNvPr id="214" name="Google Shape;214;g87d0b50373_4_27"/>
-          <p:cNvCxnSpPr>
-            <a:stCxn id="208" idx="6"/>
-            <a:endCxn id="207" idx="2"/>
-          </p:cNvCxnSpPr>
-          <p:nvPr/>
-        </p:nvCxnSpPr>
-        <p:spPr>
-          <a:xfrm>
-            <a:off x="2910575" y="6335838"/>
-            <a:ext cx="1169100" cy="0"/>
-          </a:xfrm>
-          <a:prstGeom prst="straightConnector1">
-            <a:avLst/>
-          </a:prstGeom>
-          <a:noFill/>
-          <a:ln w="9525" cap="flat" cmpd="sng">
-            <a:solidFill>
-              <a:schemeClr val="dk2"/>
-            </a:solidFill>
-            <a:prstDash val="solid"/>
-            <a:round/>
-            <a:headEnd type="none" w="sm" len="sm"/>
-            <a:tailEnd type="triangle" w="med" len="med"/>
-          </a:ln>
-        </p:spPr>
-      </p:cxnSp>
-      <p:cxnSp>
-        <p:nvCxnSpPr>
-          <p:cNvPr id="215" name="Google Shape;215;g87d0b50373_4_27"/>
-          <p:cNvCxnSpPr>
-            <a:stCxn id="208" idx="1"/>
-            <a:endCxn id="205" idx="5"/>
-          </p:cNvCxnSpPr>
-          <p:nvPr/>
-        </p:nvCxnSpPr>
-        <p:spPr>
-          <a:xfrm rot="10800000">
-            <a:off x="1661471" y="5478022"/>
-            <a:ext cx="828900" cy="658200"/>
-          </a:xfrm>
-          <a:prstGeom prst="straightConnector1">
-            <a:avLst/>
-          </a:prstGeom>
-          <a:noFill/>
-          <a:ln w="9525" cap="flat" cmpd="sng">
-            <a:solidFill>
-              <a:schemeClr val="dk2"/>
-            </a:solidFill>
-            <a:prstDash val="solid"/>
-            <a:round/>
-            <a:headEnd type="none" w="sm" len="sm"/>
-            <a:tailEnd type="triangle" w="med" len="med"/>
-          </a:ln>
-        </p:spPr>
-      </p:cxnSp>
-      <p:cxnSp>
-        <p:nvCxnSpPr>
-          <p:cNvPr id="216" name="Google Shape;216;g87d0b50373_4_27"/>
-          <p:cNvCxnSpPr/>
-          <p:nvPr/>
-        </p:nvCxnSpPr>
-        <p:spPr>
-          <a:xfrm>
-            <a:off x="1465650" y="4907150"/>
-            <a:ext cx="26100" cy="97200"/>
-          </a:xfrm>
-          <a:prstGeom prst="straightConnector1">
-            <a:avLst/>
-          </a:prstGeom>
-          <a:noFill/>
-          <a:ln w="9525" cap="flat" cmpd="sng">
-            <a:solidFill>
-              <a:schemeClr val="dk2"/>
-            </a:solidFill>
-            <a:prstDash val="solid"/>
-            <a:round/>
-            <a:headEnd type="none" w="sm" len="sm"/>
-            <a:tailEnd type="triangle" w="med" len="med"/>
-          </a:ln>
-        </p:spPr>
-      </p:cxnSp>
-      <p:cxnSp>
-        <p:nvCxnSpPr>
-          <p:cNvPr id="217" name="Google Shape;217;g87d0b50373_4_27"/>
-          <p:cNvCxnSpPr>
-            <a:stCxn id="200" idx="2"/>
-            <a:endCxn id="199" idx="7"/>
-          </p:cNvCxnSpPr>
-          <p:nvPr/>
-        </p:nvCxnSpPr>
-        <p:spPr>
-          <a:xfrm flipH="1">
-            <a:off x="6531950" y="4713775"/>
-            <a:ext cx="1132500" cy="365100"/>
-          </a:xfrm>
-          <a:prstGeom prst="straightConnector1">
-            <a:avLst/>
-          </a:prstGeom>
-          <a:noFill/>
-          <a:ln w="9525" cap="flat" cmpd="sng">
-            <a:solidFill>
-              <a:schemeClr val="dk2"/>
-            </a:solidFill>
-            <a:prstDash val="solid"/>
-            <a:round/>
-            <a:headEnd type="none" w="sm" len="sm"/>
-            <a:tailEnd type="triangle" w="med" len="med"/>
-          </a:ln>
-        </p:spPr>
-      </p:cxnSp>
-    </p:spTree>
-  </p:cSld>
-  <p:clrMapOvr>
-    <a:masterClrMapping/>
-  </p:clrMapOvr>
-  <p:timing>
-    <p:tnLst>
-      <p:par>
-        <p:cTn id="1" dur="indefinite" restart="never" nodeType="tmRoot">
-          <p:childTnLst>
-            <p:seq concurrent="1" nextAc="seek">
-              <p:cTn id="2" dur="indefinite" nodeType="mainSeq">
-                <p:childTnLst>
-                  <p:par>
-                    <p:cTn id="3" fill="hold">
-                      <p:stCondLst>
-                        <p:cond delay="indefinite"/>
-                      </p:stCondLst>
-                      <p:childTnLst>
-                        <p:par>
-                          <p:cTn id="4" fill="hold">
-                            <p:stCondLst>
-                              <p:cond delay="0"/>
-                            </p:stCondLst>
-                            <p:childTnLst>
-                              <p:par>
-                                <p:cTn id="5" presetID="10" presetClass="entr" presetSubtype="0" fill="hold" nodeType="clickEffect">
-                                  <p:stCondLst>
-                                    <p:cond delay="0"/>
-                                  </p:stCondLst>
-                                  <p:childTnLst>
-                                    <p:set>
-                                      <p:cBhvr>
-                                        <p:cTn id="6" dur="1" fill="hold">
-                                          <p:stCondLst>
-                                            <p:cond delay="0"/>
-                                          </p:stCondLst>
-                                        </p:cTn>
-                                        <p:tgtEl>
-                                          <p:spTgt spid="198">
-                                            <p:txEl>
-                                              <p:pRg st="0" end="0"/>
-                                            </p:txEl>
-                                          </p:spTgt>
-                                        </p:tgtEl>
-                                        <p:attrNameLst>
-                                          <p:attrName>style.visibility</p:attrName>
-                                        </p:attrNameLst>
-                                      </p:cBhvr>
-                                      <p:to>
-                                        <p:strVal val="visible"/>
-                                      </p:to>
-                                    </p:set>
-                                    <p:animEffect transition="in" filter="fade">
-                                      <p:cBhvr>
-                                        <p:cTn id="7" dur="500"/>
-                                        <p:tgtEl>
-                                          <p:spTgt spid="198">
-                                            <p:txEl>
-                                              <p:pRg st="0" end="0"/>
-                                            </p:txEl>
-                                          </p:spTgt>
-                                        </p:tgtEl>
-                                      </p:cBhvr>
-                                    </p:animEffect>
-                                  </p:childTnLst>
-                                </p:cTn>
-                              </p:par>
-                            </p:childTnLst>
-                          </p:cTn>
-                        </p:par>
-                      </p:childTnLst>
-                    </p:cTn>
-                  </p:par>
-                  <p:par>
-                    <p:cTn id="8" fill="hold">
-                      <p:stCondLst>
-                        <p:cond delay="indefinite"/>
-                      </p:stCondLst>
-                      <p:childTnLst>
-                        <p:par>
-                          <p:cTn id="9" fill="hold">
-                            <p:stCondLst>
-                              <p:cond delay="0"/>
-                            </p:stCondLst>
-                            <p:childTnLst>
-                              <p:par>
-                                <p:cTn id="10" presetID="10" presetClass="entr" presetSubtype="0" fill="hold" nodeType="clickEffect">
-                                  <p:stCondLst>
-                                    <p:cond delay="0"/>
-                                  </p:stCondLst>
-                                  <p:childTnLst>
-                                    <p:set>
-                                      <p:cBhvr>
-                                        <p:cTn id="11" dur="1" fill="hold">
-                                          <p:stCondLst>
-                                            <p:cond delay="0"/>
-                                          </p:stCondLst>
-                                        </p:cTn>
-                                        <p:tgtEl>
-                                          <p:spTgt spid="198">
-                                            <p:txEl>
-                                              <p:pRg st="1" end="1"/>
-                                            </p:txEl>
-                                          </p:spTgt>
-                                        </p:tgtEl>
-                                        <p:attrNameLst>
-                                          <p:attrName>style.visibility</p:attrName>
-                                        </p:attrNameLst>
-                                      </p:cBhvr>
-                                      <p:to>
-                                        <p:strVal val="visible"/>
-                                      </p:to>
-                                    </p:set>
-                                    <p:animEffect transition="in" filter="fade">
-                                      <p:cBhvr>
-                                        <p:cTn id="12" dur="500"/>
-                                        <p:tgtEl>
-                                          <p:spTgt spid="198">
-                                            <p:txEl>
-                                              <p:pRg st="1" end="1"/>
-                                            </p:txEl>
-                                          </p:spTgt>
-                                        </p:tgtEl>
-                                      </p:cBhvr>
-                                    </p:animEffect>
-                                  </p:childTnLst>
-                                </p:cTn>
-                              </p:par>
-                            </p:childTnLst>
-                          </p:cTn>
-                        </p:par>
-                      </p:childTnLst>
-                    </p:cTn>
-                  </p:par>
-                </p:childTnLst>
-              </p:cTn>
-              <p:prevCondLst>
-                <p:cond evt="onPrev" delay="0">
-                  <p:tgtEl>
-                    <p:sldTgt/>
-                  </p:tgtEl>
-                </p:cond>
-              </p:prevCondLst>
-              <p:nextCondLst>
-                <p:cond evt="onNext" delay="0">
-                  <p:tgtEl>
-                    <p:sldTgt/>
-                  </p:tgtEl>
-                </p:cond>
-              </p:nextCondLst>
-            </p:seq>
-          </p:childTnLst>
-        </p:cTn>
-      </p:par>
-    </p:tnLst>
-  </p:timing>
-</p:sld>
-</file>
-
-<file path=ppt/slides/slide11.xml><?xml version="1.0" encoding="utf-8"?>
-<p:sld xmlns:a="http://schemas.openxmlformats.org/drawingml/2006/main" xmlns:r="http://schemas.openxmlformats.org/officeDocument/2006/relationships" xmlns:p="http://schemas.openxmlformats.org/presentationml/2006/main">
-  <p:cSld>
-    <p:spTree>
-      <p:nvGrpSpPr>
         <p:cNvPr id="1" name="Shape 221"/>
         <p:cNvGrpSpPr/>
         <p:nvPr/>
@@ -22361,7 +21333,7 @@
 </p:sld>
 </file>
 
-<file path=ppt/slides/slide12.xml><?xml version="1.0" encoding="utf-8"?>
+<file path=ppt/slides/slide11.xml><?xml version="1.0" encoding="utf-8"?>
 <p:sld xmlns:a="http://schemas.openxmlformats.org/drawingml/2006/main" xmlns:r="http://schemas.openxmlformats.org/officeDocument/2006/relationships" xmlns:p="http://schemas.openxmlformats.org/presentationml/2006/main">
   <p:cSld>
     <p:spTree>
@@ -24519,7 +23491,7 @@
 </p:sld>
 </file>
 
-<file path=ppt/slides/slide13.xml><?xml version="1.0" encoding="utf-8"?>
+<file path=ppt/slides/slide12.xml><?xml version="1.0" encoding="utf-8"?>
 <p:sld xmlns:a="http://schemas.openxmlformats.org/drawingml/2006/main" xmlns:r="http://schemas.openxmlformats.org/officeDocument/2006/relationships" xmlns:p="http://schemas.openxmlformats.org/presentationml/2006/main">
   <p:cSld>
     <p:spTree>
@@ -26625,7 +25597,7 @@
 </p:sld>
 </file>
 
-<file path=ppt/slides/slide14.xml><?xml version="1.0" encoding="utf-8"?>
+<file path=ppt/slides/slide13.xml><?xml version="1.0" encoding="utf-8"?>
 <p:sld xmlns:a="http://schemas.openxmlformats.org/drawingml/2006/main" xmlns:r="http://schemas.openxmlformats.org/officeDocument/2006/relationships" xmlns:p="http://schemas.openxmlformats.org/presentationml/2006/main">
   <p:cSld>
     <p:spTree>
@@ -26846,7 +25818,7 @@
 </p:sld>
 </file>
 
-<file path=ppt/slides/slide15.xml><?xml version="1.0" encoding="utf-8"?>
+<file path=ppt/slides/slide14.xml><?xml version="1.0" encoding="utf-8"?>
 <p:sld xmlns:a="http://schemas.openxmlformats.org/drawingml/2006/main" xmlns:r="http://schemas.openxmlformats.org/officeDocument/2006/relationships" xmlns:p="http://schemas.openxmlformats.org/presentationml/2006/main">
   <p:cSld>
     <p:spTree>
@@ -27077,7 +26049,7 @@
         </p:nvSpPr>
         <p:spPr>
           <a:xfrm>
-            <a:off x="4411911" y="6084800"/>
+            <a:off x="4339179" y="6084820"/>
             <a:ext cx="453000" cy="458100"/>
           </a:xfrm>
           <a:prstGeom prst="ellipse">
@@ -27120,7 +26092,7 @@
               <a:buNone/>
             </a:pPr>
             <a:r>
-              <a:rPr lang="es-ES" sz="1400" b="0" i="0" u="none" strike="noStrike" cap="none">
+              <a:rPr lang="es-ES" sz="1400" b="0" i="0" u="none" strike="noStrike" cap="none" dirty="0">
                 <a:solidFill>
                   <a:srgbClr val="000000"/>
                 </a:solidFill>
@@ -27129,9 +26101,9 @@
                 <a:cs typeface="Arial"/>
                 <a:sym typeface="Arial"/>
               </a:rPr>
-              <a:t>3</a:t>
+              <a:t>5</a:t>
             </a:r>
-            <a:endParaRPr sz="1400" b="0" i="0" u="none" strike="noStrike" cap="none">
+            <a:endParaRPr sz="1400" b="0" i="0" u="none" strike="noStrike" cap="none" dirty="0">
               <a:solidFill>
                 <a:srgbClr val="000000"/>
               </a:solidFill>
@@ -27229,7 +26201,7 @@
         <p:spPr>
           <a:xfrm>
             <a:off x="3215101" y="6313870"/>
-            <a:ext cx="1196700" cy="0"/>
+            <a:ext cx="1124078" cy="0"/>
           </a:xfrm>
           <a:prstGeom prst="straightConnector1">
             <a:avLst/>
@@ -27283,7 +26255,7 @@
         </p:nvSpPr>
         <p:spPr>
           <a:xfrm>
-            <a:off x="3151710" y="4899821"/>
+            <a:off x="3133951" y="4930581"/>
             <a:ext cx="453000" cy="458100"/>
           </a:xfrm>
           <a:prstGeom prst="ellipse">
@@ -27326,7 +26298,7 @@
               <a:buNone/>
             </a:pPr>
             <a:r>
-              <a:rPr lang="es-ES" sz="1400" b="0" i="0" u="none" strike="noStrike" cap="none">
+              <a:rPr lang="es-ES" sz="1400" b="0" i="0" u="none" strike="noStrike" cap="none" dirty="0">
                 <a:solidFill>
                   <a:srgbClr val="000000"/>
                 </a:solidFill>
@@ -27335,9 +26307,9 @@
                 <a:cs typeface="Arial"/>
                 <a:sym typeface="Arial"/>
               </a:rPr>
-              <a:t>2</a:t>
+              <a:t>4</a:t>
             </a:r>
-            <a:endParaRPr sz="1400" b="0" i="0" u="none" strike="noStrike" cap="none">
+            <a:endParaRPr sz="1400" b="0" i="0" u="none" strike="noStrike" cap="none" dirty="0">
               <a:solidFill>
                 <a:srgbClr val="000000"/>
               </a:solidFill>
@@ -27360,8 +26332,8 @@
         </p:nvCxnSpPr>
         <p:spPr>
           <a:xfrm>
-            <a:off x="3538370" y="5290834"/>
-            <a:ext cx="939900" cy="861000"/>
+            <a:off x="3520611" y="5321594"/>
+            <a:ext cx="884908" cy="830313"/>
           </a:xfrm>
           <a:prstGeom prst="straightConnector1">
             <a:avLst/>
@@ -27429,7 +26401,7 @@
               <a:buNone/>
             </a:pPr>
             <a:r>
-              <a:rPr lang="es-ES" sz="1400" b="0" i="0" u="none" strike="noStrike" cap="none">
+              <a:rPr lang="es-ES" sz="1400" b="0" i="0" u="none" strike="noStrike" cap="none" dirty="0">
                 <a:solidFill>
                   <a:srgbClr val="000000"/>
                 </a:solidFill>
@@ -27438,9 +26410,9 @@
                 <a:cs typeface="Arial"/>
                 <a:sym typeface="Arial"/>
               </a:rPr>
-              <a:t>4</a:t>
+              <a:t>8</a:t>
             </a:r>
-            <a:endParaRPr sz="1400" b="0" i="0" u="none" strike="noStrike" cap="none">
+            <a:endParaRPr sz="1400" b="0" i="0" u="none" strike="noStrike" cap="none" dirty="0">
               <a:solidFill>
                 <a:srgbClr val="000000"/>
               </a:solidFill>
@@ -27463,8 +26435,8 @@
         </p:nvCxnSpPr>
         <p:spPr>
           <a:xfrm flipH="1">
-            <a:off x="4864839" y="5883300"/>
-            <a:ext cx="930000" cy="430500"/>
+            <a:off x="4792179" y="5883300"/>
+            <a:ext cx="1002660" cy="430570"/>
           </a:xfrm>
           <a:prstGeom prst="straightConnector1">
             <a:avLst/>
@@ -27491,9 +26463,9 @@
           <p:nvPr/>
         </p:nvCxnSpPr>
         <p:spPr>
-          <a:xfrm rot="10800000" flipH="1">
-            <a:off x="2025150" y="5128881"/>
-            <a:ext cx="1126500" cy="259800"/>
+          <a:xfrm flipV="1">
+            <a:off x="2025150" y="5159631"/>
+            <a:ext cx="1108801" cy="229050"/>
           </a:xfrm>
           <a:prstGeom prst="straightConnector1">
             <a:avLst/>
@@ -27561,7 +26533,7 @@
               <a:buNone/>
             </a:pPr>
             <a:r>
-              <a:rPr lang="es-ES" sz="1400" b="0" i="0" u="none" strike="noStrike" cap="none">
+              <a:rPr lang="es-ES" sz="1400" b="0" i="0" u="none" strike="noStrike" cap="none" dirty="0">
                 <a:solidFill>
                   <a:srgbClr val="000000"/>
                 </a:solidFill>
@@ -27570,9 +26542,9 @@
                 <a:cs typeface="Arial"/>
                 <a:sym typeface="Arial"/>
               </a:rPr>
-              <a:t>3</a:t>
+              <a:t>6</a:t>
             </a:r>
-            <a:endParaRPr sz="1400" b="0" i="0" u="none" strike="noStrike" cap="none">
+            <a:endParaRPr sz="1400" b="0" i="0" u="none" strike="noStrike" cap="none" dirty="0">
               <a:solidFill>
                 <a:srgbClr val="000000"/>
               </a:solidFill>
@@ -27635,7 +26607,7 @@
               <a:buNone/>
             </a:pPr>
             <a:r>
-              <a:rPr lang="es-ES" sz="1400" b="0" i="0" u="none" strike="noStrike" cap="none">
+              <a:rPr lang="es-ES" sz="1400" b="0" i="0" u="none" strike="noStrike" cap="none" dirty="0">
                 <a:solidFill>
                   <a:srgbClr val="000000"/>
                 </a:solidFill>
@@ -27644,9 +26616,9 @@
                 <a:cs typeface="Arial"/>
                 <a:sym typeface="Arial"/>
               </a:rPr>
-              <a:t>2</a:t>
+              <a:t>3</a:t>
             </a:r>
-            <a:endParaRPr sz="1400" b="0" i="0" u="none" strike="noStrike" cap="none">
+            <a:endParaRPr sz="1400" b="0" i="0" u="none" strike="noStrike" cap="none" dirty="0">
               <a:solidFill>
                 <a:srgbClr val="000000"/>
               </a:solidFill>
@@ -27767,18 +26739,10 @@
               <a:buNone/>
             </a:pPr>
             <a:r>
-              <a:rPr lang="es-ES" sz="1400" b="0" i="0" u="none" strike="noStrike" cap="none">
-                <a:solidFill>
-                  <a:srgbClr val="000000"/>
-                </a:solidFill>
-                <a:latin typeface="Arial"/>
-                <a:ea typeface="Arial"/>
-                <a:cs typeface="Arial"/>
-                <a:sym typeface="Arial"/>
-              </a:rPr>
-              <a:t>3</a:t>
+              <a:rPr lang="es-ES" dirty="0"/>
+              <a:t>7</a:t>
             </a:r>
-            <a:endParaRPr sz="1400" b="0" i="0" u="none" strike="noStrike" cap="none">
+            <a:endParaRPr sz="1400" b="0" i="0" u="none" strike="noStrike" cap="none" dirty="0">
               <a:solidFill>
                 <a:srgbClr val="000000"/>
               </a:solidFill>
@@ -27798,7 +26762,7 @@
         </p:nvSpPr>
         <p:spPr>
           <a:xfrm>
-            <a:off x="5728499" y="3669183"/>
+            <a:off x="5910375" y="3669178"/>
             <a:ext cx="453000" cy="458100"/>
           </a:xfrm>
           <a:prstGeom prst="ellipse">
@@ -27841,7 +26805,7 @@
               <a:buNone/>
             </a:pPr>
             <a:r>
-              <a:rPr lang="es-ES" sz="1400" b="0" i="0" u="none" strike="noStrike" cap="none">
+              <a:rPr lang="es-ES" sz="1400" b="0" i="0" u="none" strike="noStrike" cap="none" dirty="0">
                 <a:solidFill>
                   <a:srgbClr val="000000"/>
                 </a:solidFill>
@@ -27850,9 +26814,9 @@
                 <a:cs typeface="Arial"/>
                 <a:sym typeface="Arial"/>
               </a:rPr>
-              <a:t>4</a:t>
+              <a:t>9</a:t>
             </a:r>
-            <a:endParaRPr sz="1400" b="0" i="0" u="none" strike="noStrike" cap="none">
+            <a:endParaRPr sz="1400" b="0" i="0" u="none" strike="noStrike" cap="none" dirty="0">
               <a:solidFill>
                 <a:srgbClr val="000000"/>
               </a:solidFill>
@@ -27875,8 +26839,8 @@
         </p:nvCxnSpPr>
         <p:spPr>
           <a:xfrm flipH="1">
-            <a:off x="5184339" y="4060196"/>
-            <a:ext cx="610500" cy="890700"/>
+            <a:off x="5184261" y="4060191"/>
+            <a:ext cx="792454" cy="890838"/>
           </a:xfrm>
           <a:prstGeom prst="straightConnector1">
             <a:avLst/>
@@ -27905,7 +26869,7 @@
         <p:spPr>
           <a:xfrm>
             <a:off x="4039951" y="3806525"/>
-            <a:ext cx="1688400" cy="91800"/>
+            <a:ext cx="1870424" cy="91703"/>
           </a:xfrm>
           <a:prstGeom prst="straightConnector1">
             <a:avLst/>
@@ -27959,8 +26923,8 @@
         </p:nvSpPr>
         <p:spPr>
           <a:xfrm>
-            <a:off x="7280700" y="4301554"/>
-            <a:ext cx="453000" cy="458100"/>
+            <a:off x="7280699" y="4301554"/>
+            <a:ext cx="604771" cy="458100"/>
           </a:xfrm>
           <a:prstGeom prst="ellipse">
             <a:avLst/>
@@ -28002,7 +26966,7 @@
               <a:buNone/>
             </a:pPr>
             <a:r>
-              <a:rPr lang="es-ES" sz="1400" b="0" i="0" u="none" strike="noStrike" cap="none">
+              <a:rPr lang="es-ES" sz="1400" b="0" i="0" u="none" strike="noStrike" cap="none" dirty="0">
                 <a:solidFill>
                   <a:srgbClr val="000000"/>
                 </a:solidFill>
@@ -28011,9 +26975,9 @@
                 <a:cs typeface="Arial"/>
                 <a:sym typeface="Arial"/>
               </a:rPr>
-              <a:t>5</a:t>
+              <a:t>10</a:t>
             </a:r>
-            <a:endParaRPr sz="1400" b="0" i="0" u="none" strike="noStrike" cap="none">
+            <a:endParaRPr sz="1400" b="0" i="0" u="none" strike="noStrike" cap="none" dirty="0">
               <a:solidFill>
                 <a:srgbClr val="000000"/>
               </a:solidFill>
@@ -28029,15 +26993,16 @@
         <p:nvCxnSpPr>
           <p:cNvPr id="315" name="Google Shape;315;g87d0b50373_4_41"/>
           <p:cNvCxnSpPr>
+            <a:cxnSpLocks/>
             <a:stCxn id="302" idx="6"/>
             <a:endCxn id="314" idx="3"/>
           </p:cNvCxnSpPr>
           <p:nvPr/>
         </p:nvCxnSpPr>
         <p:spPr>
-          <a:xfrm rot="10800000" flipH="1">
-            <a:off x="6181499" y="4692637"/>
-            <a:ext cx="1165500" cy="1028700"/>
+          <a:xfrm flipV="1">
+            <a:off x="6181499" y="4692567"/>
+            <a:ext cx="1187767" cy="1028770"/>
           </a:xfrm>
           <a:prstGeom prst="straightConnector1">
             <a:avLst/>
@@ -28062,7 +27027,7 @@
 </p:sld>
 </file>
 
-<file path=ppt/slides/slide16.xml><?xml version="1.0" encoding="utf-8"?>
+<file path=ppt/slides/slide15.xml><?xml version="1.0" encoding="utf-8"?>
 <p:sld xmlns:a="http://schemas.openxmlformats.org/drawingml/2006/main" xmlns:r="http://schemas.openxmlformats.org/officeDocument/2006/relationships" xmlns:p="http://schemas.openxmlformats.org/presentationml/2006/main">
   <p:cSld>
     <p:spTree>
@@ -28260,7 +27225,7 @@
               <a:buNone/>
             </a:pPr>
             <a:r>
-              <a:rPr lang="es-ES" sz="1400" b="0" i="0" u="none" strike="noStrike" cap="none">
+              <a:rPr lang="es-ES" sz="1400" b="0" i="0" u="none" strike="noStrike" cap="none" dirty="0">
                 <a:solidFill>
                   <a:srgbClr val="000000"/>
                 </a:solidFill>
@@ -28269,9 +27234,9 @@
                 <a:cs typeface="Arial"/>
                 <a:sym typeface="Arial"/>
               </a:rPr>
-              <a:t>3</a:t>
+              <a:t>5</a:t>
             </a:r>
-            <a:endParaRPr sz="1400" b="0" i="0" u="none" strike="noStrike" cap="none">
+            <a:endParaRPr sz="1400" b="0" i="0" u="none" strike="noStrike" cap="none" dirty="0">
               <a:solidFill>
                 <a:srgbClr val="000000"/>
               </a:solidFill>
@@ -28334,7 +27299,7 @@
               <a:buNone/>
             </a:pPr>
             <a:r>
-              <a:rPr lang="es-ES" sz="1400" b="0" i="0" u="none" strike="noStrike" cap="none">
+              <a:rPr lang="es-ES" sz="1400" b="0" i="0" u="none" strike="noStrike" cap="none" dirty="0">
                 <a:solidFill>
                   <a:srgbClr val="000000"/>
                 </a:solidFill>
@@ -28343,9 +27308,9 @@
                 <a:cs typeface="Arial"/>
                 <a:sym typeface="Arial"/>
               </a:rPr>
-              <a:t>3</a:t>
+              <a:t>7</a:t>
             </a:r>
-            <a:endParaRPr sz="1400" b="0" i="0" u="none" strike="noStrike" cap="none">
+            <a:endParaRPr sz="1400" b="0" i="0" u="none" strike="noStrike" cap="none" dirty="0">
               <a:solidFill>
                 <a:srgbClr val="000000"/>
               </a:solidFill>
@@ -28408,7 +27373,7 @@
               <a:buNone/>
             </a:pPr>
             <a:r>
-              <a:rPr lang="es-ES" sz="1400" b="0" i="0" u="none" strike="noStrike" cap="none">
+              <a:rPr lang="es-ES" sz="1400" b="0" i="0" u="none" strike="noStrike" cap="none" dirty="0">
                 <a:solidFill>
                   <a:srgbClr val="000000"/>
                 </a:solidFill>
@@ -28417,9 +27382,9 @@
                 <a:cs typeface="Arial"/>
                 <a:sym typeface="Arial"/>
               </a:rPr>
-              <a:t>3</a:t>
+              <a:t>6</a:t>
             </a:r>
-            <a:endParaRPr sz="1400" b="0" i="0" u="none" strike="noStrike" cap="none">
+            <a:endParaRPr sz="1400" b="0" i="0" u="none" strike="noStrike" cap="none" dirty="0">
               <a:solidFill>
                 <a:srgbClr val="000000"/>
               </a:solidFill>
@@ -28482,7 +27447,7 @@
               <a:buNone/>
             </a:pPr>
             <a:r>
-              <a:rPr lang="es-ES" sz="1400" b="0" i="0" u="none" strike="noStrike" cap="none">
+              <a:rPr lang="es-ES" sz="1400" b="0" i="0" u="none" strike="noStrike" cap="none" dirty="0">
                 <a:solidFill>
                   <a:srgbClr val="000000"/>
                 </a:solidFill>
@@ -28491,9 +27456,9 @@
                 <a:cs typeface="Arial"/>
                 <a:sym typeface="Arial"/>
               </a:rPr>
-              <a:t>2</a:t>
+              <a:t>3</a:t>
             </a:r>
-            <a:endParaRPr sz="1400" b="0" i="0" u="none" strike="noStrike" cap="none">
+            <a:endParaRPr sz="1400" b="0" i="0" u="none" strike="noStrike" cap="none" dirty="0">
               <a:solidFill>
                 <a:srgbClr val="000000"/>
               </a:solidFill>
@@ -28556,7 +27521,7 @@
               <a:buNone/>
             </a:pPr>
             <a:r>
-              <a:rPr lang="es-ES" sz="1400" b="0" i="0" u="none" strike="noStrike" cap="none">
+              <a:rPr lang="es-ES" sz="1400" b="0" i="0" u="none" strike="noStrike" cap="none" dirty="0">
                 <a:solidFill>
                   <a:srgbClr val="000000"/>
                 </a:solidFill>
@@ -28565,9 +27530,9 @@
                 <a:cs typeface="Arial"/>
                 <a:sym typeface="Arial"/>
               </a:rPr>
-              <a:t>3</a:t>
+              <a:t>9</a:t>
             </a:r>
-            <a:endParaRPr sz="1400" b="0" i="0" u="none" strike="noStrike" cap="none">
+            <a:endParaRPr sz="1400" b="0" i="0" u="none" strike="noStrike" cap="none" dirty="0">
               <a:solidFill>
                 <a:srgbClr val="000000"/>
               </a:solidFill>
@@ -28807,7 +27772,7 @@
               <a:buNone/>
             </a:pPr>
             <a:r>
-              <a:rPr lang="es-ES" sz="1400" b="0" i="0" u="none" strike="noStrike" cap="none">
+              <a:rPr lang="es-ES" sz="1400" b="0" i="0" u="none" strike="noStrike" cap="none" dirty="0">
                 <a:solidFill>
                   <a:srgbClr val="000000"/>
                 </a:solidFill>
@@ -28816,9 +27781,9 @@
                 <a:cs typeface="Arial"/>
                 <a:sym typeface="Arial"/>
               </a:rPr>
-              <a:t>2</a:t>
+              <a:t>4</a:t>
             </a:r>
-            <a:endParaRPr sz="1400" b="0" i="0" u="none" strike="noStrike" cap="none">
+            <a:endParaRPr sz="1400" b="0" i="0" u="none" strike="noStrike" cap="none" dirty="0">
               <a:solidFill>
                 <a:srgbClr val="000000"/>
               </a:solidFill>
@@ -28881,7 +27846,7 @@
               <a:buNone/>
             </a:pPr>
             <a:r>
-              <a:rPr lang="es-ES" sz="1400" b="0" i="0" u="none" strike="noStrike" cap="none">
+              <a:rPr lang="es-ES" sz="1400" b="0" i="0" u="none" strike="noStrike" cap="none" dirty="0">
                 <a:solidFill>
                   <a:srgbClr val="000000"/>
                 </a:solidFill>
@@ -28890,9 +27855,9 @@
                 <a:cs typeface="Arial"/>
                 <a:sym typeface="Arial"/>
               </a:rPr>
-              <a:t>3</a:t>
+              <a:t>8</a:t>
             </a:r>
-            <a:endParaRPr sz="1400" b="0" i="0" u="none" strike="noStrike" cap="none">
+            <a:endParaRPr sz="1400" b="0" i="0" u="none" strike="noStrike" cap="none" dirty="0">
               <a:solidFill>
                 <a:srgbClr val="000000"/>
               </a:solidFill>
@@ -29112,6 +28077,2736 @@
 </p:sld>
 </file>
 
+<file path=ppt/slides/slide16.xml><?xml version="1.0" encoding="utf-8"?>
+<p:sld xmlns:a="http://schemas.openxmlformats.org/drawingml/2006/main" xmlns:r="http://schemas.openxmlformats.org/officeDocument/2006/relationships" xmlns:p="http://schemas.openxmlformats.org/presentationml/2006/main">
+  <p:cSld>
+    <p:spTree>
+      <p:nvGrpSpPr>
+        <p:cNvPr id="1" name="Shape 325">
+          <a:extLst>
+            <a:ext uri="{FF2B5EF4-FFF2-40B4-BE49-F238E27FC236}">
+              <a16:creationId xmlns:a16="http://schemas.microsoft.com/office/drawing/2014/main" id="{6170C463-D0B4-BCC6-1B48-B657877C544F}"/>
+            </a:ext>
+          </a:extLst>
+        </p:cNvPr>
+        <p:cNvGrpSpPr/>
+        <p:nvPr/>
+      </p:nvGrpSpPr>
+      <p:grpSpPr>
+        <a:xfrm>
+          <a:off x="0" y="0"/>
+          <a:ext cx="0" cy="0"/>
+          <a:chOff x="0" y="0"/>
+          <a:chExt cx="0" cy="0"/>
+        </a:xfrm>
+      </p:grpSpPr>
+      <p:sp>
+        <p:nvSpPr>
+          <p:cNvPr id="326" name="Google Shape;326;g87d0b50373_4_76">
+            <a:extLst>
+              <a:ext uri="{FF2B5EF4-FFF2-40B4-BE49-F238E27FC236}">
+                <a16:creationId xmlns:a16="http://schemas.microsoft.com/office/drawing/2014/main" id="{F5F5C111-1A21-DC36-9D22-E0FC24C1279E}"/>
+              </a:ext>
+            </a:extLst>
+          </p:cNvPr>
+          <p:cNvSpPr txBox="1">
+            <a:spLocks noGrp="1"/>
+          </p:cNvSpPr>
+          <p:nvPr>
+            <p:ph type="title"/>
+          </p:nvPr>
+        </p:nvSpPr>
+        <p:spPr>
+          <a:xfrm>
+            <a:off x="457200" y="704088"/>
+            <a:ext cx="8229600" cy="1143000"/>
+          </a:xfrm>
+          <a:prstGeom prst="rect">
+            <a:avLst/>
+          </a:prstGeom>
+          <a:noFill/>
+          <a:ln>
+            <a:noFill/>
+          </a:ln>
+        </p:spPr>
+        <p:txBody>
+          <a:bodyPr spcFirstLastPara="1" wrap="square" lIns="0" tIns="45700" rIns="0" bIns="0" anchor="b" anchorCtr="0">
+            <a:noAutofit/>
+          </a:bodyPr>
+          <a:lstStyle/>
+          <a:p>
+            <a:pPr marL="0" lvl="0" indent="0" algn="l" rtl="0">
+              <a:lnSpc>
+                <a:spcPct val="100000"/>
+              </a:lnSpc>
+              <a:spcBef>
+                <a:spcPts val="0"/>
+              </a:spcBef>
+              <a:spcAft>
+                <a:spcPts val="0"/>
+              </a:spcAft>
+              <a:buClr>
+                <a:schemeClr val="dk2"/>
+              </a:buClr>
+              <a:buSzPts val="5000"/>
+              <a:buFont typeface="Calibri"/>
+              <a:buNone/>
+            </a:pPr>
+            <a:r>
+              <a:rPr lang="es-ES" sz="4000" dirty="0"/>
+              <a:t>Comparación BFS vs DFS</a:t>
+            </a:r>
+          </a:p>
+        </p:txBody>
+      </p:sp>
+      <p:graphicFrame>
+        <p:nvGraphicFramePr>
+          <p:cNvPr id="2" name="Tabla 1">
+            <a:extLst>
+              <a:ext uri="{FF2B5EF4-FFF2-40B4-BE49-F238E27FC236}">
+                <a16:creationId xmlns:a16="http://schemas.microsoft.com/office/drawing/2014/main" id="{3668AE1C-D1AB-19AA-5B01-3EE54B022BBC}"/>
+              </a:ext>
+            </a:extLst>
+          </p:cNvPr>
+          <p:cNvGraphicFramePr>
+            <a:graphicFrameLocks noGrp="1"/>
+          </p:cNvGraphicFramePr>
+          <p:nvPr>
+            <p:extLst>
+              <p:ext uri="{D42A27DB-BD31-4B8C-83A1-F6EECF244321}">
+                <p14:modId xmlns:p14="http://schemas.microsoft.com/office/powerpoint/2010/main" val="4061419615"/>
+              </p:ext>
+            </p:extLst>
+          </p:nvPr>
+        </p:nvGraphicFramePr>
+        <p:xfrm>
+          <a:off x="457200" y="2483961"/>
+          <a:ext cx="8229600" cy="3291840"/>
+        </p:xfrm>
+        <a:graphic>
+          <a:graphicData uri="http://schemas.openxmlformats.org/drawingml/2006/table">
+            <a:tbl>
+              <a:tblPr/>
+              <a:tblGrid>
+                <a:gridCol w="2256503">
+                  <a:extLst>
+                    <a:ext uri="{9D8B030D-6E8A-4147-A177-3AD203B41FA5}">
+                      <a16:colId xmlns:a16="http://schemas.microsoft.com/office/drawing/2014/main" val="2694749747"/>
+                    </a:ext>
+                  </a:extLst>
+                </a:gridCol>
+                <a:gridCol w="3229897">
+                  <a:extLst>
+                    <a:ext uri="{9D8B030D-6E8A-4147-A177-3AD203B41FA5}">
+                      <a16:colId xmlns:a16="http://schemas.microsoft.com/office/drawing/2014/main" val="3595270716"/>
+                    </a:ext>
+                  </a:extLst>
+                </a:gridCol>
+                <a:gridCol w="2743200">
+                  <a:extLst>
+                    <a:ext uri="{9D8B030D-6E8A-4147-A177-3AD203B41FA5}">
+                      <a16:colId xmlns:a16="http://schemas.microsoft.com/office/drawing/2014/main" val="2861583244"/>
+                    </a:ext>
+                  </a:extLst>
+                </a:gridCol>
+              </a:tblGrid>
+              <a:tr h="0">
+                <a:tc>
+                  <a:txBody>
+                    <a:bodyPr/>
+                    <a:lstStyle/>
+                    <a:p>
+                      <a:r>
+                        <a:rPr lang="es-AR" b="1" i="1" u="sng"/>
+                        <a:t>Característica</a:t>
+                      </a:r>
+                    </a:p>
+                  </a:txBody>
+                  <a:tcPr anchor="ctr">
+                    <a:lnL w="12700" cap="flat" cmpd="sng" algn="ctr">
+                      <a:solidFill>
+                        <a:schemeClr val="tx1"/>
+                      </a:solidFill>
+                      <a:prstDash val="solid"/>
+                      <a:round/>
+                      <a:headEnd type="none" w="med" len="med"/>
+                      <a:tailEnd type="none" w="med" len="med"/>
+                    </a:lnL>
+                    <a:lnR w="12700" cap="flat" cmpd="sng" algn="ctr">
+                      <a:solidFill>
+                        <a:schemeClr val="tx1"/>
+                      </a:solidFill>
+                      <a:prstDash val="solid"/>
+                      <a:round/>
+                      <a:headEnd type="none" w="med" len="med"/>
+                      <a:tailEnd type="none" w="med" len="med"/>
+                    </a:lnR>
+                    <a:lnT w="12700" cap="flat" cmpd="sng" algn="ctr">
+                      <a:solidFill>
+                        <a:schemeClr val="tx1"/>
+                      </a:solidFill>
+                      <a:prstDash val="solid"/>
+                      <a:round/>
+                      <a:headEnd type="none" w="med" len="med"/>
+                      <a:tailEnd type="none" w="med" len="med"/>
+                    </a:lnT>
+                    <a:lnB w="12700" cap="flat" cmpd="sng" algn="ctr">
+                      <a:solidFill>
+                        <a:schemeClr val="tx1"/>
+                      </a:solidFill>
+                      <a:prstDash val="solid"/>
+                      <a:round/>
+                      <a:headEnd type="none" w="med" len="med"/>
+                      <a:tailEnd type="none" w="med" len="med"/>
+                    </a:lnB>
+                    <a:noFill/>
+                  </a:tcPr>
+                </a:tc>
+                <a:tc>
+                  <a:txBody>
+                    <a:bodyPr/>
+                    <a:lstStyle/>
+                    <a:p>
+                      <a:r>
+                        <a:rPr lang="es-AR" b="1" i="1" u="sng"/>
+                        <a:t>BFS (Breadth-First Search)</a:t>
+                      </a:r>
+                    </a:p>
+                  </a:txBody>
+                  <a:tcPr anchor="ctr">
+                    <a:lnL w="12700" cap="flat" cmpd="sng" algn="ctr">
+                      <a:solidFill>
+                        <a:schemeClr val="tx1"/>
+                      </a:solidFill>
+                      <a:prstDash val="solid"/>
+                      <a:round/>
+                      <a:headEnd type="none" w="med" len="med"/>
+                      <a:tailEnd type="none" w="med" len="med"/>
+                    </a:lnL>
+                    <a:lnR w="12700" cap="flat" cmpd="sng" algn="ctr">
+                      <a:solidFill>
+                        <a:schemeClr val="tx1"/>
+                      </a:solidFill>
+                      <a:prstDash val="solid"/>
+                      <a:round/>
+                      <a:headEnd type="none" w="med" len="med"/>
+                      <a:tailEnd type="none" w="med" len="med"/>
+                    </a:lnR>
+                    <a:lnT w="12700" cap="flat" cmpd="sng" algn="ctr">
+                      <a:solidFill>
+                        <a:schemeClr val="tx1"/>
+                      </a:solidFill>
+                      <a:prstDash val="solid"/>
+                      <a:round/>
+                      <a:headEnd type="none" w="med" len="med"/>
+                      <a:tailEnd type="none" w="med" len="med"/>
+                    </a:lnT>
+                    <a:lnB w="12700" cap="flat" cmpd="sng" algn="ctr">
+                      <a:solidFill>
+                        <a:schemeClr val="tx1"/>
+                      </a:solidFill>
+                      <a:prstDash val="solid"/>
+                      <a:round/>
+                      <a:headEnd type="none" w="med" len="med"/>
+                      <a:tailEnd type="none" w="med" len="med"/>
+                    </a:lnB>
+                    <a:noFill/>
+                  </a:tcPr>
+                </a:tc>
+                <a:tc>
+                  <a:txBody>
+                    <a:bodyPr/>
+                    <a:lstStyle/>
+                    <a:p>
+                      <a:r>
+                        <a:rPr lang="es-AR" b="1" i="1" u="sng" dirty="0"/>
+                        <a:t>DFS (Depth-</a:t>
+                      </a:r>
+                      <a:r>
+                        <a:rPr lang="es-AR" b="1" i="1" u="sng" dirty="0" err="1"/>
+                        <a:t>First</a:t>
+                      </a:r>
+                      <a:r>
+                        <a:rPr lang="es-AR" b="1" i="1" u="sng" dirty="0"/>
+                        <a:t> </a:t>
+                      </a:r>
+                      <a:r>
+                        <a:rPr lang="es-AR" b="1" i="1" u="sng" dirty="0" err="1"/>
+                        <a:t>Search</a:t>
+                      </a:r>
+                      <a:r>
+                        <a:rPr lang="es-AR" b="1" i="1" u="sng" dirty="0"/>
+                        <a:t>)</a:t>
+                      </a:r>
+                    </a:p>
+                  </a:txBody>
+                  <a:tcPr anchor="ctr">
+                    <a:lnL w="12700" cap="flat" cmpd="sng" algn="ctr">
+                      <a:solidFill>
+                        <a:schemeClr val="tx1"/>
+                      </a:solidFill>
+                      <a:prstDash val="solid"/>
+                      <a:round/>
+                      <a:headEnd type="none" w="med" len="med"/>
+                      <a:tailEnd type="none" w="med" len="med"/>
+                    </a:lnL>
+                    <a:lnR w="12700" cap="flat" cmpd="sng" algn="ctr">
+                      <a:solidFill>
+                        <a:schemeClr val="tx1"/>
+                      </a:solidFill>
+                      <a:prstDash val="solid"/>
+                      <a:round/>
+                      <a:headEnd type="none" w="med" len="med"/>
+                      <a:tailEnd type="none" w="med" len="med"/>
+                    </a:lnR>
+                    <a:lnT w="12700" cap="flat" cmpd="sng" algn="ctr">
+                      <a:solidFill>
+                        <a:schemeClr val="tx1"/>
+                      </a:solidFill>
+                      <a:prstDash val="solid"/>
+                      <a:round/>
+                      <a:headEnd type="none" w="med" len="med"/>
+                      <a:tailEnd type="none" w="med" len="med"/>
+                    </a:lnT>
+                    <a:lnB w="12700" cap="flat" cmpd="sng" algn="ctr">
+                      <a:solidFill>
+                        <a:schemeClr val="tx1"/>
+                      </a:solidFill>
+                      <a:prstDash val="solid"/>
+                      <a:round/>
+                      <a:headEnd type="none" w="med" len="med"/>
+                      <a:tailEnd type="none" w="med" len="med"/>
+                    </a:lnB>
+                    <a:noFill/>
+                  </a:tcPr>
+                </a:tc>
+                <a:extLst>
+                  <a:ext uri="{0D108BD9-81ED-4DB2-BD59-A6C34878D82A}">
+                    <a16:rowId xmlns:a16="http://schemas.microsoft.com/office/drawing/2014/main" val="3107164391"/>
+                  </a:ext>
+                </a:extLst>
+              </a:tr>
+              <a:tr h="0">
+                <a:tc>
+                  <a:txBody>
+                    <a:bodyPr/>
+                    <a:lstStyle/>
+                    <a:p>
+                      <a:r>
+                        <a:rPr lang="es-AR" b="1" dirty="0"/>
+                        <a:t>Estructura usada</a:t>
+                      </a:r>
+                      <a:endParaRPr lang="es-AR" dirty="0"/>
+                    </a:p>
+                  </a:txBody>
+                  <a:tcPr anchor="ctr">
+                    <a:lnL w="12700" cap="flat" cmpd="sng" algn="ctr">
+                      <a:solidFill>
+                        <a:schemeClr val="tx1"/>
+                      </a:solidFill>
+                      <a:prstDash val="solid"/>
+                      <a:round/>
+                      <a:headEnd type="none" w="med" len="med"/>
+                      <a:tailEnd type="none" w="med" len="med"/>
+                    </a:lnL>
+                    <a:lnR w="12700" cap="flat" cmpd="sng" algn="ctr">
+                      <a:solidFill>
+                        <a:schemeClr val="tx1"/>
+                      </a:solidFill>
+                      <a:prstDash val="solid"/>
+                      <a:round/>
+                      <a:headEnd type="none" w="med" len="med"/>
+                      <a:tailEnd type="none" w="med" len="med"/>
+                    </a:lnR>
+                    <a:lnT w="12700" cap="flat" cmpd="sng" algn="ctr">
+                      <a:solidFill>
+                        <a:schemeClr val="tx1"/>
+                      </a:solidFill>
+                      <a:prstDash val="solid"/>
+                      <a:round/>
+                      <a:headEnd type="none" w="med" len="med"/>
+                      <a:tailEnd type="none" w="med" len="med"/>
+                    </a:lnT>
+                    <a:lnB w="12700" cap="flat" cmpd="sng" algn="ctr">
+                      <a:solidFill>
+                        <a:schemeClr val="tx1"/>
+                      </a:solidFill>
+                      <a:prstDash val="solid"/>
+                      <a:round/>
+                      <a:headEnd type="none" w="med" len="med"/>
+                      <a:tailEnd type="none" w="med" len="med"/>
+                    </a:lnB>
+                    <a:noFill/>
+                  </a:tcPr>
+                </a:tc>
+                <a:tc>
+                  <a:txBody>
+                    <a:bodyPr/>
+                    <a:lstStyle/>
+                    <a:p>
+                      <a:r>
+                        <a:rPr lang="es-AR"/>
+                        <a:t>Cola (FIFO)</a:t>
+                      </a:r>
+                    </a:p>
+                  </a:txBody>
+                  <a:tcPr anchor="ctr">
+                    <a:lnL w="12700" cap="flat" cmpd="sng" algn="ctr">
+                      <a:solidFill>
+                        <a:schemeClr val="tx1"/>
+                      </a:solidFill>
+                      <a:prstDash val="solid"/>
+                      <a:round/>
+                      <a:headEnd type="none" w="med" len="med"/>
+                      <a:tailEnd type="none" w="med" len="med"/>
+                    </a:lnL>
+                    <a:lnR w="12700" cap="flat" cmpd="sng" algn="ctr">
+                      <a:solidFill>
+                        <a:schemeClr val="tx1"/>
+                      </a:solidFill>
+                      <a:prstDash val="solid"/>
+                      <a:round/>
+                      <a:headEnd type="none" w="med" len="med"/>
+                      <a:tailEnd type="none" w="med" len="med"/>
+                    </a:lnR>
+                    <a:lnT w="12700" cap="flat" cmpd="sng" algn="ctr">
+                      <a:solidFill>
+                        <a:schemeClr val="tx1"/>
+                      </a:solidFill>
+                      <a:prstDash val="solid"/>
+                      <a:round/>
+                      <a:headEnd type="none" w="med" len="med"/>
+                      <a:tailEnd type="none" w="med" len="med"/>
+                    </a:lnT>
+                    <a:lnB w="12700" cap="flat" cmpd="sng" algn="ctr">
+                      <a:solidFill>
+                        <a:schemeClr val="tx1"/>
+                      </a:solidFill>
+                      <a:prstDash val="solid"/>
+                      <a:round/>
+                      <a:headEnd type="none" w="med" len="med"/>
+                      <a:tailEnd type="none" w="med" len="med"/>
+                    </a:lnB>
+                    <a:noFill/>
+                  </a:tcPr>
+                </a:tc>
+                <a:tc>
+                  <a:txBody>
+                    <a:bodyPr/>
+                    <a:lstStyle/>
+                    <a:p>
+                      <a:r>
+                        <a:rPr lang="es-AR"/>
+                        <a:t>Pila (LIFO) o recursión</a:t>
+                      </a:r>
+                    </a:p>
+                  </a:txBody>
+                  <a:tcPr anchor="ctr">
+                    <a:lnL w="12700" cap="flat" cmpd="sng" algn="ctr">
+                      <a:solidFill>
+                        <a:schemeClr val="tx1"/>
+                      </a:solidFill>
+                      <a:prstDash val="solid"/>
+                      <a:round/>
+                      <a:headEnd type="none" w="med" len="med"/>
+                      <a:tailEnd type="none" w="med" len="med"/>
+                    </a:lnL>
+                    <a:lnR w="12700" cap="flat" cmpd="sng" algn="ctr">
+                      <a:solidFill>
+                        <a:schemeClr val="tx1"/>
+                      </a:solidFill>
+                      <a:prstDash val="solid"/>
+                      <a:round/>
+                      <a:headEnd type="none" w="med" len="med"/>
+                      <a:tailEnd type="none" w="med" len="med"/>
+                    </a:lnR>
+                    <a:lnT w="12700" cap="flat" cmpd="sng" algn="ctr">
+                      <a:solidFill>
+                        <a:schemeClr val="tx1"/>
+                      </a:solidFill>
+                      <a:prstDash val="solid"/>
+                      <a:round/>
+                      <a:headEnd type="none" w="med" len="med"/>
+                      <a:tailEnd type="none" w="med" len="med"/>
+                    </a:lnT>
+                    <a:lnB w="12700" cap="flat" cmpd="sng" algn="ctr">
+                      <a:solidFill>
+                        <a:schemeClr val="tx1"/>
+                      </a:solidFill>
+                      <a:prstDash val="solid"/>
+                      <a:round/>
+                      <a:headEnd type="none" w="med" len="med"/>
+                      <a:tailEnd type="none" w="med" len="med"/>
+                    </a:lnB>
+                    <a:noFill/>
+                  </a:tcPr>
+                </a:tc>
+                <a:extLst>
+                  <a:ext uri="{0D108BD9-81ED-4DB2-BD59-A6C34878D82A}">
+                    <a16:rowId xmlns:a16="http://schemas.microsoft.com/office/drawing/2014/main" val="3260663662"/>
+                  </a:ext>
+                </a:extLst>
+              </a:tr>
+              <a:tr h="0">
+                <a:tc>
+                  <a:txBody>
+                    <a:bodyPr/>
+                    <a:lstStyle/>
+                    <a:p>
+                      <a:r>
+                        <a:rPr lang="es-AR" b="1"/>
+                        <a:t>Orden de recorrido</a:t>
+                      </a:r>
+                      <a:endParaRPr lang="es-AR"/>
+                    </a:p>
+                  </a:txBody>
+                  <a:tcPr anchor="ctr">
+                    <a:lnL w="12700" cap="flat" cmpd="sng" algn="ctr">
+                      <a:solidFill>
+                        <a:schemeClr val="tx1"/>
+                      </a:solidFill>
+                      <a:prstDash val="solid"/>
+                      <a:round/>
+                      <a:headEnd type="none" w="med" len="med"/>
+                      <a:tailEnd type="none" w="med" len="med"/>
+                    </a:lnL>
+                    <a:lnR w="12700" cap="flat" cmpd="sng" algn="ctr">
+                      <a:solidFill>
+                        <a:schemeClr val="tx1"/>
+                      </a:solidFill>
+                      <a:prstDash val="solid"/>
+                      <a:round/>
+                      <a:headEnd type="none" w="med" len="med"/>
+                      <a:tailEnd type="none" w="med" len="med"/>
+                    </a:lnR>
+                    <a:lnT w="12700" cap="flat" cmpd="sng" algn="ctr">
+                      <a:solidFill>
+                        <a:schemeClr val="tx1"/>
+                      </a:solidFill>
+                      <a:prstDash val="solid"/>
+                      <a:round/>
+                      <a:headEnd type="none" w="med" len="med"/>
+                      <a:tailEnd type="none" w="med" len="med"/>
+                    </a:lnT>
+                    <a:lnB w="12700" cap="flat" cmpd="sng" algn="ctr">
+                      <a:solidFill>
+                        <a:schemeClr val="tx1"/>
+                      </a:solidFill>
+                      <a:prstDash val="solid"/>
+                      <a:round/>
+                      <a:headEnd type="none" w="med" len="med"/>
+                      <a:tailEnd type="none" w="med" len="med"/>
+                    </a:lnB>
+                    <a:noFill/>
+                  </a:tcPr>
+                </a:tc>
+                <a:tc>
+                  <a:txBody>
+                    <a:bodyPr/>
+                    <a:lstStyle/>
+                    <a:p>
+                      <a:r>
+                        <a:rPr lang="es-AR"/>
+                        <a:t>Nivel por nivel (anchura)</a:t>
+                      </a:r>
+                    </a:p>
+                  </a:txBody>
+                  <a:tcPr anchor="ctr">
+                    <a:lnL w="12700" cap="flat" cmpd="sng" algn="ctr">
+                      <a:solidFill>
+                        <a:schemeClr val="tx1"/>
+                      </a:solidFill>
+                      <a:prstDash val="solid"/>
+                      <a:round/>
+                      <a:headEnd type="none" w="med" len="med"/>
+                      <a:tailEnd type="none" w="med" len="med"/>
+                    </a:lnL>
+                    <a:lnR w="12700" cap="flat" cmpd="sng" algn="ctr">
+                      <a:solidFill>
+                        <a:schemeClr val="tx1"/>
+                      </a:solidFill>
+                      <a:prstDash val="solid"/>
+                      <a:round/>
+                      <a:headEnd type="none" w="med" len="med"/>
+                      <a:tailEnd type="none" w="med" len="med"/>
+                    </a:lnR>
+                    <a:lnT w="12700" cap="flat" cmpd="sng" algn="ctr">
+                      <a:solidFill>
+                        <a:schemeClr val="tx1"/>
+                      </a:solidFill>
+                      <a:prstDash val="solid"/>
+                      <a:round/>
+                      <a:headEnd type="none" w="med" len="med"/>
+                      <a:tailEnd type="none" w="med" len="med"/>
+                    </a:lnT>
+                    <a:lnB w="12700" cap="flat" cmpd="sng" algn="ctr">
+                      <a:solidFill>
+                        <a:schemeClr val="tx1"/>
+                      </a:solidFill>
+                      <a:prstDash val="solid"/>
+                      <a:round/>
+                      <a:headEnd type="none" w="med" len="med"/>
+                      <a:tailEnd type="none" w="med" len="med"/>
+                    </a:lnB>
+                    <a:noFill/>
+                  </a:tcPr>
+                </a:tc>
+                <a:tc>
+                  <a:txBody>
+                    <a:bodyPr/>
+                    <a:lstStyle/>
+                    <a:p>
+                      <a:r>
+                        <a:rPr lang="es-AR"/>
+                        <a:t>Profundidad primero</a:t>
+                      </a:r>
+                    </a:p>
+                  </a:txBody>
+                  <a:tcPr anchor="ctr">
+                    <a:lnL w="12700" cap="flat" cmpd="sng" algn="ctr">
+                      <a:solidFill>
+                        <a:schemeClr val="tx1"/>
+                      </a:solidFill>
+                      <a:prstDash val="solid"/>
+                      <a:round/>
+                      <a:headEnd type="none" w="med" len="med"/>
+                      <a:tailEnd type="none" w="med" len="med"/>
+                    </a:lnL>
+                    <a:lnR w="12700" cap="flat" cmpd="sng" algn="ctr">
+                      <a:solidFill>
+                        <a:schemeClr val="tx1"/>
+                      </a:solidFill>
+                      <a:prstDash val="solid"/>
+                      <a:round/>
+                      <a:headEnd type="none" w="med" len="med"/>
+                      <a:tailEnd type="none" w="med" len="med"/>
+                    </a:lnR>
+                    <a:lnT w="12700" cap="flat" cmpd="sng" algn="ctr">
+                      <a:solidFill>
+                        <a:schemeClr val="tx1"/>
+                      </a:solidFill>
+                      <a:prstDash val="solid"/>
+                      <a:round/>
+                      <a:headEnd type="none" w="med" len="med"/>
+                      <a:tailEnd type="none" w="med" len="med"/>
+                    </a:lnT>
+                    <a:lnB w="12700" cap="flat" cmpd="sng" algn="ctr">
+                      <a:solidFill>
+                        <a:schemeClr val="tx1"/>
+                      </a:solidFill>
+                      <a:prstDash val="solid"/>
+                      <a:round/>
+                      <a:headEnd type="none" w="med" len="med"/>
+                      <a:tailEnd type="none" w="med" len="med"/>
+                    </a:lnB>
+                    <a:noFill/>
+                  </a:tcPr>
+                </a:tc>
+                <a:extLst>
+                  <a:ext uri="{0D108BD9-81ED-4DB2-BD59-A6C34878D82A}">
+                    <a16:rowId xmlns:a16="http://schemas.microsoft.com/office/drawing/2014/main" val="2267265155"/>
+                  </a:ext>
+                </a:extLst>
+              </a:tr>
+              <a:tr h="0">
+                <a:tc>
+                  <a:txBody>
+                    <a:bodyPr/>
+                    <a:lstStyle/>
+                    <a:p>
+                      <a:r>
+                        <a:rPr lang="es-AR" b="1"/>
+                        <a:t>Uso típico</a:t>
+                      </a:r>
+                      <a:endParaRPr lang="es-AR"/>
+                    </a:p>
+                  </a:txBody>
+                  <a:tcPr anchor="ctr">
+                    <a:lnL w="12700" cap="flat" cmpd="sng" algn="ctr">
+                      <a:solidFill>
+                        <a:schemeClr val="tx1"/>
+                      </a:solidFill>
+                      <a:prstDash val="solid"/>
+                      <a:round/>
+                      <a:headEnd type="none" w="med" len="med"/>
+                      <a:tailEnd type="none" w="med" len="med"/>
+                    </a:lnL>
+                    <a:lnR w="12700" cap="flat" cmpd="sng" algn="ctr">
+                      <a:solidFill>
+                        <a:schemeClr val="tx1"/>
+                      </a:solidFill>
+                      <a:prstDash val="solid"/>
+                      <a:round/>
+                      <a:headEnd type="none" w="med" len="med"/>
+                      <a:tailEnd type="none" w="med" len="med"/>
+                    </a:lnR>
+                    <a:lnT w="12700" cap="flat" cmpd="sng" algn="ctr">
+                      <a:solidFill>
+                        <a:schemeClr val="tx1"/>
+                      </a:solidFill>
+                      <a:prstDash val="solid"/>
+                      <a:round/>
+                      <a:headEnd type="none" w="med" len="med"/>
+                      <a:tailEnd type="none" w="med" len="med"/>
+                    </a:lnT>
+                    <a:lnB w="12700" cap="flat" cmpd="sng" algn="ctr">
+                      <a:solidFill>
+                        <a:schemeClr val="tx1"/>
+                      </a:solidFill>
+                      <a:prstDash val="solid"/>
+                      <a:round/>
+                      <a:headEnd type="none" w="med" len="med"/>
+                      <a:tailEnd type="none" w="med" len="med"/>
+                    </a:lnB>
+                    <a:noFill/>
+                  </a:tcPr>
+                </a:tc>
+                <a:tc>
+                  <a:txBody>
+                    <a:bodyPr/>
+                    <a:lstStyle/>
+                    <a:p>
+                      <a:r>
+                        <a:rPr lang="es-MX"/>
+                        <a:t>Encontrar camino más corto en grafos no ponderados</a:t>
+                      </a:r>
+                    </a:p>
+                  </a:txBody>
+                  <a:tcPr anchor="ctr">
+                    <a:lnL w="12700" cap="flat" cmpd="sng" algn="ctr">
+                      <a:solidFill>
+                        <a:schemeClr val="tx1"/>
+                      </a:solidFill>
+                      <a:prstDash val="solid"/>
+                      <a:round/>
+                      <a:headEnd type="none" w="med" len="med"/>
+                      <a:tailEnd type="none" w="med" len="med"/>
+                    </a:lnL>
+                    <a:lnR w="12700" cap="flat" cmpd="sng" algn="ctr">
+                      <a:solidFill>
+                        <a:schemeClr val="tx1"/>
+                      </a:solidFill>
+                      <a:prstDash val="solid"/>
+                      <a:round/>
+                      <a:headEnd type="none" w="med" len="med"/>
+                      <a:tailEnd type="none" w="med" len="med"/>
+                    </a:lnR>
+                    <a:lnT w="12700" cap="flat" cmpd="sng" algn="ctr">
+                      <a:solidFill>
+                        <a:schemeClr val="tx1"/>
+                      </a:solidFill>
+                      <a:prstDash val="solid"/>
+                      <a:round/>
+                      <a:headEnd type="none" w="med" len="med"/>
+                      <a:tailEnd type="none" w="med" len="med"/>
+                    </a:lnT>
+                    <a:lnB w="12700" cap="flat" cmpd="sng" algn="ctr">
+                      <a:solidFill>
+                        <a:schemeClr val="tx1"/>
+                      </a:solidFill>
+                      <a:prstDash val="solid"/>
+                      <a:round/>
+                      <a:headEnd type="none" w="med" len="med"/>
+                      <a:tailEnd type="none" w="med" len="med"/>
+                    </a:lnB>
+                    <a:noFill/>
+                  </a:tcPr>
+                </a:tc>
+                <a:tc>
+                  <a:txBody>
+                    <a:bodyPr/>
+                    <a:lstStyle/>
+                    <a:p>
+                      <a:r>
+                        <a:rPr lang="es-AR"/>
+                        <a:t>Explorar componentes, detectar ciclos, backtracking</a:t>
+                      </a:r>
+                    </a:p>
+                  </a:txBody>
+                  <a:tcPr anchor="ctr">
+                    <a:lnL w="12700" cap="flat" cmpd="sng" algn="ctr">
+                      <a:solidFill>
+                        <a:schemeClr val="tx1"/>
+                      </a:solidFill>
+                      <a:prstDash val="solid"/>
+                      <a:round/>
+                      <a:headEnd type="none" w="med" len="med"/>
+                      <a:tailEnd type="none" w="med" len="med"/>
+                    </a:lnL>
+                    <a:lnR w="12700" cap="flat" cmpd="sng" algn="ctr">
+                      <a:solidFill>
+                        <a:schemeClr val="tx1"/>
+                      </a:solidFill>
+                      <a:prstDash val="solid"/>
+                      <a:round/>
+                      <a:headEnd type="none" w="med" len="med"/>
+                      <a:tailEnd type="none" w="med" len="med"/>
+                    </a:lnR>
+                    <a:lnT w="12700" cap="flat" cmpd="sng" algn="ctr">
+                      <a:solidFill>
+                        <a:schemeClr val="tx1"/>
+                      </a:solidFill>
+                      <a:prstDash val="solid"/>
+                      <a:round/>
+                      <a:headEnd type="none" w="med" len="med"/>
+                      <a:tailEnd type="none" w="med" len="med"/>
+                    </a:lnT>
+                    <a:lnB w="12700" cap="flat" cmpd="sng" algn="ctr">
+                      <a:solidFill>
+                        <a:schemeClr val="tx1"/>
+                      </a:solidFill>
+                      <a:prstDash val="solid"/>
+                      <a:round/>
+                      <a:headEnd type="none" w="med" len="med"/>
+                      <a:tailEnd type="none" w="med" len="med"/>
+                    </a:lnB>
+                    <a:noFill/>
+                  </a:tcPr>
+                </a:tc>
+                <a:extLst>
+                  <a:ext uri="{0D108BD9-81ED-4DB2-BD59-A6C34878D82A}">
+                    <a16:rowId xmlns:a16="http://schemas.microsoft.com/office/drawing/2014/main" val="2429644521"/>
+                  </a:ext>
+                </a:extLst>
+              </a:tr>
+              <a:tr h="0">
+                <a:tc>
+                  <a:txBody>
+                    <a:bodyPr/>
+                    <a:lstStyle/>
+                    <a:p>
+                      <a:r>
+                        <a:rPr lang="es-AR" b="1"/>
+                        <a:t>Complejidad temporal</a:t>
+                      </a:r>
+                      <a:endParaRPr lang="es-AR"/>
+                    </a:p>
+                  </a:txBody>
+                  <a:tcPr anchor="ctr">
+                    <a:lnL w="12700" cap="flat" cmpd="sng" algn="ctr">
+                      <a:solidFill>
+                        <a:schemeClr val="tx1"/>
+                      </a:solidFill>
+                      <a:prstDash val="solid"/>
+                      <a:round/>
+                      <a:headEnd type="none" w="med" len="med"/>
+                      <a:tailEnd type="none" w="med" len="med"/>
+                    </a:lnL>
+                    <a:lnR w="12700" cap="flat" cmpd="sng" algn="ctr">
+                      <a:solidFill>
+                        <a:schemeClr val="tx1"/>
+                      </a:solidFill>
+                      <a:prstDash val="solid"/>
+                      <a:round/>
+                      <a:headEnd type="none" w="med" len="med"/>
+                      <a:tailEnd type="none" w="med" len="med"/>
+                    </a:lnR>
+                    <a:lnT w="12700" cap="flat" cmpd="sng" algn="ctr">
+                      <a:solidFill>
+                        <a:schemeClr val="tx1"/>
+                      </a:solidFill>
+                      <a:prstDash val="solid"/>
+                      <a:round/>
+                      <a:headEnd type="none" w="med" len="med"/>
+                      <a:tailEnd type="none" w="med" len="med"/>
+                    </a:lnT>
+                    <a:lnB w="12700" cap="flat" cmpd="sng" algn="ctr">
+                      <a:solidFill>
+                        <a:schemeClr val="tx1"/>
+                      </a:solidFill>
+                      <a:prstDash val="solid"/>
+                      <a:round/>
+                      <a:headEnd type="none" w="med" len="med"/>
+                      <a:tailEnd type="none" w="med" len="med"/>
+                    </a:lnB>
+                    <a:noFill/>
+                  </a:tcPr>
+                </a:tc>
+                <a:tc>
+                  <a:txBody>
+                    <a:bodyPr/>
+                    <a:lstStyle/>
+                    <a:p>
+                      <a:r>
+                        <a:rPr lang="pt-BR" dirty="0"/>
+                        <a:t>O(V+E)</a:t>
+                      </a:r>
+                    </a:p>
+                  </a:txBody>
+                  <a:tcPr anchor="ctr">
+                    <a:lnL w="12700" cap="flat" cmpd="sng" algn="ctr">
+                      <a:solidFill>
+                        <a:schemeClr val="tx1"/>
+                      </a:solidFill>
+                      <a:prstDash val="solid"/>
+                      <a:round/>
+                      <a:headEnd type="none" w="med" len="med"/>
+                      <a:tailEnd type="none" w="med" len="med"/>
+                    </a:lnL>
+                    <a:lnR w="12700" cap="flat" cmpd="sng" algn="ctr">
+                      <a:solidFill>
+                        <a:schemeClr val="tx1"/>
+                      </a:solidFill>
+                      <a:prstDash val="solid"/>
+                      <a:round/>
+                      <a:headEnd type="none" w="med" len="med"/>
+                      <a:tailEnd type="none" w="med" len="med"/>
+                    </a:lnR>
+                    <a:lnT w="12700" cap="flat" cmpd="sng" algn="ctr">
+                      <a:solidFill>
+                        <a:schemeClr val="tx1"/>
+                      </a:solidFill>
+                      <a:prstDash val="solid"/>
+                      <a:round/>
+                      <a:headEnd type="none" w="med" len="med"/>
+                      <a:tailEnd type="none" w="med" len="med"/>
+                    </a:lnT>
+                    <a:lnB w="12700" cap="flat" cmpd="sng" algn="ctr">
+                      <a:solidFill>
+                        <a:schemeClr val="tx1"/>
+                      </a:solidFill>
+                      <a:prstDash val="solid"/>
+                      <a:round/>
+                      <a:headEnd type="none" w="med" len="med"/>
+                      <a:tailEnd type="none" w="med" len="med"/>
+                    </a:lnB>
+                    <a:noFill/>
+                  </a:tcPr>
+                </a:tc>
+                <a:tc>
+                  <a:txBody>
+                    <a:bodyPr/>
+                    <a:lstStyle/>
+                    <a:p>
+                      <a:r>
+                        <a:rPr lang="pt-BR" dirty="0"/>
+                        <a:t>O(V+E)</a:t>
+                      </a:r>
+                    </a:p>
+                  </a:txBody>
+                  <a:tcPr anchor="ctr">
+                    <a:lnL w="12700" cap="flat" cmpd="sng" algn="ctr">
+                      <a:solidFill>
+                        <a:schemeClr val="tx1"/>
+                      </a:solidFill>
+                      <a:prstDash val="solid"/>
+                      <a:round/>
+                      <a:headEnd type="none" w="med" len="med"/>
+                      <a:tailEnd type="none" w="med" len="med"/>
+                    </a:lnL>
+                    <a:lnR w="12700" cap="flat" cmpd="sng" algn="ctr">
+                      <a:solidFill>
+                        <a:schemeClr val="tx1"/>
+                      </a:solidFill>
+                      <a:prstDash val="solid"/>
+                      <a:round/>
+                      <a:headEnd type="none" w="med" len="med"/>
+                      <a:tailEnd type="none" w="med" len="med"/>
+                    </a:lnR>
+                    <a:lnT w="12700" cap="flat" cmpd="sng" algn="ctr">
+                      <a:solidFill>
+                        <a:schemeClr val="tx1"/>
+                      </a:solidFill>
+                      <a:prstDash val="solid"/>
+                      <a:round/>
+                      <a:headEnd type="none" w="med" len="med"/>
+                      <a:tailEnd type="none" w="med" len="med"/>
+                    </a:lnT>
+                    <a:lnB w="12700" cap="flat" cmpd="sng" algn="ctr">
+                      <a:solidFill>
+                        <a:schemeClr val="tx1"/>
+                      </a:solidFill>
+                      <a:prstDash val="solid"/>
+                      <a:round/>
+                      <a:headEnd type="none" w="med" len="med"/>
+                      <a:tailEnd type="none" w="med" len="med"/>
+                    </a:lnB>
+                    <a:noFill/>
+                  </a:tcPr>
+                </a:tc>
+                <a:extLst>
+                  <a:ext uri="{0D108BD9-81ED-4DB2-BD59-A6C34878D82A}">
+                    <a16:rowId xmlns:a16="http://schemas.microsoft.com/office/drawing/2014/main" val="1971613683"/>
+                  </a:ext>
+                </a:extLst>
+              </a:tr>
+              <a:tr h="0">
+                <a:tc>
+                  <a:txBody>
+                    <a:bodyPr/>
+                    <a:lstStyle/>
+                    <a:p>
+                      <a:r>
+                        <a:rPr lang="es-AR" b="1"/>
+                        <a:t>Memoria</a:t>
+                      </a:r>
+                      <a:endParaRPr lang="es-AR"/>
+                    </a:p>
+                  </a:txBody>
+                  <a:tcPr anchor="ctr">
+                    <a:lnL w="12700" cap="flat" cmpd="sng" algn="ctr">
+                      <a:solidFill>
+                        <a:schemeClr val="tx1"/>
+                      </a:solidFill>
+                      <a:prstDash val="solid"/>
+                      <a:round/>
+                      <a:headEnd type="none" w="med" len="med"/>
+                      <a:tailEnd type="none" w="med" len="med"/>
+                    </a:lnL>
+                    <a:lnR w="12700" cap="flat" cmpd="sng" algn="ctr">
+                      <a:solidFill>
+                        <a:schemeClr val="tx1"/>
+                      </a:solidFill>
+                      <a:prstDash val="solid"/>
+                      <a:round/>
+                      <a:headEnd type="none" w="med" len="med"/>
+                      <a:tailEnd type="none" w="med" len="med"/>
+                    </a:lnR>
+                    <a:lnT w="12700" cap="flat" cmpd="sng" algn="ctr">
+                      <a:solidFill>
+                        <a:schemeClr val="tx1"/>
+                      </a:solidFill>
+                      <a:prstDash val="solid"/>
+                      <a:round/>
+                      <a:headEnd type="none" w="med" len="med"/>
+                      <a:tailEnd type="none" w="med" len="med"/>
+                    </a:lnT>
+                    <a:lnB w="12700" cap="flat" cmpd="sng" algn="ctr">
+                      <a:solidFill>
+                        <a:schemeClr val="tx1"/>
+                      </a:solidFill>
+                      <a:prstDash val="solid"/>
+                      <a:round/>
+                      <a:headEnd type="none" w="med" len="med"/>
+                      <a:tailEnd type="none" w="med" len="med"/>
+                    </a:lnB>
+                    <a:noFill/>
+                  </a:tcPr>
+                </a:tc>
+                <a:tc>
+                  <a:txBody>
+                    <a:bodyPr/>
+                    <a:lstStyle/>
+                    <a:p>
+                      <a:r>
+                        <a:rPr lang="es-MX"/>
+                        <a:t>Puede ser más alta si el grafo es ancho</a:t>
+                      </a:r>
+                    </a:p>
+                  </a:txBody>
+                  <a:tcPr anchor="ctr">
+                    <a:lnL w="12700" cap="flat" cmpd="sng" algn="ctr">
+                      <a:solidFill>
+                        <a:schemeClr val="tx1"/>
+                      </a:solidFill>
+                      <a:prstDash val="solid"/>
+                      <a:round/>
+                      <a:headEnd type="none" w="med" len="med"/>
+                      <a:tailEnd type="none" w="med" len="med"/>
+                    </a:lnL>
+                    <a:lnR w="12700" cap="flat" cmpd="sng" algn="ctr">
+                      <a:solidFill>
+                        <a:schemeClr val="tx1"/>
+                      </a:solidFill>
+                      <a:prstDash val="solid"/>
+                      <a:round/>
+                      <a:headEnd type="none" w="med" len="med"/>
+                      <a:tailEnd type="none" w="med" len="med"/>
+                    </a:lnR>
+                    <a:lnT w="12700" cap="flat" cmpd="sng" algn="ctr">
+                      <a:solidFill>
+                        <a:schemeClr val="tx1"/>
+                      </a:solidFill>
+                      <a:prstDash val="solid"/>
+                      <a:round/>
+                      <a:headEnd type="none" w="med" len="med"/>
+                      <a:tailEnd type="none" w="med" len="med"/>
+                    </a:lnT>
+                    <a:lnB w="12700" cap="flat" cmpd="sng" algn="ctr">
+                      <a:solidFill>
+                        <a:schemeClr val="tx1"/>
+                      </a:solidFill>
+                      <a:prstDash val="solid"/>
+                      <a:round/>
+                      <a:headEnd type="none" w="med" len="med"/>
+                      <a:tailEnd type="none" w="med" len="med"/>
+                    </a:lnB>
+                    <a:noFill/>
+                  </a:tcPr>
+                </a:tc>
+                <a:tc>
+                  <a:txBody>
+                    <a:bodyPr/>
+                    <a:lstStyle/>
+                    <a:p>
+                      <a:r>
+                        <a:rPr lang="es-MX"/>
+                        <a:t>Puede ser menor en grafos profundos</a:t>
+                      </a:r>
+                    </a:p>
+                  </a:txBody>
+                  <a:tcPr anchor="ctr">
+                    <a:lnL w="12700" cap="flat" cmpd="sng" algn="ctr">
+                      <a:solidFill>
+                        <a:schemeClr val="tx1"/>
+                      </a:solidFill>
+                      <a:prstDash val="solid"/>
+                      <a:round/>
+                      <a:headEnd type="none" w="med" len="med"/>
+                      <a:tailEnd type="none" w="med" len="med"/>
+                    </a:lnL>
+                    <a:lnR w="12700" cap="flat" cmpd="sng" algn="ctr">
+                      <a:solidFill>
+                        <a:schemeClr val="tx1"/>
+                      </a:solidFill>
+                      <a:prstDash val="solid"/>
+                      <a:round/>
+                      <a:headEnd type="none" w="med" len="med"/>
+                      <a:tailEnd type="none" w="med" len="med"/>
+                    </a:lnR>
+                    <a:lnT w="12700" cap="flat" cmpd="sng" algn="ctr">
+                      <a:solidFill>
+                        <a:schemeClr val="tx1"/>
+                      </a:solidFill>
+                      <a:prstDash val="solid"/>
+                      <a:round/>
+                      <a:headEnd type="none" w="med" len="med"/>
+                      <a:tailEnd type="none" w="med" len="med"/>
+                    </a:lnT>
+                    <a:lnB w="12700" cap="flat" cmpd="sng" algn="ctr">
+                      <a:solidFill>
+                        <a:schemeClr val="tx1"/>
+                      </a:solidFill>
+                      <a:prstDash val="solid"/>
+                      <a:round/>
+                      <a:headEnd type="none" w="med" len="med"/>
+                      <a:tailEnd type="none" w="med" len="med"/>
+                    </a:lnB>
+                    <a:noFill/>
+                  </a:tcPr>
+                </a:tc>
+                <a:extLst>
+                  <a:ext uri="{0D108BD9-81ED-4DB2-BD59-A6C34878D82A}">
+                    <a16:rowId xmlns:a16="http://schemas.microsoft.com/office/drawing/2014/main" val="3438209652"/>
+                  </a:ext>
+                </a:extLst>
+              </a:tr>
+              <a:tr h="0">
+                <a:tc>
+                  <a:txBody>
+                    <a:bodyPr/>
+                    <a:lstStyle/>
+                    <a:p>
+                      <a:r>
+                        <a:rPr lang="es-AR" b="1"/>
+                        <a:t>Resultado típico</a:t>
+                      </a:r>
+                      <a:endParaRPr lang="es-AR"/>
+                    </a:p>
+                  </a:txBody>
+                  <a:tcPr anchor="ctr">
+                    <a:lnL w="12700" cap="flat" cmpd="sng" algn="ctr">
+                      <a:solidFill>
+                        <a:schemeClr val="tx1"/>
+                      </a:solidFill>
+                      <a:prstDash val="solid"/>
+                      <a:round/>
+                      <a:headEnd type="none" w="med" len="med"/>
+                      <a:tailEnd type="none" w="med" len="med"/>
+                    </a:lnL>
+                    <a:lnR w="12700" cap="flat" cmpd="sng" algn="ctr">
+                      <a:solidFill>
+                        <a:schemeClr val="tx1"/>
+                      </a:solidFill>
+                      <a:prstDash val="solid"/>
+                      <a:round/>
+                      <a:headEnd type="none" w="med" len="med"/>
+                      <a:tailEnd type="none" w="med" len="med"/>
+                    </a:lnR>
+                    <a:lnT w="12700" cap="flat" cmpd="sng" algn="ctr">
+                      <a:solidFill>
+                        <a:schemeClr val="tx1"/>
+                      </a:solidFill>
+                      <a:prstDash val="solid"/>
+                      <a:round/>
+                      <a:headEnd type="none" w="med" len="med"/>
+                      <a:tailEnd type="none" w="med" len="med"/>
+                    </a:lnT>
+                    <a:lnB w="12700" cap="flat" cmpd="sng" algn="ctr">
+                      <a:solidFill>
+                        <a:schemeClr val="tx1"/>
+                      </a:solidFill>
+                      <a:prstDash val="solid"/>
+                      <a:round/>
+                      <a:headEnd type="none" w="med" len="med"/>
+                      <a:tailEnd type="none" w="med" len="med"/>
+                    </a:lnB>
+                    <a:noFill/>
+                  </a:tcPr>
+                </a:tc>
+                <a:tc>
+                  <a:txBody>
+                    <a:bodyPr/>
+                    <a:lstStyle/>
+                    <a:p>
+                      <a:r>
+                        <a:rPr lang="es-MX"/>
+                        <a:t>Descubre nodos en orden creciente de distancia</a:t>
+                      </a:r>
+                    </a:p>
+                  </a:txBody>
+                  <a:tcPr anchor="ctr">
+                    <a:lnL w="12700" cap="flat" cmpd="sng" algn="ctr">
+                      <a:solidFill>
+                        <a:schemeClr val="tx1"/>
+                      </a:solidFill>
+                      <a:prstDash val="solid"/>
+                      <a:round/>
+                      <a:headEnd type="none" w="med" len="med"/>
+                      <a:tailEnd type="none" w="med" len="med"/>
+                    </a:lnL>
+                    <a:lnR w="12700" cap="flat" cmpd="sng" algn="ctr">
+                      <a:solidFill>
+                        <a:schemeClr val="tx1"/>
+                      </a:solidFill>
+                      <a:prstDash val="solid"/>
+                      <a:round/>
+                      <a:headEnd type="none" w="med" len="med"/>
+                      <a:tailEnd type="none" w="med" len="med"/>
+                    </a:lnR>
+                    <a:lnT w="12700" cap="flat" cmpd="sng" algn="ctr">
+                      <a:solidFill>
+                        <a:schemeClr val="tx1"/>
+                      </a:solidFill>
+                      <a:prstDash val="solid"/>
+                      <a:round/>
+                      <a:headEnd type="none" w="med" len="med"/>
+                      <a:tailEnd type="none" w="med" len="med"/>
+                    </a:lnT>
+                    <a:lnB w="12700" cap="flat" cmpd="sng" algn="ctr">
+                      <a:solidFill>
+                        <a:schemeClr val="tx1"/>
+                      </a:solidFill>
+                      <a:prstDash val="solid"/>
+                      <a:round/>
+                      <a:headEnd type="none" w="med" len="med"/>
+                      <a:tailEnd type="none" w="med" len="med"/>
+                    </a:lnB>
+                    <a:noFill/>
+                  </a:tcPr>
+                </a:tc>
+                <a:tc>
+                  <a:txBody>
+                    <a:bodyPr/>
+                    <a:lstStyle/>
+                    <a:p>
+                      <a:r>
+                        <a:rPr lang="es-MX"/>
+                        <a:t>Puede ir más profundo antes de otros nodos</a:t>
+                      </a:r>
+                    </a:p>
+                  </a:txBody>
+                  <a:tcPr anchor="ctr">
+                    <a:lnL w="12700" cap="flat" cmpd="sng" algn="ctr">
+                      <a:solidFill>
+                        <a:schemeClr val="tx1"/>
+                      </a:solidFill>
+                      <a:prstDash val="solid"/>
+                      <a:round/>
+                      <a:headEnd type="none" w="med" len="med"/>
+                      <a:tailEnd type="none" w="med" len="med"/>
+                    </a:lnL>
+                    <a:lnR w="12700" cap="flat" cmpd="sng" algn="ctr">
+                      <a:solidFill>
+                        <a:schemeClr val="tx1"/>
+                      </a:solidFill>
+                      <a:prstDash val="solid"/>
+                      <a:round/>
+                      <a:headEnd type="none" w="med" len="med"/>
+                      <a:tailEnd type="none" w="med" len="med"/>
+                    </a:lnR>
+                    <a:lnT w="12700" cap="flat" cmpd="sng" algn="ctr">
+                      <a:solidFill>
+                        <a:schemeClr val="tx1"/>
+                      </a:solidFill>
+                      <a:prstDash val="solid"/>
+                      <a:round/>
+                      <a:headEnd type="none" w="med" len="med"/>
+                      <a:tailEnd type="none" w="med" len="med"/>
+                    </a:lnT>
+                    <a:lnB w="12700" cap="flat" cmpd="sng" algn="ctr">
+                      <a:solidFill>
+                        <a:schemeClr val="tx1"/>
+                      </a:solidFill>
+                      <a:prstDash val="solid"/>
+                      <a:round/>
+                      <a:headEnd type="none" w="med" len="med"/>
+                      <a:tailEnd type="none" w="med" len="med"/>
+                    </a:lnB>
+                    <a:noFill/>
+                  </a:tcPr>
+                </a:tc>
+                <a:extLst>
+                  <a:ext uri="{0D108BD9-81ED-4DB2-BD59-A6C34878D82A}">
+                    <a16:rowId xmlns:a16="http://schemas.microsoft.com/office/drawing/2014/main" val="3967383698"/>
+                  </a:ext>
+                </a:extLst>
+              </a:tr>
+              <a:tr h="0">
+                <a:tc>
+                  <a:txBody>
+                    <a:bodyPr/>
+                    <a:lstStyle/>
+                    <a:p>
+                      <a:r>
+                        <a:rPr lang="es-AR" b="1"/>
+                        <a:t>Ejemplo de aplicación</a:t>
+                      </a:r>
+                      <a:endParaRPr lang="es-AR"/>
+                    </a:p>
+                  </a:txBody>
+                  <a:tcPr anchor="ctr">
+                    <a:lnL w="12700" cap="flat" cmpd="sng" algn="ctr">
+                      <a:solidFill>
+                        <a:schemeClr val="tx1"/>
+                      </a:solidFill>
+                      <a:prstDash val="solid"/>
+                      <a:round/>
+                      <a:headEnd type="none" w="med" len="med"/>
+                      <a:tailEnd type="none" w="med" len="med"/>
+                    </a:lnL>
+                    <a:lnR w="12700" cap="flat" cmpd="sng" algn="ctr">
+                      <a:solidFill>
+                        <a:schemeClr val="tx1"/>
+                      </a:solidFill>
+                      <a:prstDash val="solid"/>
+                      <a:round/>
+                      <a:headEnd type="none" w="med" len="med"/>
+                      <a:tailEnd type="none" w="med" len="med"/>
+                    </a:lnR>
+                    <a:lnT w="12700" cap="flat" cmpd="sng" algn="ctr">
+                      <a:solidFill>
+                        <a:schemeClr val="tx1"/>
+                      </a:solidFill>
+                      <a:prstDash val="solid"/>
+                      <a:round/>
+                      <a:headEnd type="none" w="med" len="med"/>
+                      <a:tailEnd type="none" w="med" len="med"/>
+                    </a:lnT>
+                    <a:lnB w="12700" cap="flat" cmpd="sng" algn="ctr">
+                      <a:solidFill>
+                        <a:schemeClr val="tx1"/>
+                      </a:solidFill>
+                      <a:prstDash val="solid"/>
+                      <a:round/>
+                      <a:headEnd type="none" w="med" len="med"/>
+                      <a:tailEnd type="none" w="med" len="med"/>
+                    </a:lnB>
+                    <a:noFill/>
+                  </a:tcPr>
+                </a:tc>
+                <a:tc>
+                  <a:txBody>
+                    <a:bodyPr/>
+                    <a:lstStyle/>
+                    <a:p>
+                      <a:r>
+                        <a:rPr lang="es-AR"/>
+                        <a:t>Redes sociales (amigos a distancia mínima)</a:t>
+                      </a:r>
+                    </a:p>
+                  </a:txBody>
+                  <a:tcPr anchor="ctr">
+                    <a:lnL w="12700" cap="flat" cmpd="sng" algn="ctr">
+                      <a:solidFill>
+                        <a:schemeClr val="tx1"/>
+                      </a:solidFill>
+                      <a:prstDash val="solid"/>
+                      <a:round/>
+                      <a:headEnd type="none" w="med" len="med"/>
+                      <a:tailEnd type="none" w="med" len="med"/>
+                    </a:lnL>
+                    <a:lnR w="12700" cap="flat" cmpd="sng" algn="ctr">
+                      <a:solidFill>
+                        <a:schemeClr val="tx1"/>
+                      </a:solidFill>
+                      <a:prstDash val="solid"/>
+                      <a:round/>
+                      <a:headEnd type="none" w="med" len="med"/>
+                      <a:tailEnd type="none" w="med" len="med"/>
+                    </a:lnR>
+                    <a:lnT w="12700" cap="flat" cmpd="sng" algn="ctr">
+                      <a:solidFill>
+                        <a:schemeClr val="tx1"/>
+                      </a:solidFill>
+                      <a:prstDash val="solid"/>
+                      <a:round/>
+                      <a:headEnd type="none" w="med" len="med"/>
+                      <a:tailEnd type="none" w="med" len="med"/>
+                    </a:lnT>
+                    <a:lnB w="12700" cap="flat" cmpd="sng" algn="ctr">
+                      <a:solidFill>
+                        <a:schemeClr val="tx1"/>
+                      </a:solidFill>
+                      <a:prstDash val="solid"/>
+                      <a:round/>
+                      <a:headEnd type="none" w="med" len="med"/>
+                      <a:tailEnd type="none" w="med" len="med"/>
+                    </a:lnB>
+                    <a:noFill/>
+                  </a:tcPr>
+                </a:tc>
+                <a:tc>
+                  <a:txBody>
+                    <a:bodyPr/>
+                    <a:lstStyle/>
+                    <a:p>
+                      <a:r>
+                        <a:rPr lang="es-MX" dirty="0"/>
+                        <a:t>Resolver laberintos, búsqueda en juegos</a:t>
+                      </a:r>
+                    </a:p>
+                  </a:txBody>
+                  <a:tcPr anchor="ctr">
+                    <a:lnL w="12700" cap="flat" cmpd="sng" algn="ctr">
+                      <a:solidFill>
+                        <a:schemeClr val="tx1"/>
+                      </a:solidFill>
+                      <a:prstDash val="solid"/>
+                      <a:round/>
+                      <a:headEnd type="none" w="med" len="med"/>
+                      <a:tailEnd type="none" w="med" len="med"/>
+                    </a:lnL>
+                    <a:lnR w="12700" cap="flat" cmpd="sng" algn="ctr">
+                      <a:solidFill>
+                        <a:schemeClr val="tx1"/>
+                      </a:solidFill>
+                      <a:prstDash val="solid"/>
+                      <a:round/>
+                      <a:headEnd type="none" w="med" len="med"/>
+                      <a:tailEnd type="none" w="med" len="med"/>
+                    </a:lnR>
+                    <a:lnT w="12700" cap="flat" cmpd="sng" algn="ctr">
+                      <a:solidFill>
+                        <a:schemeClr val="tx1"/>
+                      </a:solidFill>
+                      <a:prstDash val="solid"/>
+                      <a:round/>
+                      <a:headEnd type="none" w="med" len="med"/>
+                      <a:tailEnd type="none" w="med" len="med"/>
+                    </a:lnT>
+                    <a:lnB w="12700" cap="flat" cmpd="sng" algn="ctr">
+                      <a:solidFill>
+                        <a:schemeClr val="tx1"/>
+                      </a:solidFill>
+                      <a:prstDash val="solid"/>
+                      <a:round/>
+                      <a:headEnd type="none" w="med" len="med"/>
+                      <a:tailEnd type="none" w="med" len="med"/>
+                    </a:lnB>
+                    <a:noFill/>
+                  </a:tcPr>
+                </a:tc>
+                <a:extLst>
+                  <a:ext uri="{0D108BD9-81ED-4DB2-BD59-A6C34878D82A}">
+                    <a16:rowId xmlns:a16="http://schemas.microsoft.com/office/drawing/2014/main" val="3915811043"/>
+                  </a:ext>
+                </a:extLst>
+              </a:tr>
+            </a:tbl>
+          </a:graphicData>
+        </a:graphic>
+      </p:graphicFrame>
+    </p:spTree>
+    <p:extLst>
+      <p:ext uri="{BB962C8B-B14F-4D97-AF65-F5344CB8AC3E}">
+        <p14:creationId xmlns:p14="http://schemas.microsoft.com/office/powerpoint/2010/main" val="1683931522"/>
+      </p:ext>
+    </p:extLst>
+  </p:cSld>
+  <p:clrMapOvr>
+    <a:masterClrMapping/>
+  </p:clrMapOvr>
+</p:sld>
+</file>
+
+<file path=ppt/slides/slide17.xml><?xml version="1.0" encoding="utf-8"?>
+<p:sld xmlns:a="http://schemas.openxmlformats.org/drawingml/2006/main" xmlns:r="http://schemas.openxmlformats.org/officeDocument/2006/relationships" xmlns:p="http://schemas.openxmlformats.org/presentationml/2006/main">
+  <p:cSld>
+    <p:spTree>
+      <p:nvGrpSpPr>
+        <p:cNvPr id="1" name="Shape 325">
+          <a:extLst>
+            <a:ext uri="{FF2B5EF4-FFF2-40B4-BE49-F238E27FC236}">
+              <a16:creationId xmlns:a16="http://schemas.microsoft.com/office/drawing/2014/main" id="{C80A1EA7-B950-43F8-CD31-A650E0E0BE9D}"/>
+            </a:ext>
+          </a:extLst>
+        </p:cNvPr>
+        <p:cNvGrpSpPr/>
+        <p:nvPr/>
+      </p:nvGrpSpPr>
+      <p:grpSpPr>
+        <a:xfrm>
+          <a:off x="0" y="0"/>
+          <a:ext cx="0" cy="0"/>
+          <a:chOff x="0" y="0"/>
+          <a:chExt cx="0" cy="0"/>
+        </a:xfrm>
+      </p:grpSpPr>
+      <p:sp>
+        <p:nvSpPr>
+          <p:cNvPr id="326" name="Google Shape;326;g87d0b50373_4_76">
+            <a:extLst>
+              <a:ext uri="{FF2B5EF4-FFF2-40B4-BE49-F238E27FC236}">
+                <a16:creationId xmlns:a16="http://schemas.microsoft.com/office/drawing/2014/main" id="{571CDF28-69D7-CE10-4E65-69276822A925}"/>
+              </a:ext>
+            </a:extLst>
+          </p:cNvPr>
+          <p:cNvSpPr txBox="1">
+            <a:spLocks noGrp="1"/>
+          </p:cNvSpPr>
+          <p:nvPr>
+            <p:ph type="title"/>
+          </p:nvPr>
+        </p:nvSpPr>
+        <p:spPr>
+          <a:xfrm>
+            <a:off x="457200" y="704088"/>
+            <a:ext cx="8229600" cy="1143000"/>
+          </a:xfrm>
+          <a:prstGeom prst="rect">
+            <a:avLst/>
+          </a:prstGeom>
+          <a:noFill/>
+          <a:ln>
+            <a:noFill/>
+          </a:ln>
+        </p:spPr>
+        <p:txBody>
+          <a:bodyPr spcFirstLastPara="1" wrap="square" lIns="0" tIns="45700" rIns="0" bIns="0" anchor="b" anchorCtr="0">
+            <a:noAutofit/>
+          </a:bodyPr>
+          <a:lstStyle/>
+          <a:p>
+            <a:pPr marL="0" lvl="0" indent="0" algn="l" rtl="0">
+              <a:lnSpc>
+                <a:spcPct val="100000"/>
+              </a:lnSpc>
+              <a:spcBef>
+                <a:spcPts val="0"/>
+              </a:spcBef>
+              <a:spcAft>
+                <a:spcPts val="0"/>
+              </a:spcAft>
+              <a:buClr>
+                <a:schemeClr val="dk2"/>
+              </a:buClr>
+              <a:buSzPts val="5000"/>
+              <a:buFont typeface="Calibri"/>
+              <a:buNone/>
+            </a:pPr>
+            <a:r>
+              <a:rPr lang="es-MX" sz="4000" dirty="0"/>
+              <a:t>Lista de Adyacencia vs Matriz de Adyacencia</a:t>
+            </a:r>
+            <a:endParaRPr sz="4000" dirty="0"/>
+          </a:p>
+        </p:txBody>
+      </p:sp>
+      <p:graphicFrame>
+        <p:nvGraphicFramePr>
+          <p:cNvPr id="6" name="Tabla 5">
+            <a:extLst>
+              <a:ext uri="{FF2B5EF4-FFF2-40B4-BE49-F238E27FC236}">
+                <a16:creationId xmlns:a16="http://schemas.microsoft.com/office/drawing/2014/main" id="{CED2AAB2-BA1E-08C4-E53C-2428CCA130B9}"/>
+              </a:ext>
+            </a:extLst>
+          </p:cNvPr>
+          <p:cNvGraphicFramePr>
+            <a:graphicFrameLocks noGrp="1"/>
+          </p:cNvGraphicFramePr>
+          <p:nvPr>
+            <p:extLst>
+              <p:ext uri="{D42A27DB-BD31-4B8C-83A1-F6EECF244321}">
+                <p14:modId xmlns:p14="http://schemas.microsoft.com/office/powerpoint/2010/main" val="273442216"/>
+              </p:ext>
+            </p:extLst>
+          </p:nvPr>
+        </p:nvGraphicFramePr>
+        <p:xfrm>
+          <a:off x="457200" y="2423001"/>
+          <a:ext cx="8229600" cy="3413760"/>
+        </p:xfrm>
+        <a:graphic>
+          <a:graphicData uri="http://schemas.openxmlformats.org/drawingml/2006/table">
+            <a:tbl>
+              <a:tblPr/>
+              <a:tblGrid>
+                <a:gridCol w="2743200">
+                  <a:extLst>
+                    <a:ext uri="{9D8B030D-6E8A-4147-A177-3AD203B41FA5}">
+                      <a16:colId xmlns:a16="http://schemas.microsoft.com/office/drawing/2014/main" val="1527867862"/>
+                    </a:ext>
+                  </a:extLst>
+                </a:gridCol>
+                <a:gridCol w="2743200">
+                  <a:extLst>
+                    <a:ext uri="{9D8B030D-6E8A-4147-A177-3AD203B41FA5}">
+                      <a16:colId xmlns:a16="http://schemas.microsoft.com/office/drawing/2014/main" val="3403562996"/>
+                    </a:ext>
+                  </a:extLst>
+                </a:gridCol>
+                <a:gridCol w="2743200">
+                  <a:extLst>
+                    <a:ext uri="{9D8B030D-6E8A-4147-A177-3AD203B41FA5}">
+                      <a16:colId xmlns:a16="http://schemas.microsoft.com/office/drawing/2014/main" val="1611067897"/>
+                    </a:ext>
+                  </a:extLst>
+                </a:gridCol>
+              </a:tblGrid>
+              <a:tr h="0">
+                <a:tc>
+                  <a:txBody>
+                    <a:bodyPr/>
+                    <a:lstStyle/>
+                    <a:p>
+                      <a:r>
+                        <a:rPr lang="es-AR" b="1" i="1" u="sng" dirty="0"/>
+                        <a:t>Característica</a:t>
+                      </a:r>
+                    </a:p>
+                  </a:txBody>
+                  <a:tcPr anchor="ctr">
+                    <a:lnL w="12700" cap="flat" cmpd="sng" algn="ctr">
+                      <a:solidFill>
+                        <a:schemeClr val="tx1"/>
+                      </a:solidFill>
+                      <a:prstDash val="solid"/>
+                      <a:round/>
+                      <a:headEnd type="none" w="med" len="med"/>
+                      <a:tailEnd type="none" w="med" len="med"/>
+                    </a:lnL>
+                    <a:lnR w="12700" cap="flat" cmpd="sng" algn="ctr">
+                      <a:solidFill>
+                        <a:schemeClr val="tx1"/>
+                      </a:solidFill>
+                      <a:prstDash val="solid"/>
+                      <a:round/>
+                      <a:headEnd type="none" w="med" len="med"/>
+                      <a:tailEnd type="none" w="med" len="med"/>
+                    </a:lnR>
+                    <a:lnT w="12700" cap="flat" cmpd="sng" algn="ctr">
+                      <a:solidFill>
+                        <a:schemeClr val="tx1"/>
+                      </a:solidFill>
+                      <a:prstDash val="solid"/>
+                      <a:round/>
+                      <a:headEnd type="none" w="med" len="med"/>
+                      <a:tailEnd type="none" w="med" len="med"/>
+                    </a:lnT>
+                    <a:lnB w="12700" cap="flat" cmpd="sng" algn="ctr">
+                      <a:solidFill>
+                        <a:schemeClr val="tx1"/>
+                      </a:solidFill>
+                      <a:prstDash val="solid"/>
+                      <a:round/>
+                      <a:headEnd type="none" w="med" len="med"/>
+                      <a:tailEnd type="none" w="med" len="med"/>
+                    </a:lnB>
+                    <a:noFill/>
+                  </a:tcPr>
+                </a:tc>
+                <a:tc>
+                  <a:txBody>
+                    <a:bodyPr/>
+                    <a:lstStyle/>
+                    <a:p>
+                      <a:r>
+                        <a:rPr lang="es-AR" b="1" i="1" u="sng"/>
+                        <a:t>Lista de Adyacencia</a:t>
+                      </a:r>
+                    </a:p>
+                  </a:txBody>
+                  <a:tcPr anchor="ctr">
+                    <a:lnL w="12700" cap="flat" cmpd="sng" algn="ctr">
+                      <a:solidFill>
+                        <a:schemeClr val="tx1"/>
+                      </a:solidFill>
+                      <a:prstDash val="solid"/>
+                      <a:round/>
+                      <a:headEnd type="none" w="med" len="med"/>
+                      <a:tailEnd type="none" w="med" len="med"/>
+                    </a:lnL>
+                    <a:lnR w="12700" cap="flat" cmpd="sng" algn="ctr">
+                      <a:solidFill>
+                        <a:schemeClr val="tx1"/>
+                      </a:solidFill>
+                      <a:prstDash val="solid"/>
+                      <a:round/>
+                      <a:headEnd type="none" w="med" len="med"/>
+                      <a:tailEnd type="none" w="med" len="med"/>
+                    </a:lnR>
+                    <a:lnT w="12700" cap="flat" cmpd="sng" algn="ctr">
+                      <a:solidFill>
+                        <a:schemeClr val="tx1"/>
+                      </a:solidFill>
+                      <a:prstDash val="solid"/>
+                      <a:round/>
+                      <a:headEnd type="none" w="med" len="med"/>
+                      <a:tailEnd type="none" w="med" len="med"/>
+                    </a:lnT>
+                    <a:lnB w="12700" cap="flat" cmpd="sng" algn="ctr">
+                      <a:solidFill>
+                        <a:schemeClr val="tx1"/>
+                      </a:solidFill>
+                      <a:prstDash val="solid"/>
+                      <a:round/>
+                      <a:headEnd type="none" w="med" len="med"/>
+                      <a:tailEnd type="none" w="med" len="med"/>
+                    </a:lnB>
+                    <a:noFill/>
+                  </a:tcPr>
+                </a:tc>
+                <a:tc>
+                  <a:txBody>
+                    <a:bodyPr/>
+                    <a:lstStyle/>
+                    <a:p>
+                      <a:r>
+                        <a:rPr lang="es-AR" b="1" i="1" u="sng" dirty="0"/>
+                        <a:t>Matriz de Adyacencia</a:t>
+                      </a:r>
+                    </a:p>
+                  </a:txBody>
+                  <a:tcPr anchor="ctr">
+                    <a:lnL w="12700" cap="flat" cmpd="sng" algn="ctr">
+                      <a:solidFill>
+                        <a:schemeClr val="tx1"/>
+                      </a:solidFill>
+                      <a:prstDash val="solid"/>
+                      <a:round/>
+                      <a:headEnd type="none" w="med" len="med"/>
+                      <a:tailEnd type="none" w="med" len="med"/>
+                    </a:lnL>
+                    <a:lnR w="12700" cap="flat" cmpd="sng" algn="ctr">
+                      <a:solidFill>
+                        <a:schemeClr val="tx1"/>
+                      </a:solidFill>
+                      <a:prstDash val="solid"/>
+                      <a:round/>
+                      <a:headEnd type="none" w="med" len="med"/>
+                      <a:tailEnd type="none" w="med" len="med"/>
+                    </a:lnR>
+                    <a:lnT w="12700" cap="flat" cmpd="sng" algn="ctr">
+                      <a:solidFill>
+                        <a:schemeClr val="tx1"/>
+                      </a:solidFill>
+                      <a:prstDash val="solid"/>
+                      <a:round/>
+                      <a:headEnd type="none" w="med" len="med"/>
+                      <a:tailEnd type="none" w="med" len="med"/>
+                    </a:lnT>
+                    <a:lnB w="12700" cap="flat" cmpd="sng" algn="ctr">
+                      <a:solidFill>
+                        <a:schemeClr val="tx1"/>
+                      </a:solidFill>
+                      <a:prstDash val="solid"/>
+                      <a:round/>
+                      <a:headEnd type="none" w="med" len="med"/>
+                      <a:tailEnd type="none" w="med" len="med"/>
+                    </a:lnB>
+                    <a:noFill/>
+                  </a:tcPr>
+                </a:tc>
+                <a:extLst>
+                  <a:ext uri="{0D108BD9-81ED-4DB2-BD59-A6C34878D82A}">
+                    <a16:rowId xmlns:a16="http://schemas.microsoft.com/office/drawing/2014/main" val="3378341972"/>
+                  </a:ext>
+                </a:extLst>
+              </a:tr>
+              <a:tr h="0">
+                <a:tc>
+                  <a:txBody>
+                    <a:bodyPr/>
+                    <a:lstStyle/>
+                    <a:p>
+                      <a:r>
+                        <a:rPr lang="es-AR" b="1" dirty="0"/>
+                        <a:t>Representación</a:t>
+                      </a:r>
+                      <a:endParaRPr lang="es-AR" dirty="0"/>
+                    </a:p>
+                  </a:txBody>
+                  <a:tcPr anchor="ctr">
+                    <a:lnL w="12700" cap="flat" cmpd="sng" algn="ctr">
+                      <a:solidFill>
+                        <a:schemeClr val="tx1"/>
+                      </a:solidFill>
+                      <a:prstDash val="solid"/>
+                      <a:round/>
+                      <a:headEnd type="none" w="med" len="med"/>
+                      <a:tailEnd type="none" w="med" len="med"/>
+                    </a:lnL>
+                    <a:lnR w="12700" cap="flat" cmpd="sng" algn="ctr">
+                      <a:solidFill>
+                        <a:schemeClr val="tx1"/>
+                      </a:solidFill>
+                      <a:prstDash val="solid"/>
+                      <a:round/>
+                      <a:headEnd type="none" w="med" len="med"/>
+                      <a:tailEnd type="none" w="med" len="med"/>
+                    </a:lnR>
+                    <a:lnT w="12700" cap="flat" cmpd="sng" algn="ctr">
+                      <a:solidFill>
+                        <a:schemeClr val="tx1"/>
+                      </a:solidFill>
+                      <a:prstDash val="solid"/>
+                      <a:round/>
+                      <a:headEnd type="none" w="med" len="med"/>
+                      <a:tailEnd type="none" w="med" len="med"/>
+                    </a:lnT>
+                    <a:lnB w="12700" cap="flat" cmpd="sng" algn="ctr">
+                      <a:solidFill>
+                        <a:schemeClr val="tx1"/>
+                      </a:solidFill>
+                      <a:prstDash val="solid"/>
+                      <a:round/>
+                      <a:headEnd type="none" w="med" len="med"/>
+                      <a:tailEnd type="none" w="med" len="med"/>
+                    </a:lnB>
+                    <a:noFill/>
+                  </a:tcPr>
+                </a:tc>
+                <a:tc>
+                  <a:txBody>
+                    <a:bodyPr/>
+                    <a:lstStyle/>
+                    <a:p>
+                      <a:r>
+                        <a:rPr lang="es-AR"/>
+                        <a:t>Array/Listas de vecinos para cada nodo</a:t>
+                      </a:r>
+                    </a:p>
+                  </a:txBody>
+                  <a:tcPr anchor="ctr">
+                    <a:lnL w="12700" cap="flat" cmpd="sng" algn="ctr">
+                      <a:solidFill>
+                        <a:schemeClr val="tx1"/>
+                      </a:solidFill>
+                      <a:prstDash val="solid"/>
+                      <a:round/>
+                      <a:headEnd type="none" w="med" len="med"/>
+                      <a:tailEnd type="none" w="med" len="med"/>
+                    </a:lnL>
+                    <a:lnR w="12700" cap="flat" cmpd="sng" algn="ctr">
+                      <a:solidFill>
+                        <a:schemeClr val="tx1"/>
+                      </a:solidFill>
+                      <a:prstDash val="solid"/>
+                      <a:round/>
+                      <a:headEnd type="none" w="med" len="med"/>
+                      <a:tailEnd type="none" w="med" len="med"/>
+                    </a:lnR>
+                    <a:lnT w="12700" cap="flat" cmpd="sng" algn="ctr">
+                      <a:solidFill>
+                        <a:schemeClr val="tx1"/>
+                      </a:solidFill>
+                      <a:prstDash val="solid"/>
+                      <a:round/>
+                      <a:headEnd type="none" w="med" len="med"/>
+                      <a:tailEnd type="none" w="med" len="med"/>
+                    </a:lnT>
+                    <a:lnB w="12700" cap="flat" cmpd="sng" algn="ctr">
+                      <a:solidFill>
+                        <a:schemeClr val="tx1"/>
+                      </a:solidFill>
+                      <a:prstDash val="solid"/>
+                      <a:round/>
+                      <a:headEnd type="none" w="med" len="med"/>
+                      <a:tailEnd type="none" w="med" len="med"/>
+                    </a:lnB>
+                    <a:noFill/>
+                  </a:tcPr>
+                </a:tc>
+                <a:tc>
+                  <a:txBody>
+                    <a:bodyPr/>
+                    <a:lstStyle/>
+                    <a:p>
+                      <a:r>
+                        <a:rPr lang="pt-BR"/>
+                        <a:t>Matriz cuadrada (n x n) con 0/1</a:t>
+                      </a:r>
+                    </a:p>
+                  </a:txBody>
+                  <a:tcPr anchor="ctr">
+                    <a:lnL w="12700" cap="flat" cmpd="sng" algn="ctr">
+                      <a:solidFill>
+                        <a:schemeClr val="tx1"/>
+                      </a:solidFill>
+                      <a:prstDash val="solid"/>
+                      <a:round/>
+                      <a:headEnd type="none" w="med" len="med"/>
+                      <a:tailEnd type="none" w="med" len="med"/>
+                    </a:lnL>
+                    <a:lnR w="12700" cap="flat" cmpd="sng" algn="ctr">
+                      <a:solidFill>
+                        <a:schemeClr val="tx1"/>
+                      </a:solidFill>
+                      <a:prstDash val="solid"/>
+                      <a:round/>
+                      <a:headEnd type="none" w="med" len="med"/>
+                      <a:tailEnd type="none" w="med" len="med"/>
+                    </a:lnR>
+                    <a:lnT w="12700" cap="flat" cmpd="sng" algn="ctr">
+                      <a:solidFill>
+                        <a:schemeClr val="tx1"/>
+                      </a:solidFill>
+                      <a:prstDash val="solid"/>
+                      <a:round/>
+                      <a:headEnd type="none" w="med" len="med"/>
+                      <a:tailEnd type="none" w="med" len="med"/>
+                    </a:lnT>
+                    <a:lnB w="12700" cap="flat" cmpd="sng" algn="ctr">
+                      <a:solidFill>
+                        <a:schemeClr val="tx1"/>
+                      </a:solidFill>
+                      <a:prstDash val="solid"/>
+                      <a:round/>
+                      <a:headEnd type="none" w="med" len="med"/>
+                      <a:tailEnd type="none" w="med" len="med"/>
+                    </a:lnB>
+                    <a:noFill/>
+                  </a:tcPr>
+                </a:tc>
+                <a:extLst>
+                  <a:ext uri="{0D108BD9-81ED-4DB2-BD59-A6C34878D82A}">
+                    <a16:rowId xmlns:a16="http://schemas.microsoft.com/office/drawing/2014/main" val="3928129734"/>
+                  </a:ext>
+                </a:extLst>
+              </a:tr>
+              <a:tr h="0">
+                <a:tc>
+                  <a:txBody>
+                    <a:bodyPr/>
+                    <a:lstStyle/>
+                    <a:p>
+                      <a:r>
+                        <a:rPr lang="es-AR" b="1" dirty="0"/>
+                        <a:t>Espacio requerido</a:t>
+                      </a:r>
+                      <a:endParaRPr lang="es-AR" dirty="0"/>
+                    </a:p>
+                  </a:txBody>
+                  <a:tcPr anchor="ctr">
+                    <a:lnL w="12700" cap="flat" cmpd="sng" algn="ctr">
+                      <a:solidFill>
+                        <a:schemeClr val="tx1"/>
+                      </a:solidFill>
+                      <a:prstDash val="solid"/>
+                      <a:round/>
+                      <a:headEnd type="none" w="med" len="med"/>
+                      <a:tailEnd type="none" w="med" len="med"/>
+                    </a:lnL>
+                    <a:lnR w="12700" cap="flat" cmpd="sng" algn="ctr">
+                      <a:solidFill>
+                        <a:schemeClr val="tx1"/>
+                      </a:solidFill>
+                      <a:prstDash val="solid"/>
+                      <a:round/>
+                      <a:headEnd type="none" w="med" len="med"/>
+                      <a:tailEnd type="none" w="med" len="med"/>
+                    </a:lnR>
+                    <a:lnT w="12700" cap="flat" cmpd="sng" algn="ctr">
+                      <a:solidFill>
+                        <a:schemeClr val="tx1"/>
+                      </a:solidFill>
+                      <a:prstDash val="solid"/>
+                      <a:round/>
+                      <a:headEnd type="none" w="med" len="med"/>
+                      <a:tailEnd type="none" w="med" len="med"/>
+                    </a:lnT>
+                    <a:lnB w="12700" cap="flat" cmpd="sng" algn="ctr">
+                      <a:solidFill>
+                        <a:schemeClr val="tx1"/>
+                      </a:solidFill>
+                      <a:prstDash val="solid"/>
+                      <a:round/>
+                      <a:headEnd type="none" w="med" len="med"/>
+                      <a:tailEnd type="none" w="med" len="med"/>
+                    </a:lnB>
+                    <a:noFill/>
+                  </a:tcPr>
+                </a:tc>
+                <a:tc>
+                  <a:txBody>
+                    <a:bodyPr/>
+                    <a:lstStyle/>
+                    <a:p>
+                      <a:r>
+                        <a:rPr lang="es-AR" dirty="0"/>
+                        <a:t>O(V+E)  (más eficiente en grafos dispersos)</a:t>
+                      </a:r>
+                    </a:p>
+                  </a:txBody>
+                  <a:tcPr anchor="ctr">
+                    <a:lnL w="12700" cap="flat" cmpd="sng" algn="ctr">
+                      <a:solidFill>
+                        <a:schemeClr val="tx1"/>
+                      </a:solidFill>
+                      <a:prstDash val="solid"/>
+                      <a:round/>
+                      <a:headEnd type="none" w="med" len="med"/>
+                      <a:tailEnd type="none" w="med" len="med"/>
+                    </a:lnL>
+                    <a:lnR w="12700" cap="flat" cmpd="sng" algn="ctr">
+                      <a:solidFill>
+                        <a:schemeClr val="tx1"/>
+                      </a:solidFill>
+                      <a:prstDash val="solid"/>
+                      <a:round/>
+                      <a:headEnd type="none" w="med" len="med"/>
+                      <a:tailEnd type="none" w="med" len="med"/>
+                    </a:lnR>
+                    <a:lnT w="12700" cap="flat" cmpd="sng" algn="ctr">
+                      <a:solidFill>
+                        <a:schemeClr val="tx1"/>
+                      </a:solidFill>
+                      <a:prstDash val="solid"/>
+                      <a:round/>
+                      <a:headEnd type="none" w="med" len="med"/>
+                      <a:tailEnd type="none" w="med" len="med"/>
+                    </a:lnT>
+                    <a:lnB w="12700" cap="flat" cmpd="sng" algn="ctr">
+                      <a:solidFill>
+                        <a:schemeClr val="tx1"/>
+                      </a:solidFill>
+                      <a:prstDash val="solid"/>
+                      <a:round/>
+                      <a:headEnd type="none" w="med" len="med"/>
+                      <a:tailEnd type="none" w="med" len="med"/>
+                    </a:lnB>
+                    <a:noFill/>
+                  </a:tcPr>
+                </a:tc>
+                <a:tc>
+                  <a:txBody>
+                    <a:bodyPr/>
+                    <a:lstStyle/>
+                    <a:p>
+                      <a:r>
+                        <a:rPr lang="es-MX" dirty="0"/>
+                        <a:t>O(V*V) (puede ser grande en grafos grandes)</a:t>
+                      </a:r>
+                    </a:p>
+                  </a:txBody>
+                  <a:tcPr anchor="ctr">
+                    <a:lnL w="12700" cap="flat" cmpd="sng" algn="ctr">
+                      <a:solidFill>
+                        <a:schemeClr val="tx1"/>
+                      </a:solidFill>
+                      <a:prstDash val="solid"/>
+                      <a:round/>
+                      <a:headEnd type="none" w="med" len="med"/>
+                      <a:tailEnd type="none" w="med" len="med"/>
+                    </a:lnL>
+                    <a:lnR w="12700" cap="flat" cmpd="sng" algn="ctr">
+                      <a:solidFill>
+                        <a:schemeClr val="tx1"/>
+                      </a:solidFill>
+                      <a:prstDash val="solid"/>
+                      <a:round/>
+                      <a:headEnd type="none" w="med" len="med"/>
+                      <a:tailEnd type="none" w="med" len="med"/>
+                    </a:lnR>
+                    <a:lnT w="12700" cap="flat" cmpd="sng" algn="ctr">
+                      <a:solidFill>
+                        <a:schemeClr val="tx1"/>
+                      </a:solidFill>
+                      <a:prstDash val="solid"/>
+                      <a:round/>
+                      <a:headEnd type="none" w="med" len="med"/>
+                      <a:tailEnd type="none" w="med" len="med"/>
+                    </a:lnT>
+                    <a:lnB w="12700" cap="flat" cmpd="sng" algn="ctr">
+                      <a:solidFill>
+                        <a:schemeClr val="tx1"/>
+                      </a:solidFill>
+                      <a:prstDash val="solid"/>
+                      <a:round/>
+                      <a:headEnd type="none" w="med" len="med"/>
+                      <a:tailEnd type="none" w="med" len="med"/>
+                    </a:lnB>
+                    <a:noFill/>
+                  </a:tcPr>
+                </a:tc>
+                <a:extLst>
+                  <a:ext uri="{0D108BD9-81ED-4DB2-BD59-A6C34878D82A}">
+                    <a16:rowId xmlns:a16="http://schemas.microsoft.com/office/drawing/2014/main" val="556158821"/>
+                  </a:ext>
+                </a:extLst>
+              </a:tr>
+              <a:tr h="0">
+                <a:tc>
+                  <a:txBody>
+                    <a:bodyPr/>
+                    <a:lstStyle/>
+                    <a:p>
+                      <a:r>
+                        <a:rPr lang="es-MX" b="1"/>
+                        <a:t>Verificar si existe arista (u,v)</a:t>
+                      </a:r>
+                      <a:endParaRPr lang="es-MX"/>
+                    </a:p>
+                  </a:txBody>
+                  <a:tcPr anchor="ctr">
+                    <a:lnL w="12700" cap="flat" cmpd="sng" algn="ctr">
+                      <a:solidFill>
+                        <a:schemeClr val="tx1"/>
+                      </a:solidFill>
+                      <a:prstDash val="solid"/>
+                      <a:round/>
+                      <a:headEnd type="none" w="med" len="med"/>
+                      <a:tailEnd type="none" w="med" len="med"/>
+                    </a:lnL>
+                    <a:lnR w="12700" cap="flat" cmpd="sng" algn="ctr">
+                      <a:solidFill>
+                        <a:schemeClr val="tx1"/>
+                      </a:solidFill>
+                      <a:prstDash val="solid"/>
+                      <a:round/>
+                      <a:headEnd type="none" w="med" len="med"/>
+                      <a:tailEnd type="none" w="med" len="med"/>
+                    </a:lnR>
+                    <a:lnT w="12700" cap="flat" cmpd="sng" algn="ctr">
+                      <a:solidFill>
+                        <a:schemeClr val="tx1"/>
+                      </a:solidFill>
+                      <a:prstDash val="solid"/>
+                      <a:round/>
+                      <a:headEnd type="none" w="med" len="med"/>
+                      <a:tailEnd type="none" w="med" len="med"/>
+                    </a:lnT>
+                    <a:lnB w="12700" cap="flat" cmpd="sng" algn="ctr">
+                      <a:solidFill>
+                        <a:schemeClr val="tx1"/>
+                      </a:solidFill>
+                      <a:prstDash val="solid"/>
+                      <a:round/>
+                      <a:headEnd type="none" w="med" len="med"/>
+                      <a:tailEnd type="none" w="med" len="med"/>
+                    </a:lnB>
+                    <a:noFill/>
+                  </a:tcPr>
+                </a:tc>
+                <a:tc>
+                  <a:txBody>
+                    <a:bodyPr/>
+                    <a:lstStyle/>
+                    <a:p>
+                      <a:r>
+                        <a:rPr lang="es-MX" dirty="0"/>
+                        <a:t>O(k) , donde k es número de vecinos de u</a:t>
+                      </a:r>
+                    </a:p>
+                  </a:txBody>
+                  <a:tcPr anchor="ctr">
+                    <a:lnL w="12700" cap="flat" cmpd="sng" algn="ctr">
+                      <a:solidFill>
+                        <a:schemeClr val="tx1"/>
+                      </a:solidFill>
+                      <a:prstDash val="solid"/>
+                      <a:round/>
+                      <a:headEnd type="none" w="med" len="med"/>
+                      <a:tailEnd type="none" w="med" len="med"/>
+                    </a:lnL>
+                    <a:lnR w="12700" cap="flat" cmpd="sng" algn="ctr">
+                      <a:solidFill>
+                        <a:schemeClr val="tx1"/>
+                      </a:solidFill>
+                      <a:prstDash val="solid"/>
+                      <a:round/>
+                      <a:headEnd type="none" w="med" len="med"/>
+                      <a:tailEnd type="none" w="med" len="med"/>
+                    </a:lnR>
+                    <a:lnT w="12700" cap="flat" cmpd="sng" algn="ctr">
+                      <a:solidFill>
+                        <a:schemeClr val="tx1"/>
+                      </a:solidFill>
+                      <a:prstDash val="solid"/>
+                      <a:round/>
+                      <a:headEnd type="none" w="med" len="med"/>
+                      <a:tailEnd type="none" w="med" len="med"/>
+                    </a:lnT>
+                    <a:lnB w="12700" cap="flat" cmpd="sng" algn="ctr">
+                      <a:solidFill>
+                        <a:schemeClr val="tx1"/>
+                      </a:solidFill>
+                      <a:prstDash val="solid"/>
+                      <a:round/>
+                      <a:headEnd type="none" w="med" len="med"/>
+                      <a:tailEnd type="none" w="med" len="med"/>
+                    </a:lnB>
+                    <a:noFill/>
+                  </a:tcPr>
+                </a:tc>
+                <a:tc>
+                  <a:txBody>
+                    <a:bodyPr/>
+                    <a:lstStyle/>
+                    <a:p>
+                      <a:r>
+                        <a:rPr lang="es-AR" dirty="0"/>
+                        <a:t>O(1) (acceso directo)</a:t>
+                      </a:r>
+                    </a:p>
+                  </a:txBody>
+                  <a:tcPr anchor="ctr">
+                    <a:lnL w="12700" cap="flat" cmpd="sng" algn="ctr">
+                      <a:solidFill>
+                        <a:schemeClr val="tx1"/>
+                      </a:solidFill>
+                      <a:prstDash val="solid"/>
+                      <a:round/>
+                      <a:headEnd type="none" w="med" len="med"/>
+                      <a:tailEnd type="none" w="med" len="med"/>
+                    </a:lnL>
+                    <a:lnR w="12700" cap="flat" cmpd="sng" algn="ctr">
+                      <a:solidFill>
+                        <a:schemeClr val="tx1"/>
+                      </a:solidFill>
+                      <a:prstDash val="solid"/>
+                      <a:round/>
+                      <a:headEnd type="none" w="med" len="med"/>
+                      <a:tailEnd type="none" w="med" len="med"/>
+                    </a:lnR>
+                    <a:lnT w="12700" cap="flat" cmpd="sng" algn="ctr">
+                      <a:solidFill>
+                        <a:schemeClr val="tx1"/>
+                      </a:solidFill>
+                      <a:prstDash val="solid"/>
+                      <a:round/>
+                      <a:headEnd type="none" w="med" len="med"/>
+                      <a:tailEnd type="none" w="med" len="med"/>
+                    </a:lnT>
+                    <a:lnB w="12700" cap="flat" cmpd="sng" algn="ctr">
+                      <a:solidFill>
+                        <a:schemeClr val="tx1"/>
+                      </a:solidFill>
+                      <a:prstDash val="solid"/>
+                      <a:round/>
+                      <a:headEnd type="none" w="med" len="med"/>
+                      <a:tailEnd type="none" w="med" len="med"/>
+                    </a:lnB>
+                    <a:noFill/>
+                  </a:tcPr>
+                </a:tc>
+                <a:extLst>
+                  <a:ext uri="{0D108BD9-81ED-4DB2-BD59-A6C34878D82A}">
+                    <a16:rowId xmlns:a16="http://schemas.microsoft.com/office/drawing/2014/main" val="3319727786"/>
+                  </a:ext>
+                </a:extLst>
+              </a:tr>
+              <a:tr h="0">
+                <a:tc>
+                  <a:txBody>
+                    <a:bodyPr/>
+                    <a:lstStyle/>
+                    <a:p>
+                      <a:r>
+                        <a:rPr lang="es-MX" b="1"/>
+                        <a:t>Iterar vecinos de un nodo</a:t>
+                      </a:r>
+                      <a:endParaRPr lang="es-MX"/>
+                    </a:p>
+                  </a:txBody>
+                  <a:tcPr anchor="ctr">
+                    <a:lnL w="12700" cap="flat" cmpd="sng" algn="ctr">
+                      <a:solidFill>
+                        <a:schemeClr val="tx1"/>
+                      </a:solidFill>
+                      <a:prstDash val="solid"/>
+                      <a:round/>
+                      <a:headEnd type="none" w="med" len="med"/>
+                      <a:tailEnd type="none" w="med" len="med"/>
+                    </a:lnL>
+                    <a:lnR w="12700" cap="flat" cmpd="sng" algn="ctr">
+                      <a:solidFill>
+                        <a:schemeClr val="tx1"/>
+                      </a:solidFill>
+                      <a:prstDash val="solid"/>
+                      <a:round/>
+                      <a:headEnd type="none" w="med" len="med"/>
+                      <a:tailEnd type="none" w="med" len="med"/>
+                    </a:lnR>
+                    <a:lnT w="12700" cap="flat" cmpd="sng" algn="ctr">
+                      <a:solidFill>
+                        <a:schemeClr val="tx1"/>
+                      </a:solidFill>
+                      <a:prstDash val="solid"/>
+                      <a:round/>
+                      <a:headEnd type="none" w="med" len="med"/>
+                      <a:tailEnd type="none" w="med" len="med"/>
+                    </a:lnT>
+                    <a:lnB w="12700" cap="flat" cmpd="sng" algn="ctr">
+                      <a:solidFill>
+                        <a:schemeClr val="tx1"/>
+                      </a:solidFill>
+                      <a:prstDash val="solid"/>
+                      <a:round/>
+                      <a:headEnd type="none" w="med" len="med"/>
+                      <a:tailEnd type="none" w="med" len="med"/>
+                    </a:lnB>
+                    <a:noFill/>
+                  </a:tcPr>
+                </a:tc>
+                <a:tc>
+                  <a:txBody>
+                    <a:bodyPr/>
+                    <a:lstStyle/>
+                    <a:p>
+                      <a:r>
+                        <a:rPr lang="es-AR" dirty="0"/>
+                        <a:t>O(k) (solo vecinos reales)</a:t>
+                      </a:r>
+                    </a:p>
+                  </a:txBody>
+                  <a:tcPr anchor="ctr">
+                    <a:lnL w="12700" cap="flat" cmpd="sng" algn="ctr">
+                      <a:solidFill>
+                        <a:schemeClr val="tx1"/>
+                      </a:solidFill>
+                      <a:prstDash val="solid"/>
+                      <a:round/>
+                      <a:headEnd type="none" w="med" len="med"/>
+                      <a:tailEnd type="none" w="med" len="med"/>
+                    </a:lnL>
+                    <a:lnR w="12700" cap="flat" cmpd="sng" algn="ctr">
+                      <a:solidFill>
+                        <a:schemeClr val="tx1"/>
+                      </a:solidFill>
+                      <a:prstDash val="solid"/>
+                      <a:round/>
+                      <a:headEnd type="none" w="med" len="med"/>
+                      <a:tailEnd type="none" w="med" len="med"/>
+                    </a:lnR>
+                    <a:lnT w="12700" cap="flat" cmpd="sng" algn="ctr">
+                      <a:solidFill>
+                        <a:schemeClr val="tx1"/>
+                      </a:solidFill>
+                      <a:prstDash val="solid"/>
+                      <a:round/>
+                      <a:headEnd type="none" w="med" len="med"/>
+                      <a:tailEnd type="none" w="med" len="med"/>
+                    </a:lnT>
+                    <a:lnB w="12700" cap="flat" cmpd="sng" algn="ctr">
+                      <a:solidFill>
+                        <a:schemeClr val="tx1"/>
+                      </a:solidFill>
+                      <a:prstDash val="solid"/>
+                      <a:round/>
+                      <a:headEnd type="none" w="med" len="med"/>
+                      <a:tailEnd type="none" w="med" len="med"/>
+                    </a:lnB>
+                    <a:noFill/>
+                  </a:tcPr>
+                </a:tc>
+                <a:tc>
+                  <a:txBody>
+                    <a:bodyPr/>
+                    <a:lstStyle/>
+                    <a:p>
+                      <a:r>
+                        <a:rPr lang="es-AR" dirty="0"/>
+                        <a:t>O(V) (revisar toda la fila)</a:t>
+                      </a:r>
+                    </a:p>
+                  </a:txBody>
+                  <a:tcPr anchor="ctr">
+                    <a:lnL w="12700" cap="flat" cmpd="sng" algn="ctr">
+                      <a:solidFill>
+                        <a:schemeClr val="tx1"/>
+                      </a:solidFill>
+                      <a:prstDash val="solid"/>
+                      <a:round/>
+                      <a:headEnd type="none" w="med" len="med"/>
+                      <a:tailEnd type="none" w="med" len="med"/>
+                    </a:lnL>
+                    <a:lnR w="12700" cap="flat" cmpd="sng" algn="ctr">
+                      <a:solidFill>
+                        <a:schemeClr val="tx1"/>
+                      </a:solidFill>
+                      <a:prstDash val="solid"/>
+                      <a:round/>
+                      <a:headEnd type="none" w="med" len="med"/>
+                      <a:tailEnd type="none" w="med" len="med"/>
+                    </a:lnR>
+                    <a:lnT w="12700" cap="flat" cmpd="sng" algn="ctr">
+                      <a:solidFill>
+                        <a:schemeClr val="tx1"/>
+                      </a:solidFill>
+                      <a:prstDash val="solid"/>
+                      <a:round/>
+                      <a:headEnd type="none" w="med" len="med"/>
+                      <a:tailEnd type="none" w="med" len="med"/>
+                    </a:lnT>
+                    <a:lnB w="12700" cap="flat" cmpd="sng" algn="ctr">
+                      <a:solidFill>
+                        <a:schemeClr val="tx1"/>
+                      </a:solidFill>
+                      <a:prstDash val="solid"/>
+                      <a:round/>
+                      <a:headEnd type="none" w="med" len="med"/>
+                      <a:tailEnd type="none" w="med" len="med"/>
+                    </a:lnB>
+                    <a:noFill/>
+                  </a:tcPr>
+                </a:tc>
+                <a:extLst>
+                  <a:ext uri="{0D108BD9-81ED-4DB2-BD59-A6C34878D82A}">
+                    <a16:rowId xmlns:a16="http://schemas.microsoft.com/office/drawing/2014/main" val="353049217"/>
+                  </a:ext>
+                </a:extLst>
+              </a:tr>
+              <a:tr h="0">
+                <a:tc>
+                  <a:txBody>
+                    <a:bodyPr/>
+                    <a:lstStyle/>
+                    <a:p>
+                      <a:r>
+                        <a:rPr lang="es-AR" b="1"/>
+                        <a:t>Adecuado para</a:t>
+                      </a:r>
+                      <a:endParaRPr lang="es-AR"/>
+                    </a:p>
+                  </a:txBody>
+                  <a:tcPr anchor="ctr">
+                    <a:lnL w="12700" cap="flat" cmpd="sng" algn="ctr">
+                      <a:solidFill>
+                        <a:schemeClr val="tx1"/>
+                      </a:solidFill>
+                      <a:prstDash val="solid"/>
+                      <a:round/>
+                      <a:headEnd type="none" w="med" len="med"/>
+                      <a:tailEnd type="none" w="med" len="med"/>
+                    </a:lnL>
+                    <a:lnR w="12700" cap="flat" cmpd="sng" algn="ctr">
+                      <a:solidFill>
+                        <a:schemeClr val="tx1"/>
+                      </a:solidFill>
+                      <a:prstDash val="solid"/>
+                      <a:round/>
+                      <a:headEnd type="none" w="med" len="med"/>
+                      <a:tailEnd type="none" w="med" len="med"/>
+                    </a:lnR>
+                    <a:lnT w="12700" cap="flat" cmpd="sng" algn="ctr">
+                      <a:solidFill>
+                        <a:schemeClr val="tx1"/>
+                      </a:solidFill>
+                      <a:prstDash val="solid"/>
+                      <a:round/>
+                      <a:headEnd type="none" w="med" len="med"/>
+                      <a:tailEnd type="none" w="med" len="med"/>
+                    </a:lnT>
+                    <a:lnB w="12700" cap="flat" cmpd="sng" algn="ctr">
+                      <a:solidFill>
+                        <a:schemeClr val="tx1"/>
+                      </a:solidFill>
+                      <a:prstDash val="solid"/>
+                      <a:round/>
+                      <a:headEnd type="none" w="med" len="med"/>
+                      <a:tailEnd type="none" w="med" len="med"/>
+                    </a:lnB>
+                    <a:noFill/>
+                  </a:tcPr>
+                </a:tc>
+                <a:tc>
+                  <a:txBody>
+                    <a:bodyPr/>
+                    <a:lstStyle/>
+                    <a:p>
+                      <a:r>
+                        <a:rPr lang="es-MX"/>
+                        <a:t>Grafos dispersos o con muchas menos aristas que nodos al cuadrado</a:t>
+                      </a:r>
+                    </a:p>
+                  </a:txBody>
+                  <a:tcPr anchor="ctr">
+                    <a:lnL w="12700" cap="flat" cmpd="sng" algn="ctr">
+                      <a:solidFill>
+                        <a:schemeClr val="tx1"/>
+                      </a:solidFill>
+                      <a:prstDash val="solid"/>
+                      <a:round/>
+                      <a:headEnd type="none" w="med" len="med"/>
+                      <a:tailEnd type="none" w="med" len="med"/>
+                    </a:lnL>
+                    <a:lnR w="12700" cap="flat" cmpd="sng" algn="ctr">
+                      <a:solidFill>
+                        <a:schemeClr val="tx1"/>
+                      </a:solidFill>
+                      <a:prstDash val="solid"/>
+                      <a:round/>
+                      <a:headEnd type="none" w="med" len="med"/>
+                      <a:tailEnd type="none" w="med" len="med"/>
+                    </a:lnR>
+                    <a:lnT w="12700" cap="flat" cmpd="sng" algn="ctr">
+                      <a:solidFill>
+                        <a:schemeClr val="tx1"/>
+                      </a:solidFill>
+                      <a:prstDash val="solid"/>
+                      <a:round/>
+                      <a:headEnd type="none" w="med" len="med"/>
+                      <a:tailEnd type="none" w="med" len="med"/>
+                    </a:lnT>
+                    <a:lnB w="12700" cap="flat" cmpd="sng" algn="ctr">
+                      <a:solidFill>
+                        <a:schemeClr val="tx1"/>
+                      </a:solidFill>
+                      <a:prstDash val="solid"/>
+                      <a:round/>
+                      <a:headEnd type="none" w="med" len="med"/>
+                      <a:tailEnd type="none" w="med" len="med"/>
+                    </a:lnB>
+                    <a:noFill/>
+                  </a:tcPr>
+                </a:tc>
+                <a:tc>
+                  <a:txBody>
+                    <a:bodyPr/>
+                    <a:lstStyle/>
+                    <a:p>
+                      <a:r>
+                        <a:rPr lang="es-MX"/>
+                        <a:t>Grafos densos o cuando se necesita acceso rápido y constante</a:t>
+                      </a:r>
+                    </a:p>
+                  </a:txBody>
+                  <a:tcPr anchor="ctr">
+                    <a:lnL w="12700" cap="flat" cmpd="sng" algn="ctr">
+                      <a:solidFill>
+                        <a:schemeClr val="tx1"/>
+                      </a:solidFill>
+                      <a:prstDash val="solid"/>
+                      <a:round/>
+                      <a:headEnd type="none" w="med" len="med"/>
+                      <a:tailEnd type="none" w="med" len="med"/>
+                    </a:lnL>
+                    <a:lnR w="12700" cap="flat" cmpd="sng" algn="ctr">
+                      <a:solidFill>
+                        <a:schemeClr val="tx1"/>
+                      </a:solidFill>
+                      <a:prstDash val="solid"/>
+                      <a:round/>
+                      <a:headEnd type="none" w="med" len="med"/>
+                      <a:tailEnd type="none" w="med" len="med"/>
+                    </a:lnR>
+                    <a:lnT w="12700" cap="flat" cmpd="sng" algn="ctr">
+                      <a:solidFill>
+                        <a:schemeClr val="tx1"/>
+                      </a:solidFill>
+                      <a:prstDash val="solid"/>
+                      <a:round/>
+                      <a:headEnd type="none" w="med" len="med"/>
+                      <a:tailEnd type="none" w="med" len="med"/>
+                    </a:lnT>
+                    <a:lnB w="12700" cap="flat" cmpd="sng" algn="ctr">
+                      <a:solidFill>
+                        <a:schemeClr val="tx1"/>
+                      </a:solidFill>
+                      <a:prstDash val="solid"/>
+                      <a:round/>
+                      <a:headEnd type="none" w="med" len="med"/>
+                      <a:tailEnd type="none" w="med" len="med"/>
+                    </a:lnB>
+                    <a:noFill/>
+                  </a:tcPr>
+                </a:tc>
+                <a:extLst>
+                  <a:ext uri="{0D108BD9-81ED-4DB2-BD59-A6C34878D82A}">
+                    <a16:rowId xmlns:a16="http://schemas.microsoft.com/office/drawing/2014/main" val="1218001125"/>
+                  </a:ext>
+                </a:extLst>
+              </a:tr>
+              <a:tr h="0">
+                <a:tc>
+                  <a:txBody>
+                    <a:bodyPr/>
+                    <a:lstStyle/>
+                    <a:p>
+                      <a:r>
+                        <a:rPr lang="es-MX" b="1"/>
+                        <a:t>Facilidad para añadir/quitar aristas</a:t>
+                      </a:r>
+                      <a:endParaRPr lang="es-MX"/>
+                    </a:p>
+                  </a:txBody>
+                  <a:tcPr anchor="ctr">
+                    <a:lnL w="12700" cap="flat" cmpd="sng" algn="ctr">
+                      <a:solidFill>
+                        <a:schemeClr val="tx1"/>
+                      </a:solidFill>
+                      <a:prstDash val="solid"/>
+                      <a:round/>
+                      <a:headEnd type="none" w="med" len="med"/>
+                      <a:tailEnd type="none" w="med" len="med"/>
+                    </a:lnL>
+                    <a:lnR w="12700" cap="flat" cmpd="sng" algn="ctr">
+                      <a:solidFill>
+                        <a:schemeClr val="tx1"/>
+                      </a:solidFill>
+                      <a:prstDash val="solid"/>
+                      <a:round/>
+                      <a:headEnd type="none" w="med" len="med"/>
+                      <a:tailEnd type="none" w="med" len="med"/>
+                    </a:lnR>
+                    <a:lnT w="12700" cap="flat" cmpd="sng" algn="ctr">
+                      <a:solidFill>
+                        <a:schemeClr val="tx1"/>
+                      </a:solidFill>
+                      <a:prstDash val="solid"/>
+                      <a:round/>
+                      <a:headEnd type="none" w="med" len="med"/>
+                      <a:tailEnd type="none" w="med" len="med"/>
+                    </a:lnT>
+                    <a:lnB w="12700" cap="flat" cmpd="sng" algn="ctr">
+                      <a:solidFill>
+                        <a:schemeClr val="tx1"/>
+                      </a:solidFill>
+                      <a:prstDash val="solid"/>
+                      <a:round/>
+                      <a:headEnd type="none" w="med" len="med"/>
+                      <a:tailEnd type="none" w="med" len="med"/>
+                    </a:lnB>
+                    <a:noFill/>
+                  </a:tcPr>
+                </a:tc>
+                <a:tc>
+                  <a:txBody>
+                    <a:bodyPr/>
+                    <a:lstStyle/>
+                    <a:p>
+                      <a:r>
+                        <a:rPr lang="es-AR"/>
+                        <a:t>Rápido (solo modificar listas)</a:t>
+                      </a:r>
+                    </a:p>
+                  </a:txBody>
+                  <a:tcPr anchor="ctr">
+                    <a:lnL w="12700" cap="flat" cmpd="sng" algn="ctr">
+                      <a:solidFill>
+                        <a:schemeClr val="tx1"/>
+                      </a:solidFill>
+                      <a:prstDash val="solid"/>
+                      <a:round/>
+                      <a:headEnd type="none" w="med" len="med"/>
+                      <a:tailEnd type="none" w="med" len="med"/>
+                    </a:lnL>
+                    <a:lnR w="12700" cap="flat" cmpd="sng" algn="ctr">
+                      <a:solidFill>
+                        <a:schemeClr val="tx1"/>
+                      </a:solidFill>
+                      <a:prstDash val="solid"/>
+                      <a:round/>
+                      <a:headEnd type="none" w="med" len="med"/>
+                      <a:tailEnd type="none" w="med" len="med"/>
+                    </a:lnR>
+                    <a:lnT w="12700" cap="flat" cmpd="sng" algn="ctr">
+                      <a:solidFill>
+                        <a:schemeClr val="tx1"/>
+                      </a:solidFill>
+                      <a:prstDash val="solid"/>
+                      <a:round/>
+                      <a:headEnd type="none" w="med" len="med"/>
+                      <a:tailEnd type="none" w="med" len="med"/>
+                    </a:lnT>
+                    <a:lnB w="12700" cap="flat" cmpd="sng" algn="ctr">
+                      <a:solidFill>
+                        <a:schemeClr val="tx1"/>
+                      </a:solidFill>
+                      <a:prstDash val="solid"/>
+                      <a:round/>
+                      <a:headEnd type="none" w="med" len="med"/>
+                      <a:tailEnd type="none" w="med" len="med"/>
+                    </a:lnB>
+                    <a:noFill/>
+                  </a:tcPr>
+                </a:tc>
+                <a:tc>
+                  <a:txBody>
+                    <a:bodyPr/>
+                    <a:lstStyle/>
+                    <a:p>
+                      <a:r>
+                        <a:rPr lang="es-AR" dirty="0"/>
+                        <a:t>Puede ser costoso (modificar matriz entera)</a:t>
+                      </a:r>
+                    </a:p>
+                  </a:txBody>
+                  <a:tcPr anchor="ctr">
+                    <a:lnL w="12700" cap="flat" cmpd="sng" algn="ctr">
+                      <a:solidFill>
+                        <a:schemeClr val="tx1"/>
+                      </a:solidFill>
+                      <a:prstDash val="solid"/>
+                      <a:round/>
+                      <a:headEnd type="none" w="med" len="med"/>
+                      <a:tailEnd type="none" w="med" len="med"/>
+                    </a:lnL>
+                    <a:lnR w="12700" cap="flat" cmpd="sng" algn="ctr">
+                      <a:solidFill>
+                        <a:schemeClr val="tx1"/>
+                      </a:solidFill>
+                      <a:prstDash val="solid"/>
+                      <a:round/>
+                      <a:headEnd type="none" w="med" len="med"/>
+                      <a:tailEnd type="none" w="med" len="med"/>
+                    </a:lnR>
+                    <a:lnT w="12700" cap="flat" cmpd="sng" algn="ctr">
+                      <a:solidFill>
+                        <a:schemeClr val="tx1"/>
+                      </a:solidFill>
+                      <a:prstDash val="solid"/>
+                      <a:round/>
+                      <a:headEnd type="none" w="med" len="med"/>
+                      <a:tailEnd type="none" w="med" len="med"/>
+                    </a:lnT>
+                    <a:lnB w="12700" cap="flat" cmpd="sng" algn="ctr">
+                      <a:solidFill>
+                        <a:schemeClr val="tx1"/>
+                      </a:solidFill>
+                      <a:prstDash val="solid"/>
+                      <a:round/>
+                      <a:headEnd type="none" w="med" len="med"/>
+                      <a:tailEnd type="none" w="med" len="med"/>
+                    </a:lnB>
+                    <a:noFill/>
+                  </a:tcPr>
+                </a:tc>
+                <a:extLst>
+                  <a:ext uri="{0D108BD9-81ED-4DB2-BD59-A6C34878D82A}">
+                    <a16:rowId xmlns:a16="http://schemas.microsoft.com/office/drawing/2014/main" val="1825790058"/>
+                  </a:ext>
+                </a:extLst>
+              </a:tr>
+            </a:tbl>
+          </a:graphicData>
+        </a:graphic>
+      </p:graphicFrame>
+    </p:spTree>
+    <p:extLst>
+      <p:ext uri="{BB962C8B-B14F-4D97-AF65-F5344CB8AC3E}">
+        <p14:creationId xmlns:p14="http://schemas.microsoft.com/office/powerpoint/2010/main" val="1737234686"/>
+      </p:ext>
+    </p:extLst>
+  </p:cSld>
+  <p:clrMapOvr>
+    <a:masterClrMapping/>
+  </p:clrMapOvr>
+</p:sld>
+</file>
+
 <file path=ppt/slides/slide2.xml><?xml version="1.0" encoding="utf-8"?>
 <p:sld xmlns:a="http://schemas.openxmlformats.org/drawingml/2006/main" xmlns:r="http://schemas.openxmlformats.org/officeDocument/2006/relationships" xmlns:p="http://schemas.openxmlformats.org/presentationml/2006/main">
   <p:cSld>
@@ -29225,7 +30920,7 @@
               <a:buSzPts val="2285"/>
               <a:buNone/>
             </a:pPr>
-            <a:endParaRPr sz="2205"/>
+            <a:endParaRPr sz="2205" dirty="0"/>
           </a:p>
           <a:p>
             <a:pPr marL="457200" marR="0" lvl="0" indent="-368300" algn="l" rtl="0">
@@ -29306,38 +31001,6 @@
               <a:t>Recorridos básicos de grafos (BFS y DFS)</a:t>
             </a:r>
             <a:endParaRPr sz="2500" dirty="0"/>
-          </a:p>
-          <a:p>
-            <a:pPr marR="0" indent="-379095" algn="l">
-              <a:lnSpc>
-                <a:spcPct val="115000"/>
-              </a:lnSpc>
-              <a:spcBef>
-                <a:spcPts val="0"/>
-              </a:spcBef>
-              <a:buSzPts val="2370"/>
-              <a:buChar char="★"/>
-            </a:pPr>
-            <a:r>
-              <a:rPr lang="es-ES" sz="2500"/>
-              <a:t>Análisis de la complejidad algorítmica</a:t>
-            </a:r>
-          </a:p>
-          <a:p>
-            <a:pPr marR="0" indent="-387350" algn="l">
-              <a:lnSpc>
-                <a:spcPct val="114999"/>
-              </a:lnSpc>
-              <a:spcBef>
-                <a:spcPts val="0"/>
-              </a:spcBef>
-              <a:buSzPts val="2500"/>
-              <a:buChar char="★"/>
-            </a:pPr>
-            <a:r>
-              <a:rPr lang="es-ES" sz="2500"/>
-              <a:t>BigO notation &amp; ejercicios explicativos</a:t>
-            </a:r>
           </a:p>
         </p:txBody>
       </p:sp>
@@ -32846,7 +34509,7 @@
   <p:cSld>
     <p:spTree>
       <p:nvGrpSpPr>
-        <p:cNvPr id="1" name="Shape 189"/>
+        <p:cNvPr id="1" name="Shape 196"/>
         <p:cNvGrpSpPr/>
         <p:nvPr/>
       </p:nvGrpSpPr>
@@ -32860,7 +34523,7 @@
       </p:grpSpPr>
       <p:sp>
         <p:nvSpPr>
-          <p:cNvPr id="190" name="Google Shape;190;g87d0b50373_4_355"/>
+          <p:cNvPr id="197" name="Google Shape;197;g87d0b50373_4_27"/>
           <p:cNvSpPr txBox="1">
             <a:spLocks noGrp="1"/>
           </p:cNvSpPr>
@@ -32870,8 +34533,8 @@
         </p:nvSpPr>
         <p:spPr>
           <a:xfrm>
-            <a:off x="457200" y="704099"/>
-            <a:ext cx="8229600" cy="1045500"/>
+            <a:off x="457200" y="704088"/>
+            <a:ext cx="8229600" cy="1143000"/>
           </a:xfrm>
           <a:prstGeom prst="rect">
             <a:avLst/>
@@ -32905,43 +34568,16 @@
               <a:buNone/>
             </a:pPr>
             <a:r>
-              <a:rPr lang="es-ES" sz="4000"/>
-              <a:t>Aclaraciones</a:t>
+              <a:rPr lang="es-ES"/>
+              <a:t>Grafos Dirigidos</a:t>
             </a:r>
-            <a:endParaRPr sz="4000"/>
+            <a:endParaRPr/>
           </a:p>
         </p:txBody>
       </p:sp>
-      <p:pic>
-        <p:nvPicPr>
-          <p:cNvPr id="191" name="Google Shape;191;g87d0b50373_4_355"/>
-          <p:cNvPicPr preferRelativeResize="0"/>
-          <p:nvPr/>
-        </p:nvPicPr>
-        <p:blipFill rotWithShape="1">
-          <a:blip r:embed="rId3">
-            <a:alphaModFix/>
-          </a:blip>
-          <a:srcRect/>
-          <a:stretch/>
-        </p:blipFill>
-        <p:spPr>
-          <a:xfrm>
-            <a:off x="3571350" y="1749600"/>
-            <a:ext cx="5115451" cy="5115451"/>
-          </a:xfrm>
-          <a:prstGeom prst="rect">
-            <a:avLst/>
-          </a:prstGeom>
-          <a:noFill/>
-          <a:ln>
-            <a:noFill/>
-          </a:ln>
-        </p:spPr>
-      </p:pic>
       <p:sp>
         <p:nvSpPr>
-          <p:cNvPr id="192" name="Google Shape;192;g87d0b50373_4_355"/>
+          <p:cNvPr id="198" name="Google Shape;198;g87d0b50373_4_27"/>
           <p:cNvSpPr txBox="1">
             <a:spLocks noGrp="1"/>
           </p:cNvSpPr>
@@ -32951,8 +34587,8 @@
         </p:nvSpPr>
         <p:spPr>
           <a:xfrm>
-            <a:off x="457200" y="1923900"/>
-            <a:ext cx="3114000" cy="4818000"/>
+            <a:off x="457200" y="1935480"/>
+            <a:ext cx="8229600" cy="4389000"/>
           </a:xfrm>
           <a:prstGeom prst="rect">
             <a:avLst/>
@@ -32968,108 +34604,1093 @@
           </a:bodyPr>
           <a:lstStyle/>
           <a:p>
-            <a:pPr marL="0" marR="0" lvl="0" indent="0" algn="l" rtl="0">
-              <a:lnSpc>
-                <a:spcPct val="100000"/>
-              </a:lnSpc>
-              <a:spcBef>
-                <a:spcPts val="1800"/>
-              </a:spcBef>
-              <a:spcAft>
-                <a:spcPts val="0"/>
-              </a:spcAft>
-              <a:buSzPts val="1710"/>
-              <a:buNone/>
+            <a:pPr marL="274320" lvl="0" indent="-261620" algn="just" rtl="0">
+              <a:lnSpc>
+                <a:spcPct val="100000"/>
+              </a:lnSpc>
+              <a:spcBef>
+                <a:spcPts val="481"/>
+              </a:spcBef>
+              <a:spcAft>
+                <a:spcPts val="0"/>
+              </a:spcAft>
+              <a:buSzPts val="2080"/>
+              <a:buChar char="⚫"/>
             </a:pPr>
             <a:r>
-              <a:rPr lang="es-ES" sz="1800"/>
-              <a:t>Andrew</a:t>
+              <a:rPr lang="es-ES" sz="2205" i="1"/>
+              <a:t>Un </a:t>
             </a:r>
             <a:r>
-              <a:rPr lang="es-ES" sz="1800">
-                <a:solidFill>
-                  <a:srgbClr val="555555"/>
-                </a:solidFill>
-                <a:highlight>
-                  <a:srgbClr val="FFFFFF"/>
-                </a:highlight>
-                <a:latin typeface="Roboto"/>
-                <a:ea typeface="Roboto"/>
-                <a:cs typeface="Roboto"/>
-                <a:sym typeface="Roboto"/>
-              </a:rPr>
-              <a:t> </a:t>
+              <a:rPr lang="es-ES" sz="2205" b="1" i="1"/>
+              <a:t>Grafo Dirigido es un tipo especial de grafo, </a:t>
             </a:r>
             <a:r>
-              <a:rPr lang="es-ES" sz="1800"/>
-              <a:t>J. Beveridge y Jis Shan crearon una red social para determinar, con ciencia exacta, quién es el líder real en la historia.</a:t>
+              <a:rPr lang="es-ES" sz="2205" i="1"/>
+              <a:t>este G</a:t>
             </a:r>
-            <a:br>
-              <a:rPr lang="es-ES" sz="1800"/>
-            </a:br>
             <a:r>
-              <a:rPr lang="es-ES" sz="1800"/>
-              <a:t>El tamaño de cada punto corresponde al nivel de conexiones que el personaje tiene con otros individuos relevantes. El grosor de la línea muestra qué tan frecuente es la interacción entre ellos.</a:t>
+              <a:rPr lang="es-ES" sz="2205"/>
+              <a:t> es un par (V, E), donde V es un conjunto finito, no vacío y E es una relación binaria en V, es decir, un conjunto de pares </a:t>
             </a:r>
-            <a:endParaRPr sz="1800"/>
+            <a:r>
+              <a:rPr lang="es-ES" sz="2205" b="1"/>
+              <a:t>ordenados </a:t>
+            </a:r>
+            <a:r>
+              <a:rPr lang="es-ES" sz="2205"/>
+              <a:t>de elementos de V. </a:t>
+            </a:r>
+            <a:endParaRPr sz="2205"/>
           </a:p>
           <a:p>
-            <a:pPr marL="0" lvl="1" indent="0" algn="just" rtl="0">
-              <a:lnSpc>
-                <a:spcPct val="110000"/>
-              </a:lnSpc>
-              <a:spcBef>
-                <a:spcPts val="400"/>
-              </a:spcBef>
-              <a:spcAft>
-                <a:spcPts val="0"/>
-              </a:spcAft>
-              <a:buSzPts val="1700"/>
-              <a:buNone/>
+            <a:pPr marL="914400" lvl="0" indent="-368617" algn="just" rtl="0">
+              <a:lnSpc>
+                <a:spcPct val="100000"/>
+              </a:lnSpc>
+              <a:spcBef>
+                <a:spcPts val="0"/>
+              </a:spcBef>
+              <a:spcAft>
+                <a:spcPts val="0"/>
+              </a:spcAft>
+              <a:buClr>
+                <a:srgbClr val="4A86E8"/>
+              </a:buClr>
+              <a:buSzPts val="2205"/>
+              <a:buChar char="❏"/>
             </a:pPr>
-            <a:endParaRPr sz="1800"/>
-          </a:p>
-          <a:p>
-            <a:pPr marL="0" lvl="1" indent="0" algn="just" rtl="0">
-              <a:lnSpc>
-                <a:spcPct val="110000"/>
-              </a:lnSpc>
-              <a:spcBef>
-                <a:spcPts val="0"/>
-              </a:spcBef>
-              <a:spcAft>
-                <a:spcPts val="0"/>
-              </a:spcAft>
-              <a:buSzPts val="1700"/>
-              <a:buNone/>
-            </a:pPr>
-            <a:br>
-              <a:rPr lang="es-ES" sz="1800"/>
-            </a:br>
             <a:r>
-              <a:rPr lang="es-ES" sz="1100" u="sng">
-                <a:solidFill>
-                  <a:srgbClr val="4A86E8"/>
-                </a:solidFill>
-                <a:hlinkClick r:id="rId4">
-                  <a:extLst>
-                    <a:ext uri="{A12FA001-AC4F-418D-AE19-62706E023703}">
-                      <ahyp:hlinkClr xmlns:ahyp="http://schemas.microsoft.com/office/drawing/2018/hyperlinkcolor" val="tx"/>
-                    </a:ext>
-                  </a:extLst>
-                </a:hlinkClick>
-              </a:rPr>
-              <a:t>https://networkofthrones.wordpress.com/</a:t>
+              <a:rPr lang="es-ES" sz="2205"/>
+              <a:t>Nos interesa la dirección (el sentido) de sus Aristas.</a:t>
             </a:r>
-            <a:endParaRPr/>
+            <a:endParaRPr sz="2205" i="1"/>
           </a:p>
         </p:txBody>
       </p:sp>
+      <p:sp>
+        <p:nvSpPr>
+          <p:cNvPr id="199" name="Google Shape;199;g87d0b50373_4_27"/>
+          <p:cNvSpPr/>
+          <p:nvPr/>
+        </p:nvSpPr>
+        <p:spPr>
+          <a:xfrm>
+            <a:off x="6111625" y="4996075"/>
+            <a:ext cx="492300" cy="564600"/>
+          </a:xfrm>
+          <a:prstGeom prst="ellipse">
+            <a:avLst/>
+          </a:prstGeom>
+          <a:solidFill>
+            <a:srgbClr val="6D9EEB"/>
+          </a:solidFill>
+          <a:ln w="9525" cap="flat" cmpd="sng">
+            <a:solidFill>
+              <a:schemeClr val="dk2"/>
+            </a:solidFill>
+            <a:prstDash val="solid"/>
+            <a:round/>
+            <a:headEnd type="none" w="sm" len="sm"/>
+            <a:tailEnd type="none" w="sm" len="sm"/>
+          </a:ln>
+        </p:spPr>
+        <p:txBody>
+          <a:bodyPr spcFirstLastPara="1" wrap="square" lIns="91425" tIns="91425" rIns="91425" bIns="91425" anchor="ctr" anchorCtr="0">
+            <a:noAutofit/>
+          </a:bodyPr>
+          <a:lstStyle/>
+          <a:p>
+            <a:pPr marL="0" marR="0" lvl="0" indent="0" algn="l" rtl="0">
+              <a:lnSpc>
+                <a:spcPct val="100000"/>
+              </a:lnSpc>
+              <a:spcBef>
+                <a:spcPts val="0"/>
+              </a:spcBef>
+              <a:spcAft>
+                <a:spcPts val="0"/>
+              </a:spcAft>
+              <a:buClr>
+                <a:srgbClr val="000000"/>
+              </a:buClr>
+              <a:buSzPts val="1400"/>
+              <a:buFont typeface="Arial"/>
+              <a:buNone/>
+            </a:pPr>
+            <a:r>
+              <a:rPr lang="es-ES" sz="1400" b="0" i="0" u="none" strike="noStrike" cap="none">
+                <a:solidFill>
+                  <a:srgbClr val="000000"/>
+                </a:solidFill>
+                <a:latin typeface="Arial"/>
+                <a:ea typeface="Arial"/>
+                <a:cs typeface="Arial"/>
+                <a:sym typeface="Arial"/>
+              </a:rPr>
+              <a:t>B</a:t>
+            </a:r>
+            <a:endParaRPr sz="1400" b="0" i="0" u="none" strike="noStrike" cap="none">
+              <a:solidFill>
+                <a:srgbClr val="000000"/>
+              </a:solidFill>
+              <a:latin typeface="Arial"/>
+              <a:ea typeface="Arial"/>
+              <a:cs typeface="Arial"/>
+              <a:sym typeface="Arial"/>
+            </a:endParaRPr>
+          </a:p>
+        </p:txBody>
+      </p:sp>
+      <p:sp>
+        <p:nvSpPr>
+          <p:cNvPr id="200" name="Google Shape;200;g87d0b50373_4_27"/>
+          <p:cNvSpPr/>
+          <p:nvPr/>
+        </p:nvSpPr>
+        <p:spPr>
+          <a:xfrm>
+            <a:off x="7664450" y="4431475"/>
+            <a:ext cx="492300" cy="564600"/>
+          </a:xfrm>
+          <a:prstGeom prst="ellipse">
+            <a:avLst/>
+          </a:prstGeom>
+          <a:solidFill>
+            <a:srgbClr val="6D9EEB"/>
+          </a:solidFill>
+          <a:ln w="9525" cap="flat" cmpd="sng">
+            <a:solidFill>
+              <a:schemeClr val="dk2"/>
+            </a:solidFill>
+            <a:prstDash val="solid"/>
+            <a:round/>
+            <a:headEnd type="none" w="sm" len="sm"/>
+            <a:tailEnd type="none" w="sm" len="sm"/>
+          </a:ln>
+        </p:spPr>
+        <p:txBody>
+          <a:bodyPr spcFirstLastPara="1" wrap="square" lIns="91425" tIns="91425" rIns="91425" bIns="91425" anchor="ctr" anchorCtr="0">
+            <a:noAutofit/>
+          </a:bodyPr>
+          <a:lstStyle/>
+          <a:p>
+            <a:pPr marL="0" marR="0" lvl="0" indent="0" algn="l" rtl="0">
+              <a:lnSpc>
+                <a:spcPct val="100000"/>
+              </a:lnSpc>
+              <a:spcBef>
+                <a:spcPts val="0"/>
+              </a:spcBef>
+              <a:spcAft>
+                <a:spcPts val="0"/>
+              </a:spcAft>
+              <a:buClr>
+                <a:srgbClr val="000000"/>
+              </a:buClr>
+              <a:buSzPts val="1400"/>
+              <a:buFont typeface="Arial"/>
+              <a:buNone/>
+            </a:pPr>
+            <a:r>
+              <a:rPr lang="es-ES" sz="1400" b="0" i="0" u="none" strike="noStrike" cap="none">
+                <a:solidFill>
+                  <a:srgbClr val="000000"/>
+                </a:solidFill>
+                <a:latin typeface="Arial"/>
+                <a:ea typeface="Arial"/>
+                <a:cs typeface="Arial"/>
+                <a:sym typeface="Arial"/>
+              </a:rPr>
+              <a:t>C</a:t>
+            </a:r>
+            <a:endParaRPr sz="1400" b="0" i="0" u="none" strike="noStrike" cap="none">
+              <a:solidFill>
+                <a:srgbClr val="000000"/>
+              </a:solidFill>
+              <a:latin typeface="Arial"/>
+              <a:ea typeface="Arial"/>
+              <a:cs typeface="Arial"/>
+              <a:sym typeface="Arial"/>
+            </a:endParaRPr>
+          </a:p>
+        </p:txBody>
+      </p:sp>
+      <p:sp>
+        <p:nvSpPr>
+          <p:cNvPr id="201" name="Google Shape;201;g87d0b50373_4_27"/>
+          <p:cNvSpPr/>
+          <p:nvPr/>
+        </p:nvSpPr>
+        <p:spPr>
+          <a:xfrm>
+            <a:off x="7172150" y="5801275"/>
+            <a:ext cx="492300" cy="564600"/>
+          </a:xfrm>
+          <a:prstGeom prst="ellipse">
+            <a:avLst/>
+          </a:prstGeom>
+          <a:solidFill>
+            <a:srgbClr val="6D9EEB"/>
+          </a:solidFill>
+          <a:ln w="9525" cap="flat" cmpd="sng">
+            <a:solidFill>
+              <a:schemeClr val="dk2"/>
+            </a:solidFill>
+            <a:prstDash val="solid"/>
+            <a:round/>
+            <a:headEnd type="none" w="sm" len="sm"/>
+            <a:tailEnd type="none" w="sm" len="sm"/>
+          </a:ln>
+        </p:spPr>
+        <p:txBody>
+          <a:bodyPr spcFirstLastPara="1" wrap="square" lIns="91425" tIns="91425" rIns="91425" bIns="91425" anchor="ctr" anchorCtr="0">
+            <a:noAutofit/>
+          </a:bodyPr>
+          <a:lstStyle/>
+          <a:p>
+            <a:pPr marL="0" marR="0" lvl="0" indent="0" algn="l" rtl="0">
+              <a:lnSpc>
+                <a:spcPct val="100000"/>
+              </a:lnSpc>
+              <a:spcBef>
+                <a:spcPts val="0"/>
+              </a:spcBef>
+              <a:spcAft>
+                <a:spcPts val="0"/>
+              </a:spcAft>
+              <a:buClr>
+                <a:srgbClr val="000000"/>
+              </a:buClr>
+              <a:buSzPts val="1400"/>
+              <a:buFont typeface="Arial"/>
+              <a:buNone/>
+            </a:pPr>
+            <a:r>
+              <a:rPr lang="es-ES" sz="1400" b="0" i="0" u="none" strike="noStrike" cap="none">
+                <a:solidFill>
+                  <a:srgbClr val="000000"/>
+                </a:solidFill>
+                <a:latin typeface="Arial"/>
+                <a:ea typeface="Arial"/>
+                <a:cs typeface="Arial"/>
+                <a:sym typeface="Arial"/>
+              </a:rPr>
+              <a:t>A</a:t>
+            </a:r>
+            <a:endParaRPr sz="1400" b="0" i="0" u="none" strike="noStrike" cap="none">
+              <a:solidFill>
+                <a:srgbClr val="000000"/>
+              </a:solidFill>
+              <a:latin typeface="Arial"/>
+              <a:ea typeface="Arial"/>
+              <a:cs typeface="Arial"/>
+              <a:sym typeface="Arial"/>
+            </a:endParaRPr>
+          </a:p>
+        </p:txBody>
+      </p:sp>
+      <p:cxnSp>
+        <p:nvCxnSpPr>
+          <p:cNvPr id="202" name="Google Shape;202;g87d0b50373_4_27"/>
+          <p:cNvCxnSpPr>
+            <a:stCxn id="199" idx="6"/>
+            <a:endCxn id="200" idx="3"/>
+          </p:cNvCxnSpPr>
+          <p:nvPr/>
+        </p:nvCxnSpPr>
+        <p:spPr>
+          <a:xfrm rot="10800000" flipH="1">
+            <a:off x="6603925" y="4913275"/>
+            <a:ext cx="1132500" cy="365100"/>
+          </a:xfrm>
+          <a:prstGeom prst="straightConnector1">
+            <a:avLst/>
+          </a:prstGeom>
+          <a:noFill/>
+          <a:ln w="9525" cap="flat" cmpd="sng">
+            <a:solidFill>
+              <a:schemeClr val="dk2"/>
+            </a:solidFill>
+            <a:prstDash val="solid"/>
+            <a:round/>
+            <a:headEnd type="none" w="sm" len="sm"/>
+            <a:tailEnd type="triangle" w="med" len="med"/>
+          </a:ln>
+        </p:spPr>
+      </p:cxnSp>
+      <p:cxnSp>
+        <p:nvCxnSpPr>
+          <p:cNvPr id="203" name="Google Shape;203;g87d0b50373_4_27"/>
+          <p:cNvCxnSpPr>
+            <a:stCxn id="201" idx="1"/>
+            <a:endCxn id="199" idx="5"/>
+          </p:cNvCxnSpPr>
+          <p:nvPr/>
+        </p:nvCxnSpPr>
+        <p:spPr>
+          <a:xfrm rot="10800000">
+            <a:off x="6531746" y="5478059"/>
+            <a:ext cx="712500" cy="405900"/>
+          </a:xfrm>
+          <a:prstGeom prst="straightConnector1">
+            <a:avLst/>
+          </a:prstGeom>
+          <a:noFill/>
+          <a:ln w="9525" cap="flat" cmpd="sng">
+            <a:solidFill>
+              <a:schemeClr val="dk2"/>
+            </a:solidFill>
+            <a:prstDash val="solid"/>
+            <a:round/>
+            <a:headEnd type="none" w="sm" len="sm"/>
+            <a:tailEnd type="triangle" w="med" len="med"/>
+          </a:ln>
+        </p:spPr>
+      </p:cxnSp>
+      <p:cxnSp>
+        <p:nvCxnSpPr>
+          <p:cNvPr id="204" name="Google Shape;204;g87d0b50373_4_27"/>
+          <p:cNvCxnSpPr>
+            <a:stCxn id="200" idx="4"/>
+            <a:endCxn id="201" idx="7"/>
+          </p:cNvCxnSpPr>
+          <p:nvPr/>
+        </p:nvCxnSpPr>
+        <p:spPr>
+          <a:xfrm flipH="1">
+            <a:off x="7592300" y="4996075"/>
+            <a:ext cx="318300" cy="888000"/>
+          </a:xfrm>
+          <a:prstGeom prst="straightConnector1">
+            <a:avLst/>
+          </a:prstGeom>
+          <a:noFill/>
+          <a:ln w="9525" cap="flat" cmpd="sng">
+            <a:solidFill>
+              <a:schemeClr val="dk2"/>
+            </a:solidFill>
+            <a:prstDash val="solid"/>
+            <a:round/>
+            <a:headEnd type="none" w="sm" len="sm"/>
+            <a:tailEnd type="triangle" w="med" len="med"/>
+          </a:ln>
+        </p:spPr>
+      </p:cxnSp>
+      <p:sp>
+        <p:nvSpPr>
+          <p:cNvPr id="205" name="Google Shape;205;g87d0b50373_4_27"/>
+          <p:cNvSpPr/>
+          <p:nvPr/>
+        </p:nvSpPr>
+        <p:spPr>
+          <a:xfrm>
+            <a:off x="1241400" y="4996038"/>
+            <a:ext cx="492300" cy="564600"/>
+          </a:xfrm>
+          <a:prstGeom prst="ellipse">
+            <a:avLst/>
+          </a:prstGeom>
+          <a:solidFill>
+            <a:srgbClr val="6D9EEB"/>
+          </a:solidFill>
+          <a:ln w="9525" cap="flat" cmpd="sng">
+            <a:solidFill>
+              <a:schemeClr val="dk2"/>
+            </a:solidFill>
+            <a:prstDash val="solid"/>
+            <a:round/>
+            <a:headEnd type="none" w="sm" len="sm"/>
+            <a:tailEnd type="none" w="sm" len="sm"/>
+          </a:ln>
+        </p:spPr>
+        <p:txBody>
+          <a:bodyPr spcFirstLastPara="1" wrap="square" lIns="91425" tIns="91425" rIns="91425" bIns="91425" anchor="ctr" anchorCtr="0">
+            <a:noAutofit/>
+          </a:bodyPr>
+          <a:lstStyle/>
+          <a:p>
+            <a:pPr marL="0" marR="0" lvl="0" indent="0" algn="l" rtl="0">
+              <a:lnSpc>
+                <a:spcPct val="100000"/>
+              </a:lnSpc>
+              <a:spcBef>
+                <a:spcPts val="0"/>
+              </a:spcBef>
+              <a:spcAft>
+                <a:spcPts val="0"/>
+              </a:spcAft>
+              <a:buClr>
+                <a:srgbClr val="000000"/>
+              </a:buClr>
+              <a:buSzPts val="1400"/>
+              <a:buFont typeface="Arial"/>
+              <a:buNone/>
+            </a:pPr>
+            <a:r>
+              <a:rPr lang="es-ES" sz="1400" b="0" i="0" u="none" strike="noStrike" cap="none">
+                <a:solidFill>
+                  <a:srgbClr val="000000"/>
+                </a:solidFill>
+                <a:latin typeface="Arial"/>
+                <a:ea typeface="Arial"/>
+                <a:cs typeface="Arial"/>
+                <a:sym typeface="Arial"/>
+              </a:rPr>
+              <a:t>A</a:t>
+            </a:r>
+            <a:endParaRPr sz="1400" b="0" i="0" u="none" strike="noStrike" cap="none">
+              <a:solidFill>
+                <a:srgbClr val="000000"/>
+              </a:solidFill>
+              <a:latin typeface="Arial"/>
+              <a:ea typeface="Arial"/>
+              <a:cs typeface="Arial"/>
+              <a:sym typeface="Arial"/>
+            </a:endParaRPr>
+          </a:p>
+        </p:txBody>
+      </p:sp>
+      <p:sp>
+        <p:nvSpPr>
+          <p:cNvPr id="206" name="Google Shape;206;g87d0b50373_4_27"/>
+          <p:cNvSpPr/>
+          <p:nvPr/>
+        </p:nvSpPr>
+        <p:spPr>
+          <a:xfrm>
+            <a:off x="2418275" y="4042525"/>
+            <a:ext cx="492300" cy="564600"/>
+          </a:xfrm>
+          <a:prstGeom prst="ellipse">
+            <a:avLst/>
+          </a:prstGeom>
+          <a:solidFill>
+            <a:srgbClr val="6D9EEB"/>
+          </a:solidFill>
+          <a:ln w="9525" cap="flat" cmpd="sng">
+            <a:solidFill>
+              <a:schemeClr val="dk2"/>
+            </a:solidFill>
+            <a:prstDash val="solid"/>
+            <a:round/>
+            <a:headEnd type="none" w="sm" len="sm"/>
+            <a:tailEnd type="none" w="sm" len="sm"/>
+          </a:ln>
+        </p:spPr>
+        <p:txBody>
+          <a:bodyPr spcFirstLastPara="1" wrap="square" lIns="91425" tIns="91425" rIns="91425" bIns="91425" anchor="ctr" anchorCtr="0">
+            <a:noAutofit/>
+          </a:bodyPr>
+          <a:lstStyle/>
+          <a:p>
+            <a:pPr marL="0" marR="0" lvl="0" indent="0" algn="l" rtl="0">
+              <a:lnSpc>
+                <a:spcPct val="100000"/>
+              </a:lnSpc>
+              <a:spcBef>
+                <a:spcPts val="0"/>
+              </a:spcBef>
+              <a:spcAft>
+                <a:spcPts val="0"/>
+              </a:spcAft>
+              <a:buClr>
+                <a:srgbClr val="000000"/>
+              </a:buClr>
+              <a:buSzPts val="1400"/>
+              <a:buFont typeface="Arial"/>
+              <a:buNone/>
+            </a:pPr>
+            <a:r>
+              <a:rPr lang="es-ES" sz="1400" b="0" i="0" u="none" strike="noStrike" cap="none">
+                <a:solidFill>
+                  <a:srgbClr val="000000"/>
+                </a:solidFill>
+                <a:latin typeface="Arial"/>
+                <a:ea typeface="Arial"/>
+                <a:cs typeface="Arial"/>
+                <a:sym typeface="Arial"/>
+              </a:rPr>
+              <a:t>B</a:t>
+            </a:r>
+            <a:endParaRPr sz="1400" b="0" i="0" u="none" strike="noStrike" cap="none">
+              <a:solidFill>
+                <a:srgbClr val="000000"/>
+              </a:solidFill>
+              <a:latin typeface="Arial"/>
+              <a:ea typeface="Arial"/>
+              <a:cs typeface="Arial"/>
+              <a:sym typeface="Arial"/>
+            </a:endParaRPr>
+          </a:p>
+        </p:txBody>
+      </p:sp>
+      <p:sp>
+        <p:nvSpPr>
+          <p:cNvPr id="207" name="Google Shape;207;g87d0b50373_4_27"/>
+          <p:cNvSpPr/>
+          <p:nvPr/>
+        </p:nvSpPr>
+        <p:spPr>
+          <a:xfrm>
+            <a:off x="4079700" y="6053513"/>
+            <a:ext cx="492300" cy="564600"/>
+          </a:xfrm>
+          <a:prstGeom prst="ellipse">
+            <a:avLst/>
+          </a:prstGeom>
+          <a:solidFill>
+            <a:srgbClr val="6D9EEB"/>
+          </a:solidFill>
+          <a:ln w="9525" cap="flat" cmpd="sng">
+            <a:solidFill>
+              <a:schemeClr val="dk2"/>
+            </a:solidFill>
+            <a:prstDash val="solid"/>
+            <a:round/>
+            <a:headEnd type="none" w="sm" len="sm"/>
+            <a:tailEnd type="none" w="sm" len="sm"/>
+          </a:ln>
+        </p:spPr>
+        <p:txBody>
+          <a:bodyPr spcFirstLastPara="1" wrap="square" lIns="91425" tIns="91425" rIns="91425" bIns="91425" anchor="ctr" anchorCtr="0">
+            <a:noAutofit/>
+          </a:bodyPr>
+          <a:lstStyle/>
+          <a:p>
+            <a:pPr marL="0" marR="0" lvl="0" indent="0" algn="l" rtl="0">
+              <a:lnSpc>
+                <a:spcPct val="100000"/>
+              </a:lnSpc>
+              <a:spcBef>
+                <a:spcPts val="0"/>
+              </a:spcBef>
+              <a:spcAft>
+                <a:spcPts val="0"/>
+              </a:spcAft>
+              <a:buClr>
+                <a:srgbClr val="000000"/>
+              </a:buClr>
+              <a:buSzPts val="1400"/>
+              <a:buFont typeface="Arial"/>
+              <a:buNone/>
+            </a:pPr>
+            <a:r>
+              <a:rPr lang="es-ES" sz="1400" b="0" i="0" u="none" strike="noStrike" cap="none">
+                <a:solidFill>
+                  <a:srgbClr val="000000"/>
+                </a:solidFill>
+                <a:latin typeface="Arial"/>
+                <a:ea typeface="Arial"/>
+                <a:cs typeface="Arial"/>
+                <a:sym typeface="Arial"/>
+              </a:rPr>
+              <a:t>D</a:t>
+            </a:r>
+            <a:endParaRPr sz="1400" b="0" i="0" u="none" strike="noStrike" cap="none">
+              <a:solidFill>
+                <a:srgbClr val="000000"/>
+              </a:solidFill>
+              <a:latin typeface="Arial"/>
+              <a:ea typeface="Arial"/>
+              <a:cs typeface="Arial"/>
+              <a:sym typeface="Arial"/>
+            </a:endParaRPr>
+          </a:p>
+        </p:txBody>
+      </p:sp>
+      <p:sp>
+        <p:nvSpPr>
+          <p:cNvPr id="208" name="Google Shape;208;g87d0b50373_4_27"/>
+          <p:cNvSpPr/>
+          <p:nvPr/>
+        </p:nvSpPr>
+        <p:spPr>
+          <a:xfrm>
+            <a:off x="2418275" y="6053538"/>
+            <a:ext cx="492300" cy="564600"/>
+          </a:xfrm>
+          <a:prstGeom prst="ellipse">
+            <a:avLst/>
+          </a:prstGeom>
+          <a:solidFill>
+            <a:srgbClr val="6D9EEB"/>
+          </a:solidFill>
+          <a:ln w="9525" cap="flat" cmpd="sng">
+            <a:solidFill>
+              <a:schemeClr val="dk2"/>
+            </a:solidFill>
+            <a:prstDash val="solid"/>
+            <a:round/>
+            <a:headEnd type="none" w="sm" len="sm"/>
+            <a:tailEnd type="none" w="sm" len="sm"/>
+          </a:ln>
+        </p:spPr>
+        <p:txBody>
+          <a:bodyPr spcFirstLastPara="1" wrap="square" lIns="91425" tIns="91425" rIns="91425" bIns="91425" anchor="ctr" anchorCtr="0">
+            <a:noAutofit/>
+          </a:bodyPr>
+          <a:lstStyle/>
+          <a:p>
+            <a:pPr marL="0" marR="0" lvl="0" indent="0" algn="l" rtl="0">
+              <a:lnSpc>
+                <a:spcPct val="100000"/>
+              </a:lnSpc>
+              <a:spcBef>
+                <a:spcPts val="0"/>
+              </a:spcBef>
+              <a:spcAft>
+                <a:spcPts val="0"/>
+              </a:spcAft>
+              <a:buClr>
+                <a:srgbClr val="000000"/>
+              </a:buClr>
+              <a:buSzPts val="1400"/>
+              <a:buFont typeface="Arial"/>
+              <a:buNone/>
+            </a:pPr>
+            <a:r>
+              <a:rPr lang="es-ES" sz="1400" b="0" i="0" u="none" strike="noStrike" cap="none">
+                <a:solidFill>
+                  <a:srgbClr val="000000"/>
+                </a:solidFill>
+                <a:latin typeface="Arial"/>
+                <a:ea typeface="Arial"/>
+                <a:cs typeface="Arial"/>
+                <a:sym typeface="Arial"/>
+              </a:rPr>
+              <a:t>C</a:t>
+            </a:r>
+            <a:endParaRPr sz="1400" b="0" i="0" u="none" strike="noStrike" cap="none">
+              <a:solidFill>
+                <a:srgbClr val="000000"/>
+              </a:solidFill>
+              <a:latin typeface="Arial"/>
+              <a:ea typeface="Arial"/>
+              <a:cs typeface="Arial"/>
+              <a:sym typeface="Arial"/>
+            </a:endParaRPr>
+          </a:p>
+        </p:txBody>
+      </p:sp>
+      <p:cxnSp>
+        <p:nvCxnSpPr>
+          <p:cNvPr id="209" name="Google Shape;209;g87d0b50373_4_27"/>
+          <p:cNvCxnSpPr>
+            <a:stCxn id="205" idx="7"/>
+            <a:endCxn id="206" idx="3"/>
+          </p:cNvCxnSpPr>
+          <p:nvPr/>
+        </p:nvCxnSpPr>
+        <p:spPr>
+          <a:xfrm rot="10800000" flipH="1">
+            <a:off x="1661604" y="4524322"/>
+            <a:ext cx="828900" cy="554400"/>
+          </a:xfrm>
+          <a:prstGeom prst="straightConnector1">
+            <a:avLst/>
+          </a:prstGeom>
+          <a:noFill/>
+          <a:ln w="9525" cap="flat" cmpd="sng">
+            <a:solidFill>
+              <a:schemeClr val="dk2"/>
+            </a:solidFill>
+            <a:prstDash val="solid"/>
+            <a:round/>
+            <a:headEnd type="none" w="sm" len="sm"/>
+            <a:tailEnd type="none" w="sm" len="sm"/>
+          </a:ln>
+        </p:spPr>
+      </p:cxnSp>
+      <p:cxnSp>
+        <p:nvCxnSpPr>
+          <p:cNvPr id="210" name="Google Shape;210;g87d0b50373_4_27"/>
+          <p:cNvCxnSpPr>
+            <a:stCxn id="205" idx="0"/>
+            <a:endCxn id="205" idx="2"/>
+          </p:cNvCxnSpPr>
+          <p:nvPr/>
+        </p:nvCxnSpPr>
+        <p:spPr>
+          <a:xfrm rot="5400000">
+            <a:off x="1223250" y="5014038"/>
+            <a:ext cx="282300" cy="246300"/>
+          </a:xfrm>
+          <a:prstGeom prst="curvedConnector4">
+            <a:avLst>
+              <a:gd name="adj1" fmla="val -84352"/>
+              <a:gd name="adj2" fmla="val 197100"/>
+            </a:avLst>
+          </a:prstGeom>
+          <a:noFill/>
+          <a:ln w="9525" cap="flat" cmpd="sng">
+            <a:solidFill>
+              <a:schemeClr val="dk2"/>
+            </a:solidFill>
+            <a:prstDash val="solid"/>
+            <a:round/>
+            <a:headEnd type="none" w="sm" len="sm"/>
+            <a:tailEnd type="none" w="sm" len="sm"/>
+          </a:ln>
+        </p:spPr>
+      </p:cxnSp>
+      <p:cxnSp>
+        <p:nvCxnSpPr>
+          <p:cNvPr id="211" name="Google Shape;211;g87d0b50373_4_27"/>
+          <p:cNvCxnSpPr>
+            <a:stCxn id="205" idx="7"/>
+            <a:endCxn id="206" idx="3"/>
+          </p:cNvCxnSpPr>
+          <p:nvPr/>
+        </p:nvCxnSpPr>
+        <p:spPr>
+          <a:xfrm rot="10800000" flipH="1">
+            <a:off x="1661604" y="4524322"/>
+            <a:ext cx="828900" cy="554400"/>
+          </a:xfrm>
+          <a:prstGeom prst="straightConnector1">
+            <a:avLst/>
+          </a:prstGeom>
+          <a:noFill/>
+          <a:ln w="9525" cap="flat" cmpd="sng">
+            <a:solidFill>
+              <a:schemeClr val="dk2"/>
+            </a:solidFill>
+            <a:prstDash val="solid"/>
+            <a:round/>
+            <a:headEnd type="none" w="sm" len="sm"/>
+            <a:tailEnd type="triangle" w="med" len="med"/>
+          </a:ln>
+        </p:spPr>
+      </p:cxnSp>
+      <p:cxnSp>
+        <p:nvCxnSpPr>
+          <p:cNvPr id="212" name="Google Shape;212;g87d0b50373_4_27"/>
+          <p:cNvCxnSpPr>
+            <a:stCxn id="206" idx="4"/>
+            <a:endCxn id="208" idx="0"/>
+          </p:cNvCxnSpPr>
+          <p:nvPr/>
+        </p:nvCxnSpPr>
+        <p:spPr>
+          <a:xfrm>
+            <a:off x="2664425" y="4607125"/>
+            <a:ext cx="0" cy="1446300"/>
+          </a:xfrm>
+          <a:prstGeom prst="straightConnector1">
+            <a:avLst/>
+          </a:prstGeom>
+          <a:noFill/>
+          <a:ln w="9525" cap="flat" cmpd="sng">
+            <a:solidFill>
+              <a:schemeClr val="dk2"/>
+            </a:solidFill>
+            <a:prstDash val="solid"/>
+            <a:round/>
+            <a:headEnd type="none" w="sm" len="sm"/>
+            <a:tailEnd type="triangle" w="med" len="med"/>
+          </a:ln>
+        </p:spPr>
+      </p:cxnSp>
+      <p:cxnSp>
+        <p:nvCxnSpPr>
+          <p:cNvPr id="213" name="Google Shape;213;g87d0b50373_4_27"/>
+          <p:cNvCxnSpPr>
+            <a:stCxn id="207" idx="1"/>
+            <a:endCxn id="206" idx="5"/>
+          </p:cNvCxnSpPr>
+          <p:nvPr/>
+        </p:nvCxnSpPr>
+        <p:spPr>
+          <a:xfrm rot="10800000">
+            <a:off x="2838396" y="4524297"/>
+            <a:ext cx="1313400" cy="1611900"/>
+          </a:xfrm>
+          <a:prstGeom prst="straightConnector1">
+            <a:avLst/>
+          </a:prstGeom>
+          <a:noFill/>
+          <a:ln w="9525" cap="flat" cmpd="sng">
+            <a:solidFill>
+              <a:schemeClr val="dk2"/>
+            </a:solidFill>
+            <a:prstDash val="solid"/>
+            <a:round/>
+            <a:headEnd type="none" w="sm" len="sm"/>
+            <a:tailEnd type="triangle" w="med" len="med"/>
+          </a:ln>
+        </p:spPr>
+      </p:cxnSp>
+      <p:cxnSp>
+        <p:nvCxnSpPr>
+          <p:cNvPr id="214" name="Google Shape;214;g87d0b50373_4_27"/>
+          <p:cNvCxnSpPr>
+            <a:stCxn id="208" idx="6"/>
+            <a:endCxn id="207" idx="2"/>
+          </p:cNvCxnSpPr>
+          <p:nvPr/>
+        </p:nvCxnSpPr>
+        <p:spPr>
+          <a:xfrm>
+            <a:off x="2910575" y="6335838"/>
+            <a:ext cx="1169100" cy="0"/>
+          </a:xfrm>
+          <a:prstGeom prst="straightConnector1">
+            <a:avLst/>
+          </a:prstGeom>
+          <a:noFill/>
+          <a:ln w="9525" cap="flat" cmpd="sng">
+            <a:solidFill>
+              <a:schemeClr val="dk2"/>
+            </a:solidFill>
+            <a:prstDash val="solid"/>
+            <a:round/>
+            <a:headEnd type="none" w="sm" len="sm"/>
+            <a:tailEnd type="triangle" w="med" len="med"/>
+          </a:ln>
+        </p:spPr>
+      </p:cxnSp>
+      <p:cxnSp>
+        <p:nvCxnSpPr>
+          <p:cNvPr id="215" name="Google Shape;215;g87d0b50373_4_27"/>
+          <p:cNvCxnSpPr>
+            <a:stCxn id="208" idx="1"/>
+            <a:endCxn id="205" idx="5"/>
+          </p:cNvCxnSpPr>
+          <p:nvPr/>
+        </p:nvCxnSpPr>
+        <p:spPr>
+          <a:xfrm rot="10800000">
+            <a:off x="1661471" y="5478022"/>
+            <a:ext cx="828900" cy="658200"/>
+          </a:xfrm>
+          <a:prstGeom prst="straightConnector1">
+            <a:avLst/>
+          </a:prstGeom>
+          <a:noFill/>
+          <a:ln w="9525" cap="flat" cmpd="sng">
+            <a:solidFill>
+              <a:schemeClr val="dk2"/>
+            </a:solidFill>
+            <a:prstDash val="solid"/>
+            <a:round/>
+            <a:headEnd type="none" w="sm" len="sm"/>
+            <a:tailEnd type="triangle" w="med" len="med"/>
+          </a:ln>
+        </p:spPr>
+      </p:cxnSp>
+      <p:cxnSp>
+        <p:nvCxnSpPr>
+          <p:cNvPr id="216" name="Google Shape;216;g87d0b50373_4_27"/>
+          <p:cNvCxnSpPr/>
+          <p:nvPr/>
+        </p:nvCxnSpPr>
+        <p:spPr>
+          <a:xfrm>
+            <a:off x="1465650" y="4907150"/>
+            <a:ext cx="26100" cy="97200"/>
+          </a:xfrm>
+          <a:prstGeom prst="straightConnector1">
+            <a:avLst/>
+          </a:prstGeom>
+          <a:noFill/>
+          <a:ln w="9525" cap="flat" cmpd="sng">
+            <a:solidFill>
+              <a:schemeClr val="dk2"/>
+            </a:solidFill>
+            <a:prstDash val="solid"/>
+            <a:round/>
+            <a:headEnd type="none" w="sm" len="sm"/>
+            <a:tailEnd type="triangle" w="med" len="med"/>
+          </a:ln>
+        </p:spPr>
+      </p:cxnSp>
+      <p:cxnSp>
+        <p:nvCxnSpPr>
+          <p:cNvPr id="217" name="Google Shape;217;g87d0b50373_4_27"/>
+          <p:cNvCxnSpPr>
+            <a:stCxn id="200" idx="2"/>
+            <a:endCxn id="199" idx="7"/>
+          </p:cNvCxnSpPr>
+          <p:nvPr/>
+        </p:nvCxnSpPr>
+        <p:spPr>
+          <a:xfrm flipH="1">
+            <a:off x="6531950" y="4713775"/>
+            <a:ext cx="1132500" cy="365100"/>
+          </a:xfrm>
+          <a:prstGeom prst="straightConnector1">
+            <a:avLst/>
+          </a:prstGeom>
+          <a:noFill/>
+          <a:ln w="9525" cap="flat" cmpd="sng">
+            <a:solidFill>
+              <a:schemeClr val="dk2"/>
+            </a:solidFill>
+            <a:prstDash val="solid"/>
+            <a:round/>
+            <a:headEnd type="none" w="sm" len="sm"/>
+            <a:tailEnd type="triangle" w="med" len="med"/>
+          </a:ln>
+        </p:spPr>
+      </p:cxnSp>
     </p:spTree>
   </p:cSld>
   <p:clrMapOvr>
     <a:masterClrMapping/>
   </p:clrMapOvr>
+  <p:timing>
+    <p:tnLst>
+      <p:par>
+        <p:cTn id="1" dur="indefinite" restart="never" nodeType="tmRoot">
+          <p:childTnLst>
+            <p:seq concurrent="1" nextAc="seek">
+              <p:cTn id="2" dur="indefinite" nodeType="mainSeq">
+                <p:childTnLst>
+                  <p:par>
+                    <p:cTn id="3" fill="hold">
+                      <p:stCondLst>
+                        <p:cond delay="indefinite"/>
+                      </p:stCondLst>
+                      <p:childTnLst>
+                        <p:par>
+                          <p:cTn id="4" fill="hold">
+                            <p:stCondLst>
+                              <p:cond delay="0"/>
+                            </p:stCondLst>
+                            <p:childTnLst>
+                              <p:par>
+                                <p:cTn id="5" presetID="10" presetClass="entr" presetSubtype="0" fill="hold" nodeType="clickEffect">
+                                  <p:stCondLst>
+                                    <p:cond delay="0"/>
+                                  </p:stCondLst>
+                                  <p:childTnLst>
+                                    <p:set>
+                                      <p:cBhvr>
+                                        <p:cTn id="6" dur="1" fill="hold">
+                                          <p:stCondLst>
+                                            <p:cond delay="0"/>
+                                          </p:stCondLst>
+                                        </p:cTn>
+                                        <p:tgtEl>
+                                          <p:spTgt spid="198">
+                                            <p:txEl>
+                                              <p:pRg st="0" end="0"/>
+                                            </p:txEl>
+                                          </p:spTgt>
+                                        </p:tgtEl>
+                                        <p:attrNameLst>
+                                          <p:attrName>style.visibility</p:attrName>
+                                        </p:attrNameLst>
+                                      </p:cBhvr>
+                                      <p:to>
+                                        <p:strVal val="visible"/>
+                                      </p:to>
+                                    </p:set>
+                                    <p:animEffect transition="in" filter="fade">
+                                      <p:cBhvr>
+                                        <p:cTn id="7" dur="500"/>
+                                        <p:tgtEl>
+                                          <p:spTgt spid="198">
+                                            <p:txEl>
+                                              <p:pRg st="0" end="0"/>
+                                            </p:txEl>
+                                          </p:spTgt>
+                                        </p:tgtEl>
+                                      </p:cBhvr>
+                                    </p:animEffect>
+                                  </p:childTnLst>
+                                </p:cTn>
+                              </p:par>
+                            </p:childTnLst>
+                          </p:cTn>
+                        </p:par>
+                      </p:childTnLst>
+                    </p:cTn>
+                  </p:par>
+                  <p:par>
+                    <p:cTn id="8" fill="hold">
+                      <p:stCondLst>
+                        <p:cond delay="indefinite"/>
+                      </p:stCondLst>
+                      <p:childTnLst>
+                        <p:par>
+                          <p:cTn id="9" fill="hold">
+                            <p:stCondLst>
+                              <p:cond delay="0"/>
+                            </p:stCondLst>
+                            <p:childTnLst>
+                              <p:par>
+                                <p:cTn id="10" presetID="10" presetClass="entr" presetSubtype="0" fill="hold" nodeType="clickEffect">
+                                  <p:stCondLst>
+                                    <p:cond delay="0"/>
+                                  </p:stCondLst>
+                                  <p:childTnLst>
+                                    <p:set>
+                                      <p:cBhvr>
+                                        <p:cTn id="11" dur="1" fill="hold">
+                                          <p:stCondLst>
+                                            <p:cond delay="0"/>
+                                          </p:stCondLst>
+                                        </p:cTn>
+                                        <p:tgtEl>
+                                          <p:spTgt spid="198">
+                                            <p:txEl>
+                                              <p:pRg st="1" end="1"/>
+                                            </p:txEl>
+                                          </p:spTgt>
+                                        </p:tgtEl>
+                                        <p:attrNameLst>
+                                          <p:attrName>style.visibility</p:attrName>
+                                        </p:attrNameLst>
+                                      </p:cBhvr>
+                                      <p:to>
+                                        <p:strVal val="visible"/>
+                                      </p:to>
+                                    </p:set>
+                                    <p:animEffect transition="in" filter="fade">
+                                      <p:cBhvr>
+                                        <p:cTn id="12" dur="500"/>
+                                        <p:tgtEl>
+                                          <p:spTgt spid="198">
+                                            <p:txEl>
+                                              <p:pRg st="1" end="1"/>
+                                            </p:txEl>
+                                          </p:spTgt>
+                                        </p:tgtEl>
+                                      </p:cBhvr>
+                                    </p:animEffect>
+                                  </p:childTnLst>
+                                </p:cTn>
+                              </p:par>
+                            </p:childTnLst>
+                          </p:cTn>
+                        </p:par>
+                      </p:childTnLst>
+                    </p:cTn>
+                  </p:par>
+                </p:childTnLst>
+              </p:cTn>
+              <p:prevCondLst>
+                <p:cond evt="onPrev" delay="0">
+                  <p:tgtEl>
+                    <p:sldTgt/>
+                  </p:tgtEl>
+                </p:cond>
+              </p:prevCondLst>
+              <p:nextCondLst>
+                <p:cond evt="onNext" delay="0">
+                  <p:tgtEl>
+                    <p:sldTgt/>
+                  </p:tgtEl>
+                </p:cond>
+              </p:nextCondLst>
+            </p:seq>
+          </p:childTnLst>
+        </p:cTn>
+      </p:par>
+    </p:tnLst>
+  </p:timing>
 </p:sld>
 </file>
 

--- a/Clase X - Grafos, representaciones y recorridos básicos/Clase de Grafos.pptx
+++ b/Clase X - Grafos, representaciones y recorridos básicos/Clase de Grafos.pptx
@@ -283,7 +283,7 @@
       </p15:sldGuideLst>
     </p:ext>
     <p:ext uri="http://customooxmlschemas.google.com/">
-      <go:slidesCustomData xmlns:go="http://customooxmlschemas.google.com/" xmlns:ahyp="http://schemas.microsoft.com/office/drawing/2018/hyperlinkcolor" xmlns:p15="http://schemas.microsoft.com/office/powerpoint/2012/main" xmlns:p14="http://schemas.microsoft.com/office/powerpoint/2010/main" xmlns:com="http://schemas.openxmlformats.org/drawingml/2006/compatibility" xmlns:pvml="urn:schemas-microsoft-com:office:powerpoint" xmlns:v="urn:schemas-microsoft-com:vml" xmlns:o="urn:schemas-microsoft-com:office:office" xmlns:dgm="http://schemas.openxmlformats.org/drawingml/2006/diagram" xmlns:c="http://schemas.openxmlformats.org/drawingml/2006/chart" xmlns:mv="urn:schemas-microsoft-com:mac:vml" xmlns:mc="http://schemas.openxmlformats.org/markup-compatibility/2006" xmlns="" r:id="rId46" roundtripDataSignature="AMtx7mgwgARjPC6QHRbbaRWQiZp0Tnw/pQ=="/>
+      <go:slidesCustomData xmlns="" xmlns:mc="http://schemas.openxmlformats.org/markup-compatibility/2006" xmlns:mv="urn:schemas-microsoft-com:mac:vml" xmlns:c="http://schemas.openxmlformats.org/drawingml/2006/chart" xmlns:dgm="http://schemas.openxmlformats.org/drawingml/2006/diagram" xmlns:o="urn:schemas-microsoft-com:office:office" xmlns:v="urn:schemas-microsoft-com:vml" xmlns:pvml="urn:schemas-microsoft-com:office:powerpoint" xmlns:com="http://schemas.openxmlformats.org/drawingml/2006/compatibility" xmlns:p14="http://schemas.microsoft.com/office/powerpoint/2010/main" xmlns:p15="http://schemas.microsoft.com/office/powerpoint/2012/main" xmlns:ahyp="http://schemas.microsoft.com/office/drawing/2018/hyperlinkcolor" xmlns:go="http://customooxmlschemas.google.com/" r:id="rId46" roundtripDataSignature="AMtx7mgwgARjPC6QHRbbaRWQiZp0Tnw/pQ=="/>
     </p:ext>
   </p:extLst>
 </p:presentation>
@@ -25657,10 +25657,10 @@
               <a:buNone/>
             </a:pPr>
             <a:r>
-              <a:rPr lang="es-ES" sz="2205"/>
+              <a:rPr lang="es-ES" sz="2205" dirty="0"/>
               <a:t>La operación de recorrer una estructura de datos consiste en visitar (procesar) cada uno de los nodos a partir de uno dado. Así, para recorrer un árbol se parte del nodo raíz y según el orden se visitan todos los nodos. De igual forma, recorrer un grafo consiste en visitar todos los vértices alcanzables a partir de uno dado. </a:t>
             </a:r>
-            <a:endParaRPr sz="2205"/>
+            <a:endParaRPr sz="2205" dirty="0"/>
           </a:p>
           <a:p>
             <a:pPr marL="0" lvl="0" indent="0" algn="just" rtl="0">
@@ -25676,7 +25676,7 @@
               <a:buSzPts val="1710"/>
               <a:buNone/>
             </a:pPr>
-            <a:endParaRPr sz="2205"/>
+            <a:endParaRPr sz="2205" dirty="0"/>
           </a:p>
           <a:p>
             <a:pPr marL="0" lvl="0" indent="0" algn="just" rtl="0">
@@ -25693,10 +25693,10 @@
               <a:buNone/>
             </a:pPr>
             <a:r>
-              <a:rPr lang="es-ES" sz="2205"/>
+              <a:rPr lang="es-ES" sz="2205" dirty="0"/>
               <a:t>Los recorridos de grafos se pueden realizar por:</a:t>
             </a:r>
-            <a:endParaRPr sz="2205"/>
+            <a:endParaRPr sz="2205" dirty="0"/>
           </a:p>
           <a:p>
             <a:pPr marL="914400" lvl="0" indent="-368617" algn="just" rtl="0">
@@ -25713,10 +25713,34 @@
               <a:buChar char="⚫"/>
             </a:pPr>
             <a:r>
-              <a:rPr lang="es-ES" sz="2205" b="1" i="1"/>
-              <a:t>Recorrido en Anchura (BFS - Breadth First Search)</a:t>
+              <a:rPr lang="es-ES" sz="2205" b="1" i="1" dirty="0"/>
+              <a:t>Recorrido en Anchura (BFS - </a:t>
             </a:r>
-            <a:endParaRPr sz="2205" b="1" i="1"/>
+            <a:r>
+              <a:rPr lang="es-ES" sz="2205" b="1" i="1" dirty="0" err="1"/>
+              <a:t>Breadth</a:t>
+            </a:r>
+            <a:r>
+              <a:rPr lang="es-ES" sz="2205" b="1" i="1" dirty="0"/>
+              <a:t> </a:t>
+            </a:r>
+            <a:r>
+              <a:rPr lang="es-ES" sz="2205" b="1" i="1" dirty="0" err="1"/>
+              <a:t>First</a:t>
+            </a:r>
+            <a:r>
+              <a:rPr lang="es-ES" sz="2205" b="1" i="1" dirty="0"/>
+              <a:t> </a:t>
+            </a:r>
+            <a:r>
+              <a:rPr lang="es-ES" sz="2205" b="1" i="1" dirty="0" err="1"/>
+              <a:t>Search</a:t>
+            </a:r>
+            <a:r>
+              <a:rPr lang="es-ES" sz="2205" b="1" i="1" dirty="0"/>
+              <a:t>)</a:t>
+            </a:r>
+            <a:endParaRPr sz="2205" b="1" i="1" dirty="0"/>
           </a:p>
           <a:p>
             <a:pPr marL="914400" lvl="0" indent="-368617" algn="just" rtl="0">
@@ -25733,10 +25757,26 @@
               <a:buChar char="⚫"/>
             </a:pPr>
             <a:r>
-              <a:rPr lang="es-ES" sz="2205" b="1" i="1"/>
-              <a:t>Recorrido en Profundidad (DFS - Depth First Search)</a:t>
+              <a:rPr lang="es-ES" sz="2205" b="1" i="1" dirty="0"/>
+              <a:t>Recorrido en Profundidad (DFS - Depth </a:t>
             </a:r>
-            <a:endParaRPr sz="2205" b="1"/>
+            <a:r>
+              <a:rPr lang="es-ES" sz="2205" b="1" i="1" dirty="0" err="1"/>
+              <a:t>First</a:t>
+            </a:r>
+            <a:r>
+              <a:rPr lang="es-ES" sz="2205" b="1" i="1" dirty="0"/>
+              <a:t> </a:t>
+            </a:r>
+            <a:r>
+              <a:rPr lang="es-ES" sz="2205" b="1" i="1" dirty="0" err="1"/>
+              <a:t>Search</a:t>
+            </a:r>
+            <a:r>
+              <a:rPr lang="es-ES" sz="2205" b="1" i="1" dirty="0"/>
+              <a:t>)</a:t>
+            </a:r>
+            <a:endParaRPr sz="2205" b="1" dirty="0"/>
           </a:p>
           <a:p>
             <a:pPr marL="457200" lvl="0" indent="0" algn="l" rtl="0">
@@ -25752,7 +25792,7 @@
               <a:buSzPts val="1710"/>
               <a:buNone/>
             </a:pPr>
-            <a:endParaRPr sz="1800"/>
+            <a:endParaRPr sz="1800" dirty="0"/>
           </a:p>
         </p:txBody>
       </p:sp>
@@ -32961,10 +33001,9 @@
               <a:buNone/>
             </a:pPr>
             <a:r>
-              <a:rPr lang="es-ES" sz="2000"/>
+              <a:rPr lang="es-ES" sz="2000" dirty="0"/>
               <a:t>Sea un Grafo (G), se llama:</a:t>
             </a:r>
-            <a:endParaRPr lang="es-ES" sz="2000" dirty="0"/>
           </a:p>
           <a:p>
             <a:pPr marL="0" lvl="0" indent="0" algn="just">
@@ -32983,7 +33022,7 @@
             <a:br>
               <a:rPr lang="es-ES" sz="2400" dirty="0"/>
             </a:br>
-            <a:endParaRPr sz="1100"/>
+            <a:endParaRPr sz="1100" dirty="0"/>
           </a:p>
           <a:p>
             <a:pPr marL="457200" lvl="0" indent="-381000" algn="just" rtl="0">
@@ -33248,7 +33287,7 @@
         </p:nvSpPr>
         <p:spPr>
           <a:xfrm>
-            <a:off x="457200" y="1843113"/>
+            <a:off x="216826" y="1828947"/>
             <a:ext cx="4647826" cy="4773581"/>
           </a:xfrm>
           <a:prstGeom prst="rect">
@@ -33282,10 +33321,10 @@
               <a:buChar char="❖"/>
             </a:pPr>
             <a:r>
-              <a:rPr lang="es-ES" sz="2004" b="1" i="1"/>
+              <a:rPr lang="es-ES" sz="2004" b="1" i="1" dirty="0"/>
               <a:t>Grado de un Nodo: </a:t>
             </a:r>
-            <a:endParaRPr sz="2004" b="1" i="1"/>
+            <a:endParaRPr sz="2004" b="1" i="1" dirty="0"/>
           </a:p>
           <a:p>
             <a:pPr marL="914400" lvl="1" indent="-355917" algn="just" rtl="0">
@@ -33302,10 +33341,10 @@
               <a:buChar char="➢"/>
             </a:pPr>
             <a:r>
-              <a:rPr lang="es-ES" sz="2004" i="1"/>
+              <a:rPr lang="es-ES" sz="2004" i="1" dirty="0"/>
               <a:t>A: 3</a:t>
             </a:r>
-            <a:endParaRPr sz="2004" i="1"/>
+            <a:endParaRPr sz="2004" i="1" dirty="0"/>
           </a:p>
           <a:p>
             <a:pPr marL="914400" lvl="1" indent="-355917" algn="just" rtl="0">
@@ -33322,10 +33361,10 @@
               <a:buChar char="➢"/>
             </a:pPr>
             <a:r>
-              <a:rPr lang="es-ES" sz="2004" i="1"/>
+              <a:rPr lang="es-ES" sz="2004" i="1" dirty="0"/>
               <a:t>B: 4</a:t>
             </a:r>
-            <a:endParaRPr sz="2004" i="1"/>
+            <a:endParaRPr sz="2004" i="1" dirty="0"/>
           </a:p>
           <a:p>
             <a:pPr marL="914400" lvl="1" indent="-355917" algn="just" rtl="0">
@@ -33342,10 +33381,10 @@
               <a:buChar char="➢"/>
             </a:pPr>
             <a:r>
-              <a:rPr lang="es-ES" sz="2004" i="1"/>
+              <a:rPr lang="es-ES" sz="2004" i="1" dirty="0"/>
               <a:t>D:3</a:t>
             </a:r>
-            <a:endParaRPr sz="2004" i="1"/>
+            <a:endParaRPr sz="2004" i="1" dirty="0"/>
           </a:p>
           <a:p>
             <a:pPr marL="457200" lvl="0" indent="-355917" algn="just" rtl="0">
@@ -33416,7 +33455,7 @@
               <a:t> { (F, B), (B, C), (C, A), (A, A),</a:t>
             </a:r>
             <a:br>
-              <a:rPr lang="es-ES" sz="2004" i="1"/>
+              <a:rPr lang="es-ES" sz="2004" i="1" dirty="0"/>
             </a:br>
             <a:r>
               <a:rPr lang="es-ES" sz="2004" i="1" dirty="0"/>
@@ -33442,26 +33481,26 @@
               <a:buChar char="❖"/>
             </a:pPr>
             <a:r>
-              <a:rPr lang="es-ES" sz="2004" b="1" i="1"/>
+              <a:rPr lang="es-ES" sz="2004" b="1" i="1" dirty="0"/>
               <a:t>Camino:</a:t>
             </a:r>
             <a:r>
-              <a:rPr lang="es-ES" sz="2004" i="1"/>
+              <a:rPr lang="es-ES" sz="2004" i="1" dirty="0"/>
               <a:t> </a:t>
             </a:r>
             <a:r>
-              <a:rPr lang="es-ES" sz="2004"/>
+              <a:rPr lang="es-ES" sz="2004" dirty="0"/>
               <a:t>{ </a:t>
             </a:r>
             <a:r>
-              <a:rPr lang="es-ES" sz="2004" i="1"/>
+              <a:rPr lang="es-ES" sz="2004" i="1" dirty="0"/>
               <a:t>(A, C), (C, D), (D, E)</a:t>
             </a:r>
             <a:r>
-              <a:rPr lang="es-ES" sz="2004"/>
+              <a:rPr lang="es-ES" sz="2004" dirty="0"/>
               <a:t> }</a:t>
             </a:r>
-            <a:endParaRPr sz="2004"/>
+            <a:endParaRPr sz="2004" dirty="0"/>
           </a:p>
           <a:p>
             <a:pPr marL="457200" lvl="0" indent="-355917" algn="just" rtl="0">
@@ -33531,7 +33570,56 @@
               <a:rPr lang="es-ES" sz="2004" dirty="0"/>
               <a:t>5</a:t>
             </a:r>
-            <a:endParaRPr sz="2004" dirty="0"/>
+          </a:p>
+          <a:p>
+            <a:pPr marL="457200" lvl="0" indent="-355917" algn="just" rtl="0">
+              <a:lnSpc>
+                <a:spcPct val="100000"/>
+              </a:lnSpc>
+              <a:spcBef>
+                <a:spcPts val="0"/>
+              </a:spcBef>
+              <a:spcAft>
+                <a:spcPts val="0"/>
+              </a:spcAft>
+              <a:buClr>
+                <a:srgbClr val="4A86E8"/>
+              </a:buClr>
+              <a:buSzPts val="2005"/>
+              <a:buChar char="❖"/>
+            </a:pPr>
+            <a:endParaRPr lang="es-ES" sz="2004" dirty="0"/>
+          </a:p>
+          <a:p>
+            <a:pPr marL="457200" lvl="0" indent="-355917" algn="just" rtl="0">
+              <a:lnSpc>
+                <a:spcPct val="100000"/>
+              </a:lnSpc>
+              <a:spcBef>
+                <a:spcPts val="0"/>
+              </a:spcBef>
+              <a:spcAft>
+                <a:spcPts val="0"/>
+              </a:spcAft>
+              <a:buClr>
+                <a:srgbClr val="4A86E8"/>
+              </a:buClr>
+              <a:buSzPts val="2005"/>
+              <a:buChar char="❖"/>
+            </a:pPr>
+            <a:r>
+              <a:rPr lang="es-MX" sz="2004" dirty="0">
+                <a:solidFill>
+                  <a:srgbClr val="FF0000"/>
+                </a:solidFill>
+              </a:rPr>
+              <a:t>No se puede repetir en ciclo y camino.</a:t>
+            </a:r>
+            <a:endParaRPr sz="2004" dirty="0">
+              <a:solidFill>
+                <a:srgbClr val="FF0000"/>
+              </a:solidFill>
+            </a:endParaRPr>
           </a:p>
         </p:txBody>
       </p:sp>
